--- a/Slides/Task1.pptx
+++ b/Slides/Task1.pptx
@@ -5,39 +5,44 @@
     <p:sldMasterId id="2147483648" r:id="rId1"/>
   </p:sldMasterIdLst>
   <p:notesMasterIdLst>
-    <p:notesMasterId r:id="rId32"/>
+    <p:notesMasterId r:id="rId37"/>
   </p:notesMasterIdLst>
   <p:sldIdLst>
     <p:sldId id="256" r:id="rId2"/>
     <p:sldId id="257" r:id="rId3"/>
-    <p:sldId id="258" r:id="rId4"/>
-    <p:sldId id="259" r:id="rId5"/>
-    <p:sldId id="260" r:id="rId6"/>
-    <p:sldId id="264" r:id="rId7"/>
-    <p:sldId id="262" r:id="rId8"/>
-    <p:sldId id="265" r:id="rId9"/>
-    <p:sldId id="266" r:id="rId10"/>
-    <p:sldId id="267" r:id="rId11"/>
-    <p:sldId id="268" r:id="rId12"/>
-    <p:sldId id="269" r:id="rId13"/>
-    <p:sldId id="270" r:id="rId14"/>
-    <p:sldId id="271" r:id="rId15"/>
-    <p:sldId id="272" r:id="rId16"/>
-    <p:sldId id="274" r:id="rId17"/>
-    <p:sldId id="273" r:id="rId18"/>
-    <p:sldId id="278" r:id="rId19"/>
-    <p:sldId id="275" r:id="rId20"/>
-    <p:sldId id="277" r:id="rId21"/>
-    <p:sldId id="279" r:id="rId22"/>
-    <p:sldId id="280" r:id="rId23"/>
-    <p:sldId id="281" r:id="rId24"/>
-    <p:sldId id="282" r:id="rId25"/>
-    <p:sldId id="283" r:id="rId26"/>
-    <p:sldId id="284" r:id="rId27"/>
-    <p:sldId id="285" r:id="rId28"/>
-    <p:sldId id="286" r:id="rId29"/>
-    <p:sldId id="287" r:id="rId30"/>
-    <p:sldId id="288" r:id="rId31"/>
+    <p:sldId id="296" r:id="rId4"/>
+    <p:sldId id="295" r:id="rId5"/>
+    <p:sldId id="293" r:id="rId6"/>
+    <p:sldId id="294" r:id="rId7"/>
+    <p:sldId id="264" r:id="rId8"/>
+    <p:sldId id="260" r:id="rId9"/>
+    <p:sldId id="262" r:id="rId10"/>
+    <p:sldId id="265" r:id="rId11"/>
+    <p:sldId id="266" r:id="rId12"/>
+    <p:sldId id="267" r:id="rId13"/>
+    <p:sldId id="268" r:id="rId14"/>
+    <p:sldId id="269" r:id="rId15"/>
+    <p:sldId id="270" r:id="rId16"/>
+    <p:sldId id="271" r:id="rId17"/>
+    <p:sldId id="272" r:id="rId18"/>
+    <p:sldId id="274" r:id="rId19"/>
+    <p:sldId id="273" r:id="rId20"/>
+    <p:sldId id="278" r:id="rId21"/>
+    <p:sldId id="275" r:id="rId22"/>
+    <p:sldId id="277" r:id="rId23"/>
+    <p:sldId id="279" r:id="rId24"/>
+    <p:sldId id="280" r:id="rId25"/>
+    <p:sldId id="281" r:id="rId26"/>
+    <p:sldId id="282" r:id="rId27"/>
+    <p:sldId id="283" r:id="rId28"/>
+    <p:sldId id="284" r:id="rId29"/>
+    <p:sldId id="285" r:id="rId30"/>
+    <p:sldId id="286" r:id="rId31"/>
+    <p:sldId id="287" r:id="rId32"/>
+    <p:sldId id="290" r:id="rId33"/>
+    <p:sldId id="291" r:id="rId34"/>
+    <p:sldId id="292" r:id="rId35"/>
+    <p:sldId id="288" r:id="rId36"/>
   </p:sldIdLst>
   <p:sldSz cx="12192000" cy="6858000"/>
   <p:notesSz cx="6858000" cy="9144000"/>
@@ -226,7 +231,7 @@
           <a:p>
             <a:fld id="{2FD41637-D3C3-47EF-880A-627CF34E7DF6}" type="datetimeFigureOut">
               <a:rPr lang="en-DE" smtClean="0"/>
-              <a:t>04/06/2023</a:t>
+              <a:t>05/06/2023</a:t>
             </a:fld>
             <a:endParaRPr lang="en-DE"/>
           </a:p>
@@ -559,7 +564,7 @@
           <a:p>
             <a:fld id="{6EAE5734-2E5C-40EA-BCEA-F438C6605B50}" type="slidenum">
               <a:rPr lang="en-DE" smtClean="0"/>
-              <a:t>15</a:t>
+              <a:t>17</a:t>
             </a:fld>
             <a:endParaRPr lang="en-DE"/>
           </a:p>
@@ -727,7 +732,7 @@
           <a:p>
             <a:fld id="{72726B13-3CAF-4D83-9CAC-D90A9ED39408}" type="datetimeFigureOut">
               <a:rPr lang="en-DE" smtClean="0"/>
-              <a:t>04/06/2023</a:t>
+              <a:t>05/06/2023</a:t>
             </a:fld>
             <a:endParaRPr lang="en-DE"/>
           </a:p>
@@ -927,7 +932,7 @@
           <a:p>
             <a:fld id="{72726B13-3CAF-4D83-9CAC-D90A9ED39408}" type="datetimeFigureOut">
               <a:rPr lang="en-DE" smtClean="0"/>
-              <a:t>04/06/2023</a:t>
+              <a:t>05/06/2023</a:t>
             </a:fld>
             <a:endParaRPr lang="en-DE"/>
           </a:p>
@@ -1137,7 +1142,7 @@
           <a:p>
             <a:fld id="{72726B13-3CAF-4D83-9CAC-D90A9ED39408}" type="datetimeFigureOut">
               <a:rPr lang="en-DE" smtClean="0"/>
-              <a:t>04/06/2023</a:t>
+              <a:t>05/06/2023</a:t>
             </a:fld>
             <a:endParaRPr lang="en-DE"/>
           </a:p>
@@ -1337,7 +1342,7 @@
           <a:p>
             <a:fld id="{72726B13-3CAF-4D83-9CAC-D90A9ED39408}" type="datetimeFigureOut">
               <a:rPr lang="en-DE" smtClean="0"/>
-              <a:t>04/06/2023</a:t>
+              <a:t>05/06/2023</a:t>
             </a:fld>
             <a:endParaRPr lang="en-DE"/>
           </a:p>
@@ -1613,7 +1618,7 @@
           <a:p>
             <a:fld id="{72726B13-3CAF-4D83-9CAC-D90A9ED39408}" type="datetimeFigureOut">
               <a:rPr lang="en-DE" smtClean="0"/>
-              <a:t>04/06/2023</a:t>
+              <a:t>05/06/2023</a:t>
             </a:fld>
             <a:endParaRPr lang="en-DE"/>
           </a:p>
@@ -1881,7 +1886,7 @@
           <a:p>
             <a:fld id="{72726B13-3CAF-4D83-9CAC-D90A9ED39408}" type="datetimeFigureOut">
               <a:rPr lang="en-DE" smtClean="0"/>
-              <a:t>04/06/2023</a:t>
+              <a:t>05/06/2023</a:t>
             </a:fld>
             <a:endParaRPr lang="en-DE"/>
           </a:p>
@@ -2296,7 +2301,7 @@
           <a:p>
             <a:fld id="{72726B13-3CAF-4D83-9CAC-D90A9ED39408}" type="datetimeFigureOut">
               <a:rPr lang="en-DE" smtClean="0"/>
-              <a:t>04/06/2023</a:t>
+              <a:t>05/06/2023</a:t>
             </a:fld>
             <a:endParaRPr lang="en-DE"/>
           </a:p>
@@ -2438,7 +2443,7 @@
           <a:p>
             <a:fld id="{72726B13-3CAF-4D83-9CAC-D90A9ED39408}" type="datetimeFigureOut">
               <a:rPr lang="en-DE" smtClean="0"/>
-              <a:t>04/06/2023</a:t>
+              <a:t>05/06/2023</a:t>
             </a:fld>
             <a:endParaRPr lang="en-DE"/>
           </a:p>
@@ -2551,7 +2556,7 @@
           <a:p>
             <a:fld id="{72726B13-3CAF-4D83-9CAC-D90A9ED39408}" type="datetimeFigureOut">
               <a:rPr lang="en-DE" smtClean="0"/>
-              <a:t>04/06/2023</a:t>
+              <a:t>05/06/2023</a:t>
             </a:fld>
             <a:endParaRPr lang="en-DE"/>
           </a:p>
@@ -2864,7 +2869,7 @@
           <a:p>
             <a:fld id="{72726B13-3CAF-4D83-9CAC-D90A9ED39408}" type="datetimeFigureOut">
               <a:rPr lang="en-DE" smtClean="0"/>
-              <a:t>04/06/2023</a:t>
+              <a:t>05/06/2023</a:t>
             </a:fld>
             <a:endParaRPr lang="en-DE"/>
           </a:p>
@@ -3153,7 +3158,7 @@
           <a:p>
             <a:fld id="{72726B13-3CAF-4D83-9CAC-D90A9ED39408}" type="datetimeFigureOut">
               <a:rPr lang="en-DE" smtClean="0"/>
-              <a:t>04/06/2023</a:t>
+              <a:t>05/06/2023</a:t>
             </a:fld>
             <a:endParaRPr lang="en-DE"/>
           </a:p>
@@ -3396,7 +3401,7 @@
           <a:p>
             <a:fld id="{72726B13-3CAF-4D83-9CAC-D90A9ED39408}" type="datetimeFigureOut">
               <a:rPr lang="en-DE" smtClean="0"/>
-              <a:t>04/06/2023</a:t>
+              <a:t>05/06/2023</a:t>
             </a:fld>
             <a:endParaRPr lang="en-DE"/>
           </a:p>
@@ -3881,6 +3886,212 @@
           </a:p>
         </p:txBody>
       </p:sp>
+      <p:sp>
+        <p:nvSpPr>
+          <p:cNvPr id="4" name="Subtitle 2">
+            <a:extLst>
+              <a:ext uri="{FF2B5EF4-FFF2-40B4-BE49-F238E27FC236}">
+                <a16:creationId xmlns:a16="http://schemas.microsoft.com/office/drawing/2014/main" id="{BD13C597-BA97-4571-DD4A-E385DF8E642B}"/>
+              </a:ext>
+            </a:extLst>
+          </p:cNvPr>
+          <p:cNvSpPr txBox="1">
+            <a:spLocks/>
+          </p:cNvSpPr>
+          <p:nvPr/>
+        </p:nvSpPr>
+        <p:spPr>
+          <a:xfrm>
+            <a:off x="1283110" y="4923504"/>
+            <a:ext cx="9144000" cy="1655762"/>
+          </a:xfrm>
+          <a:prstGeom prst="rect">
+            <a:avLst/>
+          </a:prstGeom>
+        </p:spPr>
+        <p:txBody>
+          <a:bodyPr vert="horz" lIns="91440" tIns="45720" rIns="91440" bIns="45720" rtlCol="0">
+            <a:normAutofit/>
+          </a:bodyPr>
+          <a:lstStyle>
+            <a:lvl1pPr marL="0" indent="0" algn="ctr" defTabSz="914400" rtl="0" eaLnBrk="1" latinLnBrk="0" hangingPunct="1">
+              <a:lnSpc>
+                <a:spcPct val="90000"/>
+              </a:lnSpc>
+              <a:spcBef>
+                <a:spcPts val="1000"/>
+              </a:spcBef>
+              <a:buFont typeface="Arial" panose="020B0604020202020204" pitchFamily="34" charset="0"/>
+              <a:buNone/>
+              <a:defRPr sz="2400" kern="1200">
+                <a:solidFill>
+                  <a:schemeClr val="tx1"/>
+                </a:solidFill>
+                <a:latin typeface="+mn-lt"/>
+                <a:ea typeface="+mn-ea"/>
+                <a:cs typeface="+mn-cs"/>
+              </a:defRPr>
+            </a:lvl1pPr>
+            <a:lvl2pPr marL="457200" indent="0" algn="ctr" defTabSz="914400" rtl="0" eaLnBrk="1" latinLnBrk="0" hangingPunct="1">
+              <a:lnSpc>
+                <a:spcPct val="90000"/>
+              </a:lnSpc>
+              <a:spcBef>
+                <a:spcPts val="500"/>
+              </a:spcBef>
+              <a:buFont typeface="Arial" panose="020B0604020202020204" pitchFamily="34" charset="0"/>
+              <a:buNone/>
+              <a:defRPr sz="2000" kern="1200">
+                <a:solidFill>
+                  <a:schemeClr val="tx1"/>
+                </a:solidFill>
+                <a:latin typeface="+mn-lt"/>
+                <a:ea typeface="+mn-ea"/>
+                <a:cs typeface="+mn-cs"/>
+              </a:defRPr>
+            </a:lvl2pPr>
+            <a:lvl3pPr marL="914400" indent="0" algn="ctr" defTabSz="914400" rtl="0" eaLnBrk="1" latinLnBrk="0" hangingPunct="1">
+              <a:lnSpc>
+                <a:spcPct val="90000"/>
+              </a:lnSpc>
+              <a:spcBef>
+                <a:spcPts val="500"/>
+              </a:spcBef>
+              <a:buFont typeface="Arial" panose="020B0604020202020204" pitchFamily="34" charset="0"/>
+              <a:buNone/>
+              <a:defRPr sz="1800" kern="1200">
+                <a:solidFill>
+                  <a:schemeClr val="tx1"/>
+                </a:solidFill>
+                <a:latin typeface="+mn-lt"/>
+                <a:ea typeface="+mn-ea"/>
+                <a:cs typeface="+mn-cs"/>
+              </a:defRPr>
+            </a:lvl3pPr>
+            <a:lvl4pPr marL="1371600" indent="0" algn="ctr" defTabSz="914400" rtl="0" eaLnBrk="1" latinLnBrk="0" hangingPunct="1">
+              <a:lnSpc>
+                <a:spcPct val="90000"/>
+              </a:lnSpc>
+              <a:spcBef>
+                <a:spcPts val="500"/>
+              </a:spcBef>
+              <a:buFont typeface="Arial" panose="020B0604020202020204" pitchFamily="34" charset="0"/>
+              <a:buNone/>
+              <a:defRPr sz="1600" kern="1200">
+                <a:solidFill>
+                  <a:schemeClr val="tx1"/>
+                </a:solidFill>
+                <a:latin typeface="+mn-lt"/>
+                <a:ea typeface="+mn-ea"/>
+                <a:cs typeface="+mn-cs"/>
+              </a:defRPr>
+            </a:lvl4pPr>
+            <a:lvl5pPr marL="1828800" indent="0" algn="ctr" defTabSz="914400" rtl="0" eaLnBrk="1" latinLnBrk="0" hangingPunct="1">
+              <a:lnSpc>
+                <a:spcPct val="90000"/>
+              </a:lnSpc>
+              <a:spcBef>
+                <a:spcPts val="500"/>
+              </a:spcBef>
+              <a:buFont typeface="Arial" panose="020B0604020202020204" pitchFamily="34" charset="0"/>
+              <a:buNone/>
+              <a:defRPr sz="1600" kern="1200">
+                <a:solidFill>
+                  <a:schemeClr val="tx1"/>
+                </a:solidFill>
+                <a:latin typeface="+mn-lt"/>
+                <a:ea typeface="+mn-ea"/>
+                <a:cs typeface="+mn-cs"/>
+              </a:defRPr>
+            </a:lvl5pPr>
+            <a:lvl6pPr marL="2286000" indent="0" algn="ctr" defTabSz="914400" rtl="0" eaLnBrk="1" latinLnBrk="0" hangingPunct="1">
+              <a:lnSpc>
+                <a:spcPct val="90000"/>
+              </a:lnSpc>
+              <a:spcBef>
+                <a:spcPts val="500"/>
+              </a:spcBef>
+              <a:buFont typeface="Arial" panose="020B0604020202020204" pitchFamily="34" charset="0"/>
+              <a:buNone/>
+              <a:defRPr sz="1600" kern="1200">
+                <a:solidFill>
+                  <a:schemeClr val="tx1"/>
+                </a:solidFill>
+                <a:latin typeface="+mn-lt"/>
+                <a:ea typeface="+mn-ea"/>
+                <a:cs typeface="+mn-cs"/>
+              </a:defRPr>
+            </a:lvl6pPr>
+            <a:lvl7pPr marL="2743200" indent="0" algn="ctr" defTabSz="914400" rtl="0" eaLnBrk="1" latinLnBrk="0" hangingPunct="1">
+              <a:lnSpc>
+                <a:spcPct val="90000"/>
+              </a:lnSpc>
+              <a:spcBef>
+                <a:spcPts val="500"/>
+              </a:spcBef>
+              <a:buFont typeface="Arial" panose="020B0604020202020204" pitchFamily="34" charset="0"/>
+              <a:buNone/>
+              <a:defRPr sz="1600" kern="1200">
+                <a:solidFill>
+                  <a:schemeClr val="tx1"/>
+                </a:solidFill>
+                <a:latin typeface="+mn-lt"/>
+                <a:ea typeface="+mn-ea"/>
+                <a:cs typeface="+mn-cs"/>
+              </a:defRPr>
+            </a:lvl7pPr>
+            <a:lvl8pPr marL="3200400" indent="0" algn="ctr" defTabSz="914400" rtl="0" eaLnBrk="1" latinLnBrk="0" hangingPunct="1">
+              <a:lnSpc>
+                <a:spcPct val="90000"/>
+              </a:lnSpc>
+              <a:spcBef>
+                <a:spcPts val="500"/>
+              </a:spcBef>
+              <a:buFont typeface="Arial" panose="020B0604020202020204" pitchFamily="34" charset="0"/>
+              <a:buNone/>
+              <a:defRPr sz="1600" kern="1200">
+                <a:solidFill>
+                  <a:schemeClr val="tx1"/>
+                </a:solidFill>
+                <a:latin typeface="+mn-lt"/>
+                <a:ea typeface="+mn-ea"/>
+                <a:cs typeface="+mn-cs"/>
+              </a:defRPr>
+            </a:lvl8pPr>
+            <a:lvl9pPr marL="3657600" indent="0" algn="ctr" defTabSz="914400" rtl="0" eaLnBrk="1" latinLnBrk="0" hangingPunct="1">
+              <a:lnSpc>
+                <a:spcPct val="90000"/>
+              </a:lnSpc>
+              <a:spcBef>
+                <a:spcPts val="500"/>
+              </a:spcBef>
+              <a:buFont typeface="Arial" panose="020B0604020202020204" pitchFamily="34" charset="0"/>
+              <a:buNone/>
+              <a:defRPr sz="1600" kern="1200">
+                <a:solidFill>
+                  <a:schemeClr val="tx1"/>
+                </a:solidFill>
+                <a:latin typeface="+mn-lt"/>
+                <a:ea typeface="+mn-ea"/>
+                <a:cs typeface="+mn-cs"/>
+              </a:defRPr>
+            </a:lvl9pPr>
+          </a:lstStyle>
+          <a:p>
+            <a:r>
+              <a:rPr lang="tr-TR" dirty="0"/>
+              <a:t>Ali Haydar Özdağ</a:t>
+            </a:r>
+          </a:p>
+          <a:p>
+            <a:r>
+              <a:rPr lang="tr-TR" dirty="0"/>
+              <a:t>Amr Salah</a:t>
+            </a:r>
+            <a:endParaRPr lang="en-DE" dirty="0"/>
+          </a:p>
+        </p:txBody>
+      </p:sp>
     </p:spTree>
     <p:extLst>
       <p:ext uri="{BB962C8B-B14F-4D97-AF65-F5344CB8AC3E}">
@@ -3895,6 +4106,407 @@
 </file>
 
 <file path=ppt/slides/slide10.xml><?xml version="1.0" encoding="utf-8"?>
+<p:sld xmlns:a="http://schemas.openxmlformats.org/drawingml/2006/main" xmlns:r="http://schemas.openxmlformats.org/officeDocument/2006/relationships" xmlns:p="http://schemas.openxmlformats.org/presentationml/2006/main">
+  <p:cSld>
+    <p:spTree>
+      <p:nvGrpSpPr>
+        <p:cNvPr id="1" name=""/>
+        <p:cNvGrpSpPr/>
+        <p:nvPr/>
+      </p:nvGrpSpPr>
+      <p:grpSpPr>
+        <a:xfrm>
+          <a:off x="0" y="0"/>
+          <a:ext cx="0" cy="0"/>
+          <a:chOff x="0" y="0"/>
+          <a:chExt cx="0" cy="0"/>
+        </a:xfrm>
+      </p:grpSpPr>
+      <p:sp>
+        <p:nvSpPr>
+          <p:cNvPr id="2" name="Title 1">
+            <a:extLst>
+              <a:ext uri="{FF2B5EF4-FFF2-40B4-BE49-F238E27FC236}">
+                <a16:creationId xmlns:a16="http://schemas.microsoft.com/office/drawing/2014/main" id="{130CB5C1-AB6D-AD98-00DD-2C8B11DD472E}"/>
+              </a:ext>
+            </a:extLst>
+          </p:cNvPr>
+          <p:cNvSpPr>
+            <a:spLocks noGrp="1"/>
+          </p:cNvSpPr>
+          <p:nvPr>
+            <p:ph type="title"/>
+          </p:nvPr>
+        </p:nvSpPr>
+        <p:spPr/>
+        <p:txBody>
+          <a:bodyPr/>
+          <a:lstStyle/>
+          <a:p>
+            <a:r>
+              <a:rPr lang="en-GB" dirty="0"/>
+              <a:t>Horizon chart can be preferred instead of line chart in the following situations:</a:t>
+            </a:r>
+            <a:endParaRPr lang="en-DE" dirty="0"/>
+          </a:p>
+        </p:txBody>
+      </p:sp>
+      <p:sp>
+        <p:nvSpPr>
+          <p:cNvPr id="3" name="Content Placeholder 2">
+            <a:extLst>
+              <a:ext uri="{FF2B5EF4-FFF2-40B4-BE49-F238E27FC236}">
+                <a16:creationId xmlns:a16="http://schemas.microsoft.com/office/drawing/2014/main" id="{C8868A24-F845-2479-6C64-D8AE1EBAECD6}"/>
+              </a:ext>
+            </a:extLst>
+          </p:cNvPr>
+          <p:cNvSpPr>
+            <a:spLocks noGrp="1"/>
+          </p:cNvSpPr>
+          <p:nvPr>
+            <p:ph sz="half" idx="1"/>
+          </p:nvPr>
+        </p:nvSpPr>
+        <p:spPr>
+          <a:xfrm>
+            <a:off x="838199" y="1825625"/>
+            <a:ext cx="10950677" cy="4351338"/>
+          </a:xfrm>
+        </p:spPr>
+        <p:txBody>
+          <a:bodyPr>
+            <a:normAutofit lnSpcReduction="10000"/>
+          </a:bodyPr>
+          <a:lstStyle/>
+          <a:p>
+            <a:r>
+              <a:rPr lang="en-GB" b="1" dirty="0"/>
+              <a:t>Large amounts of data</a:t>
+            </a:r>
+            <a:r>
+              <a:rPr lang="en-GB" dirty="0"/>
+              <a:t>: Horizon charts are ideal for visualizing large amounts of data in a compact way.</a:t>
+            </a:r>
+            <a:endParaRPr lang="tr-TR" dirty="0"/>
+          </a:p>
+          <a:p>
+            <a:r>
+              <a:rPr lang="en-GB" b="1" dirty="0"/>
+              <a:t>Wide range of data</a:t>
+            </a:r>
+            <a:r>
+              <a:rPr lang="en-GB" dirty="0"/>
+              <a:t>: Horizon charts can better represent datasets with a large data range.</a:t>
+            </a:r>
+            <a:endParaRPr lang="tr-TR" dirty="0"/>
+          </a:p>
+          <a:p>
+            <a:r>
+              <a:rPr lang="en-GB" b="1" dirty="0"/>
+              <a:t>Highlighting general trends </a:t>
+            </a:r>
+            <a:r>
+              <a:rPr lang="en-GB" dirty="0"/>
+              <a:t>: Horizon charts can more clearly highlight overall trends and changes.</a:t>
+            </a:r>
+            <a:endParaRPr lang="tr-TR" dirty="0"/>
+          </a:p>
+          <a:p>
+            <a:r>
+              <a:rPr lang="en-GB" b="1" dirty="0"/>
+              <a:t>Comparisons</a:t>
+            </a:r>
+            <a:r>
+              <a:rPr lang="en-GB" dirty="0"/>
+              <a:t>: Horizon charts can be used to compare multiple datasets on the same chart.</a:t>
+            </a:r>
+            <a:endParaRPr lang="tr-TR" dirty="0"/>
+          </a:p>
+          <a:p>
+            <a:r>
+              <a:rPr lang="en-GB" b="1" dirty="0"/>
+              <a:t>Data point-dense situations</a:t>
+            </a:r>
+            <a:r>
+              <a:rPr lang="en-GB" dirty="0"/>
+              <a:t>: Horizon charts can present a more organized view than line charts in data-point-heavy situations.</a:t>
+            </a:r>
+            <a:endParaRPr lang="en-DE" dirty="0"/>
+          </a:p>
+        </p:txBody>
+      </p:sp>
+    </p:spTree>
+    <p:extLst>
+      <p:ext uri="{BB962C8B-B14F-4D97-AF65-F5344CB8AC3E}">
+        <p14:creationId xmlns:p14="http://schemas.microsoft.com/office/powerpoint/2010/main" val="3831223590"/>
+      </p:ext>
+    </p:extLst>
+  </p:cSld>
+  <p:clrMapOvr>
+    <a:masterClrMapping/>
+  </p:clrMapOvr>
+</p:sld>
+</file>
+
+<file path=ppt/slides/slide11.xml><?xml version="1.0" encoding="utf-8"?>
+<p:sld xmlns:a="http://schemas.openxmlformats.org/drawingml/2006/main" xmlns:r="http://schemas.openxmlformats.org/officeDocument/2006/relationships" xmlns:p="http://schemas.openxmlformats.org/presentationml/2006/main">
+  <p:cSld>
+    <p:spTree>
+      <p:nvGrpSpPr>
+        <p:cNvPr id="1" name=""/>
+        <p:cNvGrpSpPr/>
+        <p:nvPr/>
+      </p:nvGrpSpPr>
+      <p:grpSpPr>
+        <a:xfrm>
+          <a:off x="0" y="0"/>
+          <a:ext cx="0" cy="0"/>
+          <a:chOff x="0" y="0"/>
+          <a:chExt cx="0" cy="0"/>
+        </a:xfrm>
+      </p:grpSpPr>
+      <p:sp>
+        <p:nvSpPr>
+          <p:cNvPr id="2" name="Title 1">
+            <a:extLst>
+              <a:ext uri="{FF2B5EF4-FFF2-40B4-BE49-F238E27FC236}">
+                <a16:creationId xmlns:a16="http://schemas.microsoft.com/office/drawing/2014/main" id="{E3F2D044-1C33-8DF8-69E0-0B7C8290D386}"/>
+              </a:ext>
+            </a:extLst>
+          </p:cNvPr>
+          <p:cNvSpPr>
+            <a:spLocks noGrp="1"/>
+          </p:cNvSpPr>
+          <p:nvPr>
+            <p:ph type="title"/>
+          </p:nvPr>
+        </p:nvSpPr>
+        <p:spPr/>
+        <p:txBody>
+          <a:bodyPr/>
+          <a:lstStyle/>
+          <a:p>
+            <a:r>
+              <a:rPr lang="en-GB" dirty="0"/>
+              <a:t>How to plot a horizon graph</a:t>
+            </a:r>
+            <a:endParaRPr lang="en-DE" dirty="0"/>
+          </a:p>
+        </p:txBody>
+      </p:sp>
+      <p:sp>
+        <p:nvSpPr>
+          <p:cNvPr id="6" name="TextBox 5">
+            <a:extLst>
+              <a:ext uri="{FF2B5EF4-FFF2-40B4-BE49-F238E27FC236}">
+                <a16:creationId xmlns:a16="http://schemas.microsoft.com/office/drawing/2014/main" id="{D931311A-125E-8B6F-2F43-6CA8BF66340B}"/>
+              </a:ext>
+            </a:extLst>
+          </p:cNvPr>
+          <p:cNvSpPr txBox="1"/>
+          <p:nvPr/>
+        </p:nvSpPr>
+        <p:spPr>
+          <a:xfrm>
+            <a:off x="838199" y="2124008"/>
+            <a:ext cx="9180871" cy="646331"/>
+          </a:xfrm>
+          <a:prstGeom prst="rect">
+            <a:avLst/>
+          </a:prstGeom>
+          <a:noFill/>
+        </p:spPr>
+        <p:txBody>
+          <a:bodyPr wrap="square">
+            <a:spAutoFit/>
+          </a:bodyPr>
+          <a:lstStyle/>
+          <a:p>
+            <a:r>
+              <a:rPr lang="tr-TR" dirty="0"/>
+              <a:t>1) </a:t>
+            </a:r>
+            <a:r>
+              <a:rPr lang="en-DE" dirty="0"/>
+              <a:t>first dividing a </a:t>
+            </a:r>
+            <a:r>
+              <a:rPr lang="tr-TR" dirty="0"/>
+              <a:t>filled </a:t>
+            </a:r>
+            <a:r>
+              <a:rPr lang="en-DE" dirty="0"/>
+              <a:t>line chart into uniformly sized, non-overlapping bands along the vertical axis.</a:t>
+            </a:r>
+          </a:p>
+        </p:txBody>
+      </p:sp>
+      <p:sp>
+        <p:nvSpPr>
+          <p:cNvPr id="8" name="TextBox 7">
+            <a:extLst>
+              <a:ext uri="{FF2B5EF4-FFF2-40B4-BE49-F238E27FC236}">
+                <a16:creationId xmlns:a16="http://schemas.microsoft.com/office/drawing/2014/main" id="{345D5467-14C4-0C8E-DDE3-D8CF4EFF3352}"/>
+              </a:ext>
+            </a:extLst>
+          </p:cNvPr>
+          <p:cNvSpPr txBox="1"/>
+          <p:nvPr/>
+        </p:nvSpPr>
+        <p:spPr>
+          <a:xfrm>
+            <a:off x="838200" y="1506022"/>
+            <a:ext cx="6096000" cy="369332"/>
+          </a:xfrm>
+          <a:prstGeom prst="rect">
+            <a:avLst/>
+          </a:prstGeom>
+          <a:noFill/>
+        </p:spPr>
+        <p:txBody>
+          <a:bodyPr wrap="square">
+            <a:spAutoFit/>
+          </a:bodyPr>
+          <a:lstStyle/>
+          <a:p>
+            <a:r>
+              <a:rPr lang="en-DE" dirty="0"/>
+              <a:t>A horizon chart can be created by </a:t>
+            </a:r>
+            <a:r>
+              <a:rPr lang="tr-TR" dirty="0"/>
+              <a:t>;</a:t>
+            </a:r>
+            <a:endParaRPr lang="en-DE" dirty="0"/>
+          </a:p>
+        </p:txBody>
+      </p:sp>
+      <p:pic>
+        <p:nvPicPr>
+          <p:cNvPr id="10" name="Picture 9" descr="A picture containing text, screenshot">
+            <a:extLst>
+              <a:ext uri="{FF2B5EF4-FFF2-40B4-BE49-F238E27FC236}">
+                <a16:creationId xmlns:a16="http://schemas.microsoft.com/office/drawing/2014/main" id="{8C1DDCB8-0043-C928-7D85-4D9BAEFDC0BF}"/>
+              </a:ext>
+            </a:extLst>
+          </p:cNvPr>
+          <p:cNvPicPr>
+            <a:picLocks noChangeAspect="1"/>
+          </p:cNvPicPr>
+          <p:nvPr/>
+        </p:nvPicPr>
+        <p:blipFill>
+          <a:blip r:embed="rId2">
+            <a:extLst>
+              <a:ext uri="{28A0092B-C50C-407E-A947-70E740481C1C}">
+                <a14:useLocalDpi xmlns:a14="http://schemas.microsoft.com/office/drawing/2010/main" val="0"/>
+              </a:ext>
+            </a:extLst>
+          </a:blip>
+          <a:stretch>
+            <a:fillRect/>
+          </a:stretch>
+        </p:blipFill>
+        <p:spPr>
+          <a:xfrm>
+            <a:off x="876300" y="2741994"/>
+            <a:ext cx="9910916" cy="1691254"/>
+          </a:xfrm>
+          <a:prstGeom prst="rect">
+            <a:avLst/>
+          </a:prstGeom>
+        </p:spPr>
+      </p:pic>
+      <p:pic>
+        <p:nvPicPr>
+          <p:cNvPr id="11" name="Picture 10" descr="A picture containing text, screenshot, diagram, plot&#10;&#10;Description automatically generated">
+            <a:extLst>
+              <a:ext uri="{FF2B5EF4-FFF2-40B4-BE49-F238E27FC236}">
+                <a16:creationId xmlns:a16="http://schemas.microsoft.com/office/drawing/2014/main" id="{06E04C8E-8578-1A7F-B51E-78BDA0436B5C}"/>
+              </a:ext>
+            </a:extLst>
+          </p:cNvPr>
+          <p:cNvPicPr>
+            <a:picLocks noChangeAspect="1"/>
+          </p:cNvPicPr>
+          <p:nvPr/>
+        </p:nvPicPr>
+        <p:blipFill>
+          <a:blip r:embed="rId3">
+            <a:extLst>
+              <a:ext uri="{28A0092B-C50C-407E-A947-70E740481C1C}">
+                <a14:useLocalDpi xmlns:a14="http://schemas.microsoft.com/office/drawing/2010/main" val="0"/>
+              </a:ext>
+            </a:extLst>
+          </a:blip>
+          <a:stretch>
+            <a:fillRect/>
+          </a:stretch>
+        </p:blipFill>
+        <p:spPr>
+          <a:xfrm>
+            <a:off x="838199" y="4444181"/>
+            <a:ext cx="9987118" cy="2059534"/>
+          </a:xfrm>
+          <a:prstGeom prst="rect">
+            <a:avLst/>
+          </a:prstGeom>
+        </p:spPr>
+      </p:pic>
+      <p:sp>
+        <p:nvSpPr>
+          <p:cNvPr id="12" name="TextBox 11">
+            <a:extLst>
+              <a:ext uri="{FF2B5EF4-FFF2-40B4-BE49-F238E27FC236}">
+                <a16:creationId xmlns:a16="http://schemas.microsoft.com/office/drawing/2014/main" id="{B4798063-2646-E957-FEAC-3C0D9D57551D}"/>
+              </a:ext>
+            </a:extLst>
+          </p:cNvPr>
+          <p:cNvSpPr txBox="1"/>
+          <p:nvPr/>
+        </p:nvSpPr>
+        <p:spPr>
+          <a:xfrm>
+            <a:off x="5663381" y="6514648"/>
+            <a:ext cx="6685937" cy="369332"/>
+          </a:xfrm>
+          <a:prstGeom prst="rect">
+            <a:avLst/>
+          </a:prstGeom>
+          <a:noFill/>
+        </p:spPr>
+        <p:txBody>
+          <a:bodyPr wrap="square">
+            <a:spAutoFit/>
+          </a:bodyPr>
+          <a:lstStyle/>
+          <a:p>
+            <a:r>
+              <a:rPr lang="en-DE" dirty="0"/>
+              <a:t>source: </a:t>
+            </a:r>
+            <a:r>
+              <a:rPr lang="en-GB" dirty="0"/>
+              <a:t>https://datavis.blog/2022/04/30/horizon-charts-in-tableau/</a:t>
+            </a:r>
+            <a:endParaRPr lang="en-DE" dirty="0"/>
+          </a:p>
+        </p:txBody>
+      </p:sp>
+    </p:spTree>
+    <p:extLst>
+      <p:ext uri="{BB962C8B-B14F-4D97-AF65-F5344CB8AC3E}">
+        <p14:creationId xmlns:p14="http://schemas.microsoft.com/office/powerpoint/2010/main" val="3115719151"/>
+      </p:ext>
+    </p:extLst>
+  </p:cSld>
+  <p:clrMapOvr>
+    <a:masterClrMapping/>
+  </p:clrMapOvr>
+</p:sld>
+</file>
+
+<file path=ppt/slides/slide12.xml><?xml version="1.0" encoding="utf-8"?>
 <p:sld xmlns:a="http://schemas.openxmlformats.org/drawingml/2006/main" xmlns:r="http://schemas.openxmlformats.org/officeDocument/2006/relationships" xmlns:p="http://schemas.openxmlformats.org/presentationml/2006/main">
   <p:cSld>
     <p:bg>
@@ -4044,7 +4656,7 @@
 </p:sld>
 </file>
 
-<file path=ppt/slides/slide11.xml><?xml version="1.0" encoding="utf-8"?>
+<file path=ppt/slides/slide13.xml><?xml version="1.0" encoding="utf-8"?>
 <p:sld xmlns:a="http://schemas.openxmlformats.org/drawingml/2006/main" xmlns:r="http://schemas.openxmlformats.org/officeDocument/2006/relationships" xmlns:p="http://schemas.openxmlformats.org/presentationml/2006/main">
   <p:cSld>
     <p:spTree>
@@ -4203,7 +4815,7 @@
 </p:sld>
 </file>
 
-<file path=ppt/slides/slide12.xml><?xml version="1.0" encoding="utf-8"?>
+<file path=ppt/slides/slide14.xml><?xml version="1.0" encoding="utf-8"?>
 <p:sld xmlns:a="http://schemas.openxmlformats.org/drawingml/2006/main" xmlns:r="http://schemas.openxmlformats.org/officeDocument/2006/relationships" xmlns:p="http://schemas.openxmlformats.org/presentationml/2006/main">
   <p:cSld>
     <p:spTree>
@@ -4347,7 +4959,7 @@
 </p:sld>
 </file>
 
-<file path=ppt/slides/slide13.xml><?xml version="1.0" encoding="utf-8"?>
+<file path=ppt/slides/slide15.xml><?xml version="1.0" encoding="utf-8"?>
 <p:sld xmlns:a="http://schemas.openxmlformats.org/drawingml/2006/main" xmlns:r="http://schemas.openxmlformats.org/officeDocument/2006/relationships" xmlns:p="http://schemas.openxmlformats.org/presentationml/2006/main">
   <p:cSld>
     <p:spTree>
@@ -4539,7 +5151,7 @@
 </p:sld>
 </file>
 
-<file path=ppt/slides/slide14.xml><?xml version="1.0" encoding="utf-8"?>
+<file path=ppt/slides/slide16.xml><?xml version="1.0" encoding="utf-8"?>
 <p:sld xmlns:a="http://schemas.openxmlformats.org/drawingml/2006/main" xmlns:r="http://schemas.openxmlformats.org/officeDocument/2006/relationships" xmlns:p="http://schemas.openxmlformats.org/presentationml/2006/main">
   <p:cSld>
     <p:bg>
@@ -4809,330 +5421,6 @@
 </p:sld>
 </file>
 
-<file path=ppt/slides/slide15.xml><?xml version="1.0" encoding="utf-8"?>
-<p:sld xmlns:a="http://schemas.openxmlformats.org/drawingml/2006/main" xmlns:r="http://schemas.openxmlformats.org/officeDocument/2006/relationships" xmlns:p="http://schemas.openxmlformats.org/presentationml/2006/main">
-  <p:cSld>
-    <p:spTree>
-      <p:nvGrpSpPr>
-        <p:cNvPr id="1" name=""/>
-        <p:cNvGrpSpPr/>
-        <p:nvPr/>
-      </p:nvGrpSpPr>
-      <p:grpSpPr>
-        <a:xfrm>
-          <a:off x="0" y="0"/>
-          <a:ext cx="0" cy="0"/>
-          <a:chOff x="0" y="0"/>
-          <a:chExt cx="0" cy="0"/>
-        </a:xfrm>
-      </p:grpSpPr>
-      <p:sp>
-        <p:nvSpPr>
-          <p:cNvPr id="6" name="TextBox 5">
-            <a:extLst>
-              <a:ext uri="{FF2B5EF4-FFF2-40B4-BE49-F238E27FC236}">
-                <a16:creationId xmlns:a16="http://schemas.microsoft.com/office/drawing/2014/main" id="{1EF42697-8624-53E0-DC97-91415BF1481F}"/>
-              </a:ext>
-            </a:extLst>
-          </p:cNvPr>
-          <p:cNvSpPr txBox="1"/>
-          <p:nvPr/>
-        </p:nvSpPr>
-        <p:spPr>
-          <a:xfrm>
-            <a:off x="1347019" y="837041"/>
-            <a:ext cx="9665109" cy="2308324"/>
-          </a:xfrm>
-          <a:prstGeom prst="rect">
-            <a:avLst/>
-          </a:prstGeom>
-          <a:noFill/>
-        </p:spPr>
-        <p:txBody>
-          <a:bodyPr wrap="square">
-            <a:spAutoFit/>
-          </a:bodyPr>
-          <a:lstStyle/>
-          <a:p>
-            <a:pPr marL="342900" indent="-342900">
-              <a:buFont typeface="Arial" panose="020B0604020202020204" pitchFamily="34" charset="0"/>
-              <a:buChar char="•"/>
-            </a:pPr>
-            <a:r>
-              <a:rPr lang="en-DE" sz="2400" dirty="0"/>
-              <a:t>It is called a mirrored graphing because negative values reflected around the zero point.</a:t>
-            </a:r>
-            <a:endParaRPr lang="tr-TR" sz="2400" dirty="0"/>
-          </a:p>
-          <a:p>
-            <a:pPr marL="342900" indent="-342900">
-              <a:buFont typeface="Arial" panose="020B0604020202020204" pitchFamily="34" charset="0"/>
-              <a:buChar char="•"/>
-            </a:pPr>
-            <a:endParaRPr lang="tr-TR" sz="2400" dirty="0"/>
-          </a:p>
-          <a:p>
-            <a:pPr marL="342900" indent="-342900">
-              <a:buFont typeface="Arial" panose="020B0604020202020204" pitchFamily="34" charset="0"/>
-              <a:buChar char="•"/>
-            </a:pPr>
-            <a:r>
-              <a:rPr lang="en-DE" sz="2400" dirty="0"/>
-              <a:t>There is also an alternative approach called offset graphing.</a:t>
-            </a:r>
-            <a:endParaRPr lang="tr-TR" sz="2400" dirty="0"/>
-          </a:p>
-          <a:p>
-            <a:r>
-              <a:rPr lang="tr-TR" sz="2400" dirty="0"/>
-              <a:t>                                     (</a:t>
-            </a:r>
-            <a:r>
-              <a:rPr lang="en-GB" sz="2400" dirty="0"/>
-              <a:t>We slide up the negative values</a:t>
-            </a:r>
-            <a:r>
-              <a:rPr lang="tr-TR" sz="2400" dirty="0"/>
-              <a:t>.)</a:t>
-            </a:r>
-            <a:endParaRPr lang="en-DE" sz="2400" dirty="0"/>
-          </a:p>
-          <a:p>
-            <a:pPr marL="342900" indent="-342900">
-              <a:buFont typeface="Arial" panose="020B0604020202020204" pitchFamily="34" charset="0"/>
-              <a:buChar char="•"/>
-            </a:pPr>
-            <a:endParaRPr lang="en-DE" sz="2400" dirty="0"/>
-          </a:p>
-        </p:txBody>
-      </p:sp>
-      <p:pic>
-        <p:nvPicPr>
-          <p:cNvPr id="11" name="Picture 10">
-            <a:extLst>
-              <a:ext uri="{FF2B5EF4-FFF2-40B4-BE49-F238E27FC236}">
-                <a16:creationId xmlns:a16="http://schemas.microsoft.com/office/drawing/2014/main" id="{722A79B2-3E9D-0515-FA4F-E5BD811B58A2}"/>
-              </a:ext>
-            </a:extLst>
-          </p:cNvPr>
-          <p:cNvPicPr>
-            <a:picLocks noChangeAspect="1"/>
-          </p:cNvPicPr>
-          <p:nvPr/>
-        </p:nvPicPr>
-        <p:blipFill>
-          <a:blip r:embed="rId3"/>
-          <a:stretch>
-            <a:fillRect/>
-          </a:stretch>
-        </p:blipFill>
-        <p:spPr>
-          <a:xfrm>
-            <a:off x="1347019" y="2705868"/>
-            <a:ext cx="9669368" cy="2731371"/>
-          </a:xfrm>
-          <a:prstGeom prst="rect">
-            <a:avLst/>
-          </a:prstGeom>
-        </p:spPr>
-      </p:pic>
-      <p:sp>
-        <p:nvSpPr>
-          <p:cNvPr id="15" name="TextBox 14">
-            <a:extLst>
-              <a:ext uri="{FF2B5EF4-FFF2-40B4-BE49-F238E27FC236}">
-                <a16:creationId xmlns:a16="http://schemas.microsoft.com/office/drawing/2014/main" id="{6F7AE40C-8F02-3C9D-5CB7-A563FE111672}"/>
-              </a:ext>
-            </a:extLst>
-          </p:cNvPr>
-          <p:cNvSpPr txBox="1"/>
-          <p:nvPr/>
-        </p:nvSpPr>
-        <p:spPr>
-          <a:xfrm>
-            <a:off x="1347019" y="5486126"/>
-            <a:ext cx="10638504" cy="954107"/>
-          </a:xfrm>
-          <a:prstGeom prst="rect">
-            <a:avLst/>
-          </a:prstGeom>
-          <a:noFill/>
-        </p:spPr>
-        <p:txBody>
-          <a:bodyPr wrap="square">
-            <a:spAutoFit/>
-          </a:bodyPr>
-          <a:lstStyle/>
-          <a:p>
-            <a:r>
-              <a:rPr lang="en-DE" sz="2800" dirty="0"/>
-              <a:t>As a result, slopes the negative values are preserved, but the positive and negative values no longer share a common zero point.</a:t>
-            </a:r>
-          </a:p>
-        </p:txBody>
-      </p:sp>
-      <p:sp>
-        <p:nvSpPr>
-          <p:cNvPr id="17" name="TextBox 16">
-            <a:extLst>
-              <a:ext uri="{FF2B5EF4-FFF2-40B4-BE49-F238E27FC236}">
-                <a16:creationId xmlns:a16="http://schemas.microsoft.com/office/drawing/2014/main" id="{DF52EEB3-32E6-AAF3-EEE9-BACEA5C88087}"/>
-              </a:ext>
-            </a:extLst>
-          </p:cNvPr>
-          <p:cNvSpPr txBox="1"/>
-          <p:nvPr/>
-        </p:nvSpPr>
-        <p:spPr>
-          <a:xfrm>
-            <a:off x="324465" y="6488668"/>
-            <a:ext cx="11985523" cy="369332"/>
-          </a:xfrm>
-          <a:prstGeom prst="rect">
-            <a:avLst/>
-          </a:prstGeom>
-          <a:noFill/>
-        </p:spPr>
-        <p:txBody>
-          <a:bodyPr wrap="square">
-            <a:spAutoFit/>
-          </a:bodyPr>
-          <a:lstStyle/>
-          <a:p>
-            <a:r>
-              <a:rPr lang="en-DE" dirty="0"/>
-              <a:t>source: Sizing the Horizon: The Effects of Chart Size and Layering on the Graphical Perception of Time Series Visualizations</a:t>
-            </a:r>
-          </a:p>
-        </p:txBody>
-      </p:sp>
-    </p:spTree>
-    <p:extLst>
-      <p:ext uri="{BB962C8B-B14F-4D97-AF65-F5344CB8AC3E}">
-        <p14:creationId xmlns:p14="http://schemas.microsoft.com/office/powerpoint/2010/main" val="667080622"/>
-      </p:ext>
-    </p:extLst>
-  </p:cSld>
-  <p:clrMapOvr>
-    <a:masterClrMapping/>
-  </p:clrMapOvr>
-</p:sld>
-</file>
-
-<file path=ppt/slides/slide16.xml><?xml version="1.0" encoding="utf-8"?>
-<p:sld xmlns:a="http://schemas.openxmlformats.org/drawingml/2006/main" xmlns:r="http://schemas.openxmlformats.org/officeDocument/2006/relationships" xmlns:p="http://schemas.openxmlformats.org/presentationml/2006/main">
-  <p:cSld>
-    <p:spTree>
-      <p:nvGrpSpPr>
-        <p:cNvPr id="1" name=""/>
-        <p:cNvGrpSpPr/>
-        <p:nvPr/>
-      </p:nvGrpSpPr>
-      <p:grpSpPr>
-        <a:xfrm>
-          <a:off x="0" y="0"/>
-          <a:ext cx="0" cy="0"/>
-          <a:chOff x="0" y="0"/>
-          <a:chExt cx="0" cy="0"/>
-        </a:xfrm>
-      </p:grpSpPr>
-      <p:sp>
-        <p:nvSpPr>
-          <p:cNvPr id="2" name="Title 1">
-            <a:extLst>
-              <a:ext uri="{FF2B5EF4-FFF2-40B4-BE49-F238E27FC236}">
-                <a16:creationId xmlns:a16="http://schemas.microsoft.com/office/drawing/2014/main" id="{4EA8F8C2-15E7-5630-4D09-1963612D86DF}"/>
-              </a:ext>
-            </a:extLst>
-          </p:cNvPr>
-          <p:cNvSpPr>
-            <a:spLocks noGrp="1"/>
-          </p:cNvSpPr>
-          <p:nvPr>
-            <p:ph type="title"/>
-          </p:nvPr>
-        </p:nvSpPr>
-        <p:spPr>
-          <a:xfrm>
-            <a:off x="838200" y="365125"/>
-            <a:ext cx="11127658" cy="1325563"/>
-          </a:xfrm>
-        </p:spPr>
-        <p:txBody>
-          <a:bodyPr/>
-          <a:lstStyle/>
-          <a:p>
-            <a:r>
-              <a:rPr lang="en-GB" dirty="0"/>
-              <a:t>EXPERIMENT 1: HORIZON GRAPH COMPARISON</a:t>
-            </a:r>
-            <a:endParaRPr lang="en-DE" dirty="0"/>
-          </a:p>
-        </p:txBody>
-      </p:sp>
-      <p:sp>
-        <p:nvSpPr>
-          <p:cNvPr id="5" name="Content Placeholder 4">
-            <a:extLst>
-              <a:ext uri="{FF2B5EF4-FFF2-40B4-BE49-F238E27FC236}">
-                <a16:creationId xmlns:a16="http://schemas.microsoft.com/office/drawing/2014/main" id="{C4D3F729-451C-8239-DF5D-FAB011694948}"/>
-              </a:ext>
-            </a:extLst>
-          </p:cNvPr>
-          <p:cNvSpPr txBox="1">
-            <a:spLocks noGrp="1"/>
-          </p:cNvSpPr>
-          <p:nvPr>
-            <p:ph sz="half" idx="1"/>
-          </p:nvPr>
-        </p:nvSpPr>
-        <p:spPr>
-          <a:xfrm>
-            <a:off x="838199" y="1825625"/>
-            <a:ext cx="10921181" cy="2287806"/>
-          </a:xfrm>
-          <a:prstGeom prst="rect">
-            <a:avLst/>
-          </a:prstGeom>
-          <a:noFill/>
-        </p:spPr>
-        <p:txBody>
-          <a:bodyPr wrap="square">
-            <a:spAutoFit/>
-          </a:bodyPr>
-          <a:lstStyle/>
-          <a:p>
-            <a:r>
-              <a:rPr lang="en-GB" dirty="0"/>
-              <a:t>(a) How does the choice of mirrored or offset horizon graph affect estimation time or accuracy? </a:t>
-            </a:r>
-            <a:endParaRPr lang="tr-TR" dirty="0"/>
-          </a:p>
-          <a:p>
-            <a:endParaRPr lang="tr-TR" dirty="0"/>
-          </a:p>
-          <a:p>
-            <a:r>
-              <a:rPr lang="en-GB" dirty="0"/>
-              <a:t>(b) How does the number of bands in a horizon chart affect estimation time or accuracy? </a:t>
-            </a:r>
-            <a:endParaRPr lang="en-DE" dirty="0"/>
-          </a:p>
-        </p:txBody>
-      </p:sp>
-    </p:spTree>
-    <p:extLst>
-      <p:ext uri="{BB962C8B-B14F-4D97-AF65-F5344CB8AC3E}">
-        <p14:creationId xmlns:p14="http://schemas.microsoft.com/office/powerpoint/2010/main" val="3222816673"/>
-      </p:ext>
-    </p:extLst>
-  </p:cSld>
-  <p:clrMapOvr>
-    <a:masterClrMapping/>
-  </p:clrMapOvr>
-</p:sld>
-</file>
-
 <file path=ppt/slides/slide17.xml><?xml version="1.0" encoding="utf-8"?>
 <p:sld xmlns:a="http://schemas.openxmlformats.org/drawingml/2006/main" xmlns:r="http://schemas.openxmlformats.org/officeDocument/2006/relationships" xmlns:p="http://schemas.openxmlformats.org/presentationml/2006/main">
   <p:cSld>
@@ -5150,12 +5438,92 @@
           <a:chExt cx="0" cy="0"/>
         </a:xfrm>
       </p:grpSpPr>
+      <p:sp>
+        <p:nvSpPr>
+          <p:cNvPr id="6" name="TextBox 5">
+            <a:extLst>
+              <a:ext uri="{FF2B5EF4-FFF2-40B4-BE49-F238E27FC236}">
+                <a16:creationId xmlns:a16="http://schemas.microsoft.com/office/drawing/2014/main" id="{1EF42697-8624-53E0-DC97-91415BF1481F}"/>
+              </a:ext>
+            </a:extLst>
+          </p:cNvPr>
+          <p:cNvSpPr txBox="1"/>
+          <p:nvPr/>
+        </p:nvSpPr>
+        <p:spPr>
+          <a:xfrm>
+            <a:off x="1347019" y="837041"/>
+            <a:ext cx="9665109" cy="2308324"/>
+          </a:xfrm>
+          <a:prstGeom prst="rect">
+            <a:avLst/>
+          </a:prstGeom>
+          <a:noFill/>
+        </p:spPr>
+        <p:txBody>
+          <a:bodyPr wrap="square">
+            <a:spAutoFit/>
+          </a:bodyPr>
+          <a:lstStyle/>
+          <a:p>
+            <a:pPr marL="342900" indent="-342900">
+              <a:buFont typeface="Arial" panose="020B0604020202020204" pitchFamily="34" charset="0"/>
+              <a:buChar char="•"/>
+            </a:pPr>
+            <a:r>
+              <a:rPr lang="en-DE" sz="2400" dirty="0"/>
+              <a:t>It is called a mirrored graphing because negative values reflected around the zero point.</a:t>
+            </a:r>
+            <a:endParaRPr lang="tr-TR" sz="2400" dirty="0"/>
+          </a:p>
+          <a:p>
+            <a:pPr marL="342900" indent="-342900">
+              <a:buFont typeface="Arial" panose="020B0604020202020204" pitchFamily="34" charset="0"/>
+              <a:buChar char="•"/>
+            </a:pPr>
+            <a:endParaRPr lang="tr-TR" sz="2400" dirty="0"/>
+          </a:p>
+          <a:p>
+            <a:pPr marL="342900" indent="-342900">
+              <a:buFont typeface="Arial" panose="020B0604020202020204" pitchFamily="34" charset="0"/>
+              <a:buChar char="•"/>
+            </a:pPr>
+            <a:r>
+              <a:rPr lang="en-DE" sz="2400" dirty="0"/>
+              <a:t>There is also an alternative approach called offset graphing.</a:t>
+            </a:r>
+            <a:endParaRPr lang="tr-TR" sz="2400" dirty="0"/>
+          </a:p>
+          <a:p>
+            <a:r>
+              <a:rPr lang="tr-TR" sz="2400" dirty="0"/>
+              <a:t>                                     (</a:t>
+            </a:r>
+            <a:r>
+              <a:rPr lang="en-GB" sz="2400" dirty="0"/>
+              <a:t>We slide up the negative values</a:t>
+            </a:r>
+            <a:r>
+              <a:rPr lang="tr-TR" sz="2400" dirty="0"/>
+              <a:t>.)</a:t>
+            </a:r>
+            <a:endParaRPr lang="en-DE" sz="2400" dirty="0"/>
+          </a:p>
+          <a:p>
+            <a:pPr marL="342900" indent="-342900">
+              <a:buFont typeface="Arial" panose="020B0604020202020204" pitchFamily="34" charset="0"/>
+              <a:buChar char="•"/>
+            </a:pPr>
+            <a:endParaRPr lang="en-DE" sz="2400" dirty="0"/>
+          </a:p>
+        </p:txBody>
+      </p:sp>
       <p:pic>
         <p:nvPicPr>
-          <p:cNvPr id="9" name="Picture 8">
-            <a:extLst>
-              <a:ext uri="{FF2B5EF4-FFF2-40B4-BE49-F238E27FC236}">
-                <a16:creationId xmlns:a16="http://schemas.microsoft.com/office/drawing/2014/main" id="{913BF1FA-249D-E930-E991-D04C5C3A4916}"/>
+          <p:cNvPr id="11" name="Picture 10">
+            <a:extLst>
+              <a:ext uri="{FF2B5EF4-FFF2-40B4-BE49-F238E27FC236}">
+                <a16:creationId xmlns:a16="http://schemas.microsoft.com/office/drawing/2014/main" id="{722A79B2-3E9D-0515-FA4F-E5BD811B58A2}"/>
               </a:ext>
             </a:extLst>
           </p:cNvPr>
@@ -5165,15 +5533,15 @@
           <p:nvPr/>
         </p:nvPicPr>
         <p:blipFill>
-          <a:blip r:embed="rId2"/>
+          <a:blip r:embed="rId3"/>
           <a:stretch>
             <a:fillRect/>
           </a:stretch>
         </p:blipFill>
         <p:spPr>
           <a:xfrm>
-            <a:off x="2124833" y="0"/>
-            <a:ext cx="7942333" cy="6686494"/>
+            <a:off x="1347019" y="2705868"/>
+            <a:ext cx="9669368" cy="2731371"/>
           </a:xfrm>
           <a:prstGeom prst="rect">
             <a:avLst/>
@@ -5182,10 +5550,10 @@
       </p:pic>
       <p:sp>
         <p:nvSpPr>
-          <p:cNvPr id="12" name="TextBox 11">
-            <a:extLst>
-              <a:ext uri="{FF2B5EF4-FFF2-40B4-BE49-F238E27FC236}">
-                <a16:creationId xmlns:a16="http://schemas.microsoft.com/office/drawing/2014/main" id="{B05E4841-88CA-04DA-4947-06BAC080FAE4}"/>
+          <p:cNvPr id="15" name="TextBox 14">
+            <a:extLst>
+              <a:ext uri="{FF2B5EF4-FFF2-40B4-BE49-F238E27FC236}">
+                <a16:creationId xmlns:a16="http://schemas.microsoft.com/office/drawing/2014/main" id="{6F7AE40C-8F02-3C9D-5CB7-A563FE111672}"/>
               </a:ext>
             </a:extLst>
           </p:cNvPr>
@@ -5194,8 +5562,8 @@
         </p:nvSpPr>
         <p:spPr>
           <a:xfrm>
-            <a:off x="324465" y="6488668"/>
-            <a:ext cx="11985523" cy="369332"/>
+            <a:off x="1347019" y="5486126"/>
+            <a:ext cx="10638504" cy="954107"/>
           </a:xfrm>
           <a:prstGeom prst="rect">
             <a:avLst/>
@@ -5209,6 +5577,41 @@
           <a:lstStyle/>
           <a:p>
             <a:r>
+              <a:rPr lang="en-DE" sz="2800" dirty="0"/>
+              <a:t>As a result, slopes the negative values are preserved, but the positive and negative values no longer share a common zero point.</a:t>
+            </a:r>
+          </a:p>
+        </p:txBody>
+      </p:sp>
+      <p:sp>
+        <p:nvSpPr>
+          <p:cNvPr id="17" name="TextBox 16">
+            <a:extLst>
+              <a:ext uri="{FF2B5EF4-FFF2-40B4-BE49-F238E27FC236}">
+                <a16:creationId xmlns:a16="http://schemas.microsoft.com/office/drawing/2014/main" id="{DF52EEB3-32E6-AAF3-EEE9-BACEA5C88087}"/>
+              </a:ext>
+            </a:extLst>
+          </p:cNvPr>
+          <p:cNvSpPr txBox="1"/>
+          <p:nvPr/>
+        </p:nvSpPr>
+        <p:spPr>
+          <a:xfrm>
+            <a:off x="324465" y="6488668"/>
+            <a:ext cx="11985523" cy="369332"/>
+          </a:xfrm>
+          <a:prstGeom prst="rect">
+            <a:avLst/>
+          </a:prstGeom>
+          <a:noFill/>
+        </p:spPr>
+        <p:txBody>
+          <a:bodyPr wrap="square">
+            <a:spAutoFit/>
+          </a:bodyPr>
+          <a:lstStyle/>
+          <a:p>
+            <a:r>
               <a:rPr lang="en-DE" dirty="0"/>
               <a:t>source: Sizing the Horizon: The Effects of Chart Size and Layering on the Graphical Perception of Time Series Visualizations</a:t>
             </a:r>
@@ -5218,7 +5621,7 @@
     </p:spTree>
     <p:extLst>
       <p:ext uri="{BB962C8B-B14F-4D97-AF65-F5344CB8AC3E}">
-        <p14:creationId xmlns:p14="http://schemas.microsoft.com/office/powerpoint/2010/main" val="3096441620"/>
+        <p14:creationId xmlns:p14="http://schemas.microsoft.com/office/powerpoint/2010/main" val="667080622"/>
       </p:ext>
     </p:extLst>
   </p:cSld>
@@ -5250,7 +5653,7 @@
           <p:cNvPr id="2" name="Title 1">
             <a:extLst>
               <a:ext uri="{FF2B5EF4-FFF2-40B4-BE49-F238E27FC236}">
-                <a16:creationId xmlns:a16="http://schemas.microsoft.com/office/drawing/2014/main" id="{6C4A1781-6AC2-6467-B407-33BA9CB49870}"/>
+                <a16:creationId xmlns:a16="http://schemas.microsoft.com/office/drawing/2014/main" id="{4EA8F8C2-15E7-5630-4D09-1963612D86DF}"/>
               </a:ext>
             </a:extLst>
           </p:cNvPr>
@@ -5263,23 +5666,17 @@
         </p:nvSpPr>
         <p:spPr>
           <a:xfrm>
-            <a:off x="838200" y="1800635"/>
-            <a:ext cx="10515600" cy="1325563"/>
-          </a:xfrm>
-        </p:spPr>
-        <p:txBody>
-          <a:bodyPr>
-            <a:normAutofit fontScale="90000"/>
-          </a:bodyPr>
-          <a:lstStyle/>
-          <a:p>
-            <a:r>
-              <a:rPr lang="tr-TR" dirty="0"/>
-              <a:t>a) </a:t>
-            </a:r>
+            <a:off x="838200" y="365125"/>
+            <a:ext cx="11127658" cy="1325563"/>
+          </a:xfrm>
+        </p:spPr>
+        <p:txBody>
+          <a:bodyPr/>
+          <a:lstStyle/>
+          <a:p>
             <a:r>
               <a:rPr lang="en-GB" dirty="0"/>
-              <a:t>How does the choice of mirrored or offset horizon graph affect estimation time or accuracy?</a:t>
+              <a:t>EXPERIMENT 1: HORIZON GRAPH COMPARISON</a:t>
             </a:r>
             <a:endParaRPr lang="en-DE" dirty="0"/>
           </a:p>
@@ -5287,14 +5684,14 @@
       </p:sp>
       <p:sp>
         <p:nvSpPr>
-          <p:cNvPr id="3" name="Content Placeholder 2">
-            <a:extLst>
-              <a:ext uri="{FF2B5EF4-FFF2-40B4-BE49-F238E27FC236}">
-                <a16:creationId xmlns:a16="http://schemas.microsoft.com/office/drawing/2014/main" id="{07AEE1C9-9E8D-8850-CAAC-6DAE3255DC03}"/>
-              </a:ext>
-            </a:extLst>
-          </p:cNvPr>
-          <p:cNvSpPr>
+          <p:cNvPr id="5" name="Content Placeholder 4">
+            <a:extLst>
+              <a:ext uri="{FF2B5EF4-FFF2-40B4-BE49-F238E27FC236}">
+                <a16:creationId xmlns:a16="http://schemas.microsoft.com/office/drawing/2014/main" id="{C4D3F729-451C-8239-DF5D-FAB011694948}"/>
+              </a:ext>
+            </a:extLst>
+          </p:cNvPr>
+          <p:cNvSpPr txBox="1">
             <a:spLocks noGrp="1"/>
           </p:cNvSpPr>
           <p:nvPr>
@@ -5303,74 +5700,33 @@
         </p:nvSpPr>
         <p:spPr>
           <a:xfrm>
-            <a:off x="838200" y="3890399"/>
-            <a:ext cx="10921181" cy="848749"/>
-          </a:xfrm>
-        </p:spPr>
-        <p:txBody>
-          <a:bodyPr>
-            <a:normAutofit lnSpcReduction="10000"/>
-          </a:bodyPr>
-          <a:lstStyle/>
-          <a:p>
-            <a:r>
-              <a:rPr lang="en-GB" dirty="0"/>
-              <a:t>No differences in prediction time or accuracy were found between chart types.</a:t>
-            </a:r>
-            <a:endParaRPr lang="en-DE" dirty="0"/>
-          </a:p>
-        </p:txBody>
-      </p:sp>
-      <p:sp>
-        <p:nvSpPr>
-          <p:cNvPr id="6" name="Title 1">
-            <a:extLst>
-              <a:ext uri="{FF2B5EF4-FFF2-40B4-BE49-F238E27FC236}">
-                <a16:creationId xmlns:a16="http://schemas.microsoft.com/office/drawing/2014/main" id="{B975D1FC-1DD0-CA7C-89AE-609834D67387}"/>
-              </a:ext>
-            </a:extLst>
-          </p:cNvPr>
-          <p:cNvSpPr txBox="1">
-            <a:spLocks/>
-          </p:cNvSpPr>
-          <p:nvPr/>
-        </p:nvSpPr>
-        <p:spPr>
-          <a:xfrm>
-            <a:off x="1040990" y="389706"/>
-            <a:ext cx="10515600" cy="1325563"/>
+            <a:off x="838199" y="1825625"/>
+            <a:ext cx="10921181" cy="2287806"/>
           </a:xfrm>
           <a:prstGeom prst="rect">
             <a:avLst/>
           </a:prstGeom>
-        </p:spPr>
-        <p:txBody>
-          <a:bodyPr vert="horz" lIns="91440" tIns="45720" rIns="91440" bIns="45720" rtlCol="0" anchor="ctr">
-            <a:normAutofit fontScale="97500"/>
+          <a:noFill/>
+        </p:spPr>
+        <p:txBody>
+          <a:bodyPr wrap="square">
+            <a:spAutoFit/>
           </a:bodyPr>
-          <a:lstStyle>
-            <a:lvl1pPr algn="l" defTabSz="914400" rtl="0" eaLnBrk="1" latinLnBrk="0" hangingPunct="1">
-              <a:lnSpc>
-                <a:spcPct val="90000"/>
-              </a:lnSpc>
-              <a:spcBef>
-                <a:spcPct val="0"/>
-              </a:spcBef>
-              <a:buNone/>
-              <a:defRPr sz="4400" kern="1200">
-                <a:solidFill>
-                  <a:schemeClr val="tx1"/>
-                </a:solidFill>
-                <a:latin typeface="+mj-lt"/>
-                <a:ea typeface="+mj-ea"/>
-                <a:cs typeface="+mj-cs"/>
-              </a:defRPr>
-            </a:lvl1pPr>
-          </a:lstStyle>
-          <a:p>
-            <a:r>
-              <a:rPr lang="tr-TR" dirty="0"/>
-              <a:t>				RESULTS</a:t>
+          <a:lstStyle/>
+          <a:p>
+            <a:r>
+              <a:rPr lang="en-GB" dirty="0"/>
+              <a:t>(a) How does the choice of mirrored or offset horizon graph affect estimation time or accuracy? </a:t>
+            </a:r>
+            <a:endParaRPr lang="tr-TR" dirty="0"/>
+          </a:p>
+          <a:p>
+            <a:endParaRPr lang="tr-TR" dirty="0"/>
+          </a:p>
+          <a:p>
+            <a:r>
+              <a:rPr lang="en-GB" dirty="0"/>
+              <a:t>(b) How does the number of bands in a horizon chart affect estimation time or accuracy? </a:t>
             </a:r>
             <a:endParaRPr lang="en-DE" dirty="0"/>
           </a:p>
@@ -5379,7 +5735,7 @@
     </p:spTree>
     <p:extLst>
       <p:ext uri="{BB962C8B-B14F-4D97-AF65-F5344CB8AC3E}">
-        <p14:creationId xmlns:p14="http://schemas.microsoft.com/office/powerpoint/2010/main" val="1815587458"/>
+        <p14:creationId xmlns:p14="http://schemas.microsoft.com/office/powerpoint/2010/main" val="3222816673"/>
       </p:ext>
     </p:extLst>
   </p:cSld>
@@ -5392,14 +5748,6 @@
 <file path=ppt/slides/slide19.xml><?xml version="1.0" encoding="utf-8"?>
 <p:sld xmlns:a="http://schemas.openxmlformats.org/drawingml/2006/main" xmlns:r="http://schemas.openxmlformats.org/officeDocument/2006/relationships" xmlns:p="http://schemas.openxmlformats.org/presentationml/2006/main">
   <p:cSld>
-    <p:bg>
-      <p:bgPr>
-        <a:solidFill>
-          <a:schemeClr val="bg1"/>
-        </a:solidFill>
-        <a:effectLst/>
-      </p:bgPr>
-    </p:bg>
     <p:spTree>
       <p:nvGrpSpPr>
         <p:cNvPr id="1" name=""/>
@@ -5414,151 +5762,12 @@
           <a:chExt cx="0" cy="0"/>
         </a:xfrm>
       </p:grpSpPr>
-      <p:sp useBgFill="1">
-        <p:nvSpPr>
-          <p:cNvPr id="14" name="Rectangle 13">
-            <a:extLst>
-              <a:ext uri="{FF2B5EF4-FFF2-40B4-BE49-F238E27FC236}">
-                <a16:creationId xmlns:a16="http://schemas.microsoft.com/office/drawing/2014/main" id="{DC6BEC6B-5C77-412D-B45A-5B0F46FEDAC7}"/>
-              </a:ext>
-              <a:ext uri="{C183D7F6-B498-43B3-948B-1728B52AA6E4}">
-                <adec:decorative xmlns:adec="http://schemas.microsoft.com/office/drawing/2017/decorative" val="1"/>
-              </a:ext>
-            </a:extLst>
-          </p:cNvPr>
-          <p:cNvSpPr>
-            <a:spLocks noGrp="1" noRot="1" noChangeAspect="1" noMove="1" noResize="1" noEditPoints="1" noAdjustHandles="1" noChangeArrowheads="1" noChangeShapeType="1" noTextEdit="1"/>
-          </p:cNvSpPr>
-          <p:nvPr>
-            <p:extLst>
-              <p:ext uri="{386F3935-93C4-4BCD-93E2-E3B085C9AB24}">
-                <p16:designElem xmlns:p16="http://schemas.microsoft.com/office/powerpoint/2015/main" val="1"/>
-              </p:ext>
-            </p:extLst>
-          </p:nvPr>
-        </p:nvSpPr>
-        <p:spPr>
-          <a:xfrm>
-            <a:off x="-1" y="0"/>
-            <a:ext cx="12188952" cy="6858000"/>
-          </a:xfrm>
-          <a:prstGeom prst="rect">
-            <a:avLst/>
-          </a:prstGeom>
-          <a:ln>
-            <a:noFill/>
-          </a:ln>
-        </p:spPr>
-        <p:style>
-          <a:lnRef idx="2">
-            <a:schemeClr val="accent1">
-              <a:shade val="50000"/>
-            </a:schemeClr>
-          </a:lnRef>
-          <a:fillRef idx="1">
-            <a:schemeClr val="accent1"/>
-          </a:fillRef>
-          <a:effectRef idx="0">
-            <a:schemeClr val="accent1"/>
-          </a:effectRef>
-          <a:fontRef idx="minor">
-            <a:schemeClr val="lt1"/>
-          </a:fontRef>
-        </p:style>
-        <p:txBody>
-          <a:bodyPr rtlCol="0" anchor="ctr"/>
-          <a:lstStyle/>
-          <a:p>
-            <a:pPr algn="ctr"/>
-            <a:endParaRPr lang="en-US"/>
-          </a:p>
-        </p:txBody>
-      </p:sp>
-      <p:sp>
-        <p:nvSpPr>
-          <p:cNvPr id="2" name="Title 1">
-            <a:extLst>
-              <a:ext uri="{FF2B5EF4-FFF2-40B4-BE49-F238E27FC236}">
-                <a16:creationId xmlns:a16="http://schemas.microsoft.com/office/drawing/2014/main" id="{934265A4-971B-85B0-0787-77B8BE49D0E0}"/>
-              </a:ext>
-            </a:extLst>
-          </p:cNvPr>
-          <p:cNvSpPr>
-            <a:spLocks noGrp="1"/>
-          </p:cNvSpPr>
-          <p:nvPr>
-            <p:ph type="title"/>
-          </p:nvPr>
-        </p:nvSpPr>
-        <p:spPr>
-          <a:xfrm>
-            <a:off x="838200" y="176214"/>
-            <a:ext cx="10515600" cy="1481188"/>
-          </a:xfrm>
-        </p:spPr>
-        <p:txBody>
-          <a:bodyPr vert="horz" lIns="91440" tIns="45720" rIns="91440" bIns="45720" rtlCol="0" anchor="ctr">
-            <a:normAutofit/>
-          </a:bodyPr>
-          <a:lstStyle/>
-          <a:p>
-            <a:pPr algn="ctr"/>
-            <a:r>
-              <a:rPr lang="tr-TR" sz="2400" dirty="0"/>
-              <a:t>b-1)</a:t>
-            </a:r>
-            <a:r>
-              <a:rPr lang="en-GB" sz="2400" dirty="0"/>
-              <a:t>How does the number of bands in a horizon chart affect accuracy?</a:t>
-            </a:r>
-            <a:endParaRPr lang="en-US" sz="4000" dirty="0"/>
-          </a:p>
-        </p:txBody>
-      </p:sp>
-      <p:sp>
-        <p:nvSpPr>
-          <p:cNvPr id="5" name="Content Placeholder 4">
-            <a:extLst>
-              <a:ext uri="{FF2B5EF4-FFF2-40B4-BE49-F238E27FC236}">
-                <a16:creationId xmlns:a16="http://schemas.microsoft.com/office/drawing/2014/main" id="{70148373-A886-01E6-BDE0-622413091B70}"/>
-              </a:ext>
-            </a:extLst>
-          </p:cNvPr>
-          <p:cNvSpPr txBox="1">
-            <a:spLocks noGrp="1"/>
-          </p:cNvSpPr>
-          <p:nvPr>
-            <p:ph sz="half" idx="1"/>
-          </p:nvPr>
-        </p:nvSpPr>
-        <p:spPr>
-          <a:xfrm>
-            <a:off x="838200" y="1847128"/>
-            <a:ext cx="3990968" cy="4272681"/>
-          </a:xfrm>
-          <a:prstGeom prst="rect">
-            <a:avLst/>
-          </a:prstGeom>
-        </p:spPr>
-        <p:txBody>
-          <a:bodyPr vert="horz" lIns="91440" tIns="45720" rIns="91440" bIns="45720" rtlCol="0">
-            <a:normAutofit/>
-          </a:bodyPr>
-          <a:lstStyle/>
-          <a:p>
-            <a:r>
-              <a:rPr lang="en-US" sz="2000" dirty="0"/>
-              <a:t>Pair-wise comparison of the band counts found that estimation accuracy was not significantly different across the 2 and 3 band cases but that the 4 band case was less accurate than both the 2 band and 3 band  cases. </a:t>
-            </a:r>
-          </a:p>
-        </p:txBody>
-      </p:sp>
       <p:pic>
         <p:nvPicPr>
           <p:cNvPr id="9" name="Picture 8">
             <a:extLst>
               <a:ext uri="{FF2B5EF4-FFF2-40B4-BE49-F238E27FC236}">
-                <a16:creationId xmlns:a16="http://schemas.microsoft.com/office/drawing/2014/main" id="{361B3838-1D77-3AD7-4C2D-A3B3ADE780A4}"/>
+                <a16:creationId xmlns:a16="http://schemas.microsoft.com/office/drawing/2014/main" id="{913BF1FA-249D-E930-E991-D04C5C3A4916}"/>
               </a:ext>
             </a:extLst>
           </p:cNvPr>
@@ -5567,15 +5776,16 @@
           </p:cNvPicPr>
           <p:nvPr/>
         </p:nvPicPr>
-        <p:blipFill rotWithShape="1">
+        <p:blipFill>
           <a:blip r:embed="rId2"/>
-          <a:srcRect r="8331" b="3"/>
-          <a:stretch/>
+          <a:stretch>
+            <a:fillRect/>
+          </a:stretch>
         </p:blipFill>
         <p:spPr>
           <a:xfrm>
-            <a:off x="5191128" y="1847129"/>
-            <a:ext cx="6162670" cy="4272677"/>
+            <a:off x="2124833" y="0"/>
+            <a:ext cx="7942333" cy="6686494"/>
           </a:xfrm>
           <a:prstGeom prst="rect">
             <a:avLst/>
@@ -5584,10 +5794,10 @@
       </p:pic>
       <p:sp>
         <p:nvSpPr>
-          <p:cNvPr id="11" name="TextBox 10">
-            <a:extLst>
-              <a:ext uri="{FF2B5EF4-FFF2-40B4-BE49-F238E27FC236}">
-                <a16:creationId xmlns:a16="http://schemas.microsoft.com/office/drawing/2014/main" id="{E62CFF5C-2EE2-D7A3-10EB-97E8F9D85228}"/>
+          <p:cNvPr id="12" name="TextBox 11">
+            <a:extLst>
+              <a:ext uri="{FF2B5EF4-FFF2-40B4-BE49-F238E27FC236}">
+                <a16:creationId xmlns:a16="http://schemas.microsoft.com/office/drawing/2014/main" id="{B05E4841-88CA-04DA-4947-06BAC080FAE4}"/>
               </a:ext>
             </a:extLst>
           </p:cNvPr>
@@ -5596,8 +5806,8 @@
         </p:nvSpPr>
         <p:spPr>
           <a:xfrm>
-            <a:off x="1161736" y="4133941"/>
-            <a:ext cx="3667432" cy="2554545"/>
+            <a:off x="324465" y="6488668"/>
+            <a:ext cx="11985523" cy="369332"/>
           </a:xfrm>
           <a:prstGeom prst="rect">
             <a:avLst/>
@@ -5611,50 +5821,6 @@
           <a:lstStyle/>
           <a:p>
             <a:r>
-              <a:rPr lang="en-GB" sz="3200" b="1" dirty="0"/>
-              <a:t>If the number of bands is increased to 4 or more, the </a:t>
-            </a:r>
-            <a:r>
-              <a:rPr lang="tr-TR" sz="3200" b="1" dirty="0"/>
-              <a:t>Estimation Error </a:t>
-            </a:r>
-            <a:r>
-              <a:rPr lang="en-GB" sz="3200" b="1" dirty="0"/>
-              <a:t>may also increase.</a:t>
-            </a:r>
-            <a:endParaRPr lang="en-DE" sz="3200" b="1" dirty="0"/>
-          </a:p>
-        </p:txBody>
-      </p:sp>
-      <p:sp>
-        <p:nvSpPr>
-          <p:cNvPr id="18" name="TextBox 17">
-            <a:extLst>
-              <a:ext uri="{FF2B5EF4-FFF2-40B4-BE49-F238E27FC236}">
-                <a16:creationId xmlns:a16="http://schemas.microsoft.com/office/drawing/2014/main" id="{DA9E4883-0D59-48B0-6620-BDCC26BCB359}"/>
-              </a:ext>
-            </a:extLst>
-          </p:cNvPr>
-          <p:cNvSpPr txBox="1"/>
-          <p:nvPr/>
-        </p:nvSpPr>
-        <p:spPr>
-          <a:xfrm>
-            <a:off x="324465" y="6488668"/>
-            <a:ext cx="11985523" cy="369332"/>
-          </a:xfrm>
-          <a:prstGeom prst="rect">
-            <a:avLst/>
-          </a:prstGeom>
-          <a:noFill/>
-        </p:spPr>
-        <p:txBody>
-          <a:bodyPr wrap="square">
-            <a:spAutoFit/>
-          </a:bodyPr>
-          <a:lstStyle/>
-          <a:p>
-            <a:r>
               <a:rPr lang="en-DE" dirty="0"/>
               <a:t>source: Sizing the Horizon: The Effects of Chart Size and Layering on the Graphical Perception of Time Series Visualizations</a:t>
             </a:r>
@@ -5664,7 +5830,7 @@
     </p:spTree>
     <p:extLst>
       <p:ext uri="{BB962C8B-B14F-4D97-AF65-F5344CB8AC3E}">
-        <p14:creationId xmlns:p14="http://schemas.microsoft.com/office/powerpoint/2010/main" val="3652327412"/>
+        <p14:creationId xmlns:p14="http://schemas.microsoft.com/office/powerpoint/2010/main" val="3096441620"/>
       </p:ext>
     </p:extLst>
   </p:cSld>
@@ -5728,41 +5894,63 @@
           <a:p>
             <a:r>
               <a:rPr lang="en-GB" dirty="0"/>
-              <a:t>In Task 5, we will visualize data using Horizon Chart. As a pre-preparation, 2 papers related to Horizon Chart were </a:t>
+              <a:t>In Task 5, we will us</a:t>
             </a:r>
             <a:r>
               <a:rPr lang="tr-TR" dirty="0"/>
-              <a:t>read</a:t>
+              <a:t>e</a:t>
+            </a:r>
+            <a:r>
+              <a:rPr lang="en-GB" dirty="0"/>
+              <a:t> Horizon Chart</a:t>
+            </a:r>
+            <a:r>
+              <a:rPr lang="tr-TR" dirty="0"/>
+              <a:t> to v</a:t>
+            </a:r>
+            <a:r>
+              <a:rPr lang="en-GB" dirty="0" err="1"/>
+              <a:t>isualize</a:t>
+            </a:r>
+            <a:r>
+              <a:rPr lang="en-GB" dirty="0"/>
+              <a:t> </a:t>
+            </a:r>
+            <a:r>
+              <a:rPr lang="tr-TR" dirty="0"/>
+              <a:t>the </a:t>
+            </a:r>
+            <a:r>
+              <a:rPr lang="en-GB" dirty="0"/>
+              <a:t>data . </a:t>
+            </a:r>
+            <a:endParaRPr lang="tr-TR" dirty="0"/>
+          </a:p>
+          <a:p>
+            <a:endParaRPr lang="tr-TR" dirty="0"/>
+          </a:p>
+          <a:p>
+            <a:r>
+              <a:rPr lang="en-GB" dirty="0"/>
+              <a:t>We tried to understand the horizon chart in </a:t>
+            </a:r>
+            <a:r>
+              <a:rPr lang="tr-TR" dirty="0"/>
+              <a:t>T</a:t>
+            </a:r>
+            <a:r>
+              <a:rPr lang="en-GB" dirty="0"/>
+              <a:t>ask</a:t>
+            </a:r>
+            <a:r>
+              <a:rPr lang="tr-TR" dirty="0"/>
+              <a:t> 1</a:t>
             </a:r>
             <a:r>
               <a:rPr lang="en-GB" dirty="0"/>
               <a:t>.</a:t>
             </a:r>
             <a:endParaRPr lang="tr-TR" dirty="0"/>
-          </a:p>
-          <a:p>
-            <a:endParaRPr lang="tr-TR" dirty="0"/>
-          </a:p>
-          <a:p>
-            <a:r>
-              <a:rPr lang="en-GB" dirty="0"/>
-              <a:t>Before we move on to the topics mentioned in the articles, we should clarify a few </a:t>
-            </a:r>
-            <a:r>
-              <a:rPr lang="tr-TR" dirty="0"/>
-              <a:t>types of graph</a:t>
-            </a:r>
-            <a:r>
-              <a:rPr lang="en-GB" dirty="0"/>
-              <a:t>.</a:t>
-            </a:r>
-            <a:endParaRPr lang="tr-TR" dirty="0"/>
-          </a:p>
-          <a:p>
-            <a:endParaRPr lang="tr-TR" dirty="0"/>
-          </a:p>
-          <a:p>
-            <a:endParaRPr lang="en-DE" dirty="0"/>
           </a:p>
         </p:txBody>
       </p:sp>
@@ -5801,7 +5989,7 @@
           <p:cNvPr id="2" name="Title 1">
             <a:extLst>
               <a:ext uri="{FF2B5EF4-FFF2-40B4-BE49-F238E27FC236}">
-                <a16:creationId xmlns:a16="http://schemas.microsoft.com/office/drawing/2014/main" id="{934265A4-971B-85B0-0787-77B8BE49D0E0}"/>
+                <a16:creationId xmlns:a16="http://schemas.microsoft.com/office/drawing/2014/main" id="{6C4A1781-6AC2-6467-B407-33BA9CB49870}"/>
               </a:ext>
             </a:extLst>
           </p:cNvPr>
@@ -5814,179 +6002,123 @@
         </p:nvSpPr>
         <p:spPr>
           <a:xfrm>
-            <a:off x="838200" y="176214"/>
-            <a:ext cx="10515600" cy="1481188"/>
-          </a:xfrm>
-        </p:spPr>
-        <p:txBody>
-          <a:bodyPr vert="horz" lIns="91440" tIns="45720" rIns="91440" bIns="45720" rtlCol="0" anchor="ctr">
-            <a:normAutofit/>
+            <a:off x="838200" y="1800635"/>
+            <a:ext cx="10515600" cy="1325563"/>
+          </a:xfrm>
+        </p:spPr>
+        <p:txBody>
+          <a:bodyPr>
+            <a:normAutofit fontScale="90000"/>
           </a:bodyPr>
           <a:lstStyle/>
           <a:p>
-            <a:pPr algn="ctr"/>
-            <a:r>
-              <a:rPr lang="tr-TR" sz="2400" dirty="0"/>
-              <a:t>b-2) </a:t>
-            </a:r>
-            <a:r>
-              <a:rPr lang="en-GB" sz="2400" dirty="0"/>
-              <a:t>How does the number of bands in a horizon chart affect estimation </a:t>
-            </a:r>
-            <a:r>
-              <a:rPr lang="en-GB" sz="2400" dirty="0" err="1"/>
-              <a:t>tim</a:t>
-            </a:r>
-            <a:r>
-              <a:rPr lang="tr-TR" sz="2400" dirty="0"/>
-              <a:t>e?</a:t>
-            </a:r>
-            <a:endParaRPr lang="en-US" sz="4000" dirty="0"/>
-          </a:p>
-        </p:txBody>
-      </p:sp>
-      <p:sp>
-        <p:nvSpPr>
-          <p:cNvPr id="5" name="Content Placeholder 4">
-            <a:extLst>
-              <a:ext uri="{FF2B5EF4-FFF2-40B4-BE49-F238E27FC236}">
-                <a16:creationId xmlns:a16="http://schemas.microsoft.com/office/drawing/2014/main" id="{70148373-A886-01E6-BDE0-622413091B70}"/>
+            <a:r>
+              <a:rPr lang="tr-TR" dirty="0"/>
+              <a:t>a) </a:t>
+            </a:r>
+            <a:r>
+              <a:rPr lang="en-GB" dirty="0"/>
+              <a:t>How does the choice of mirrored or offset horizon graph affect estimation time or accuracy?</a:t>
+            </a:r>
+            <a:endParaRPr lang="en-DE" dirty="0"/>
+          </a:p>
+        </p:txBody>
+      </p:sp>
+      <p:sp>
+        <p:nvSpPr>
+          <p:cNvPr id="3" name="Content Placeholder 2">
+            <a:extLst>
+              <a:ext uri="{FF2B5EF4-FFF2-40B4-BE49-F238E27FC236}">
+                <a16:creationId xmlns:a16="http://schemas.microsoft.com/office/drawing/2014/main" id="{07AEE1C9-9E8D-8850-CAAC-6DAE3255DC03}"/>
+              </a:ext>
+            </a:extLst>
+          </p:cNvPr>
+          <p:cNvSpPr>
+            <a:spLocks noGrp="1"/>
+          </p:cNvSpPr>
+          <p:nvPr>
+            <p:ph sz="half" idx="1"/>
+          </p:nvPr>
+        </p:nvSpPr>
+        <p:spPr>
+          <a:xfrm>
+            <a:off x="838200" y="3890399"/>
+            <a:ext cx="10921181" cy="848749"/>
+          </a:xfrm>
+        </p:spPr>
+        <p:txBody>
+          <a:bodyPr>
+            <a:normAutofit lnSpcReduction="10000"/>
+          </a:bodyPr>
+          <a:lstStyle/>
+          <a:p>
+            <a:r>
+              <a:rPr lang="en-GB" dirty="0"/>
+              <a:t>No differences in prediction time or accuracy were found between chart types.</a:t>
+            </a:r>
+            <a:endParaRPr lang="en-DE" dirty="0"/>
+          </a:p>
+        </p:txBody>
+      </p:sp>
+      <p:sp>
+        <p:nvSpPr>
+          <p:cNvPr id="6" name="Title 1">
+            <a:extLst>
+              <a:ext uri="{FF2B5EF4-FFF2-40B4-BE49-F238E27FC236}">
+                <a16:creationId xmlns:a16="http://schemas.microsoft.com/office/drawing/2014/main" id="{B975D1FC-1DD0-CA7C-89AE-609834D67387}"/>
               </a:ext>
             </a:extLst>
           </p:cNvPr>
           <p:cNvSpPr txBox="1">
-            <a:spLocks noGrp="1"/>
-          </p:cNvSpPr>
-          <p:nvPr>
-            <p:ph sz="half" idx="1"/>
-          </p:nvPr>
-        </p:nvSpPr>
-        <p:spPr>
-          <a:xfrm>
-            <a:off x="838200" y="1847128"/>
-            <a:ext cx="3990968" cy="4272681"/>
+            <a:spLocks/>
+          </p:cNvSpPr>
+          <p:nvPr/>
+        </p:nvSpPr>
+        <p:spPr>
+          <a:xfrm>
+            <a:off x="1040990" y="389706"/>
+            <a:ext cx="10515600" cy="1325563"/>
           </a:xfrm>
           <a:prstGeom prst="rect">
             <a:avLst/>
           </a:prstGeom>
         </p:spPr>
         <p:txBody>
-          <a:bodyPr vert="horz" lIns="91440" tIns="45720" rIns="91440" bIns="45720" rtlCol="0">
-            <a:normAutofit/>
+          <a:bodyPr vert="horz" lIns="91440" tIns="45720" rIns="91440" bIns="45720" rtlCol="0" anchor="ctr">
+            <a:normAutofit fontScale="97500"/>
           </a:bodyPr>
-          <a:lstStyle/>
-          <a:p>
-            <a:r>
-              <a:rPr lang="en-US" sz="2000" dirty="0"/>
-              <a:t>Pair-wise comparison of the band counts found significant differences between all levels, with a mean increase of 2.89 seconds between 2 and 3 bands and an increase of 1.91 seconds between 3 and 4 bands. </a:t>
-            </a:r>
-          </a:p>
-        </p:txBody>
-      </p:sp>
-      <p:pic>
-        <p:nvPicPr>
-          <p:cNvPr id="7" name="Picture 6">
-            <a:extLst>
-              <a:ext uri="{FF2B5EF4-FFF2-40B4-BE49-F238E27FC236}">
-                <a16:creationId xmlns:a16="http://schemas.microsoft.com/office/drawing/2014/main" id="{547BBBBA-AA18-BC02-ECB4-9D5D5CEECBD5}"/>
-              </a:ext>
-            </a:extLst>
-          </p:cNvPr>
-          <p:cNvPicPr>
-            <a:picLocks noChangeAspect="1"/>
-          </p:cNvPicPr>
-          <p:nvPr/>
-        </p:nvPicPr>
-        <p:blipFill>
-          <a:blip r:embed="rId2"/>
-          <a:stretch>
-            <a:fillRect/>
-          </a:stretch>
-        </p:blipFill>
-        <p:spPr>
-          <a:xfrm>
-            <a:off x="5310196" y="1531835"/>
-            <a:ext cx="6687171" cy="4515004"/>
-          </a:xfrm>
-          <a:prstGeom prst="rect">
-            <a:avLst/>
-          </a:prstGeom>
-        </p:spPr>
-      </p:pic>
-      <p:sp>
-        <p:nvSpPr>
-          <p:cNvPr id="10" name="TextBox 9">
-            <a:extLst>
-              <a:ext uri="{FF2B5EF4-FFF2-40B4-BE49-F238E27FC236}">
-                <a16:creationId xmlns:a16="http://schemas.microsoft.com/office/drawing/2014/main" id="{A244197A-39B9-7E55-266C-DDA6617AF9AA}"/>
-              </a:ext>
-            </a:extLst>
-          </p:cNvPr>
-          <p:cNvSpPr txBox="1"/>
-          <p:nvPr/>
-        </p:nvSpPr>
-        <p:spPr>
-          <a:xfrm>
-            <a:off x="1043749" y="4337326"/>
-            <a:ext cx="3785419" cy="1569660"/>
-          </a:xfrm>
-          <a:prstGeom prst="rect">
-            <a:avLst/>
-          </a:prstGeom>
-          <a:noFill/>
-        </p:spPr>
-        <p:txBody>
-          <a:bodyPr wrap="square">
-            <a:spAutoFit/>
-          </a:bodyPr>
-          <a:lstStyle/>
-          <a:p>
-            <a:r>
-              <a:rPr lang="en-DE" sz="2400" b="1" dirty="0"/>
-              <a:t>As the number of bands increases, the time to understand the graph becomes longer.</a:t>
-            </a:r>
-          </a:p>
-        </p:txBody>
-      </p:sp>
-      <p:sp>
-        <p:nvSpPr>
-          <p:cNvPr id="12" name="TextBox 11">
-            <a:extLst>
-              <a:ext uri="{FF2B5EF4-FFF2-40B4-BE49-F238E27FC236}">
-                <a16:creationId xmlns:a16="http://schemas.microsoft.com/office/drawing/2014/main" id="{943CAA8A-FF50-F9B9-E74D-A22553877926}"/>
-              </a:ext>
-            </a:extLst>
-          </p:cNvPr>
-          <p:cNvSpPr txBox="1"/>
-          <p:nvPr/>
-        </p:nvSpPr>
-        <p:spPr>
-          <a:xfrm>
-            <a:off x="324465" y="6488668"/>
-            <a:ext cx="11985523" cy="369332"/>
-          </a:xfrm>
-          <a:prstGeom prst="rect">
-            <a:avLst/>
-          </a:prstGeom>
-          <a:noFill/>
-        </p:spPr>
-        <p:txBody>
-          <a:bodyPr wrap="square">
-            <a:spAutoFit/>
-          </a:bodyPr>
-          <a:lstStyle/>
-          <a:p>
-            <a:r>
-              <a:rPr lang="en-DE" dirty="0"/>
-              <a:t>source: Sizing the Horizon: The Effects of Chart Size and Layering on the Graphical Perception of Time Series Visualizations</a:t>
-            </a:r>
+          <a:lstStyle>
+            <a:lvl1pPr algn="l" defTabSz="914400" rtl="0" eaLnBrk="1" latinLnBrk="0" hangingPunct="1">
+              <a:lnSpc>
+                <a:spcPct val="90000"/>
+              </a:lnSpc>
+              <a:spcBef>
+                <a:spcPct val="0"/>
+              </a:spcBef>
+              <a:buNone/>
+              <a:defRPr sz="4400" kern="1200">
+                <a:solidFill>
+                  <a:schemeClr val="tx1"/>
+                </a:solidFill>
+                <a:latin typeface="+mj-lt"/>
+                <a:ea typeface="+mj-ea"/>
+                <a:cs typeface="+mj-cs"/>
+              </a:defRPr>
+            </a:lvl1pPr>
+          </a:lstStyle>
+          <a:p>
+            <a:r>
+              <a:rPr lang="tr-TR" dirty="0"/>
+              <a:t>				RESULTS</a:t>
+            </a:r>
+            <a:endParaRPr lang="en-DE" dirty="0"/>
           </a:p>
         </p:txBody>
       </p:sp>
     </p:spTree>
     <p:extLst>
       <p:ext uri="{BB962C8B-B14F-4D97-AF65-F5344CB8AC3E}">
-        <p14:creationId xmlns:p14="http://schemas.microsoft.com/office/powerpoint/2010/main" val="3718895026"/>
+        <p14:creationId xmlns:p14="http://schemas.microsoft.com/office/powerpoint/2010/main" val="1815587458"/>
       </p:ext>
     </p:extLst>
   </p:cSld>
@@ -5999,6 +6131,14 @@
 <file path=ppt/slides/slide21.xml><?xml version="1.0" encoding="utf-8"?>
 <p:sld xmlns:a="http://schemas.openxmlformats.org/drawingml/2006/main" xmlns:r="http://schemas.openxmlformats.org/officeDocument/2006/relationships" xmlns:p="http://schemas.openxmlformats.org/presentationml/2006/main">
   <p:cSld>
+    <p:bg>
+      <p:bgPr>
+        <a:solidFill>
+          <a:schemeClr val="bg1"/>
+        </a:solidFill>
+        <a:effectLst/>
+      </p:bgPr>
+    </p:bg>
     <p:spTree>
       <p:nvGrpSpPr>
         <p:cNvPr id="1" name=""/>
@@ -6013,12 +6153,72 @@
           <a:chExt cx="0" cy="0"/>
         </a:xfrm>
       </p:grpSpPr>
+      <p:sp useBgFill="1">
+        <p:nvSpPr>
+          <p:cNvPr id="14" name="Rectangle 13">
+            <a:extLst>
+              <a:ext uri="{FF2B5EF4-FFF2-40B4-BE49-F238E27FC236}">
+                <a16:creationId xmlns:a16="http://schemas.microsoft.com/office/drawing/2014/main" id="{DC6BEC6B-5C77-412D-B45A-5B0F46FEDAC7}"/>
+              </a:ext>
+              <a:ext uri="{C183D7F6-B498-43B3-948B-1728B52AA6E4}">
+                <adec:decorative xmlns:adec="http://schemas.microsoft.com/office/drawing/2017/decorative" val="1"/>
+              </a:ext>
+            </a:extLst>
+          </p:cNvPr>
+          <p:cNvSpPr>
+            <a:spLocks noGrp="1" noRot="1" noChangeAspect="1" noMove="1" noResize="1" noEditPoints="1" noAdjustHandles="1" noChangeArrowheads="1" noChangeShapeType="1" noTextEdit="1"/>
+          </p:cNvSpPr>
+          <p:nvPr>
+            <p:extLst>
+              <p:ext uri="{386F3935-93C4-4BCD-93E2-E3B085C9AB24}">
+                <p16:designElem xmlns:p16="http://schemas.microsoft.com/office/powerpoint/2015/main" val="1"/>
+              </p:ext>
+            </p:extLst>
+          </p:nvPr>
+        </p:nvSpPr>
+        <p:spPr>
+          <a:xfrm>
+            <a:off x="-1" y="0"/>
+            <a:ext cx="12188952" cy="6858000"/>
+          </a:xfrm>
+          <a:prstGeom prst="rect">
+            <a:avLst/>
+          </a:prstGeom>
+          <a:ln>
+            <a:noFill/>
+          </a:ln>
+        </p:spPr>
+        <p:style>
+          <a:lnRef idx="2">
+            <a:schemeClr val="accent1">
+              <a:shade val="50000"/>
+            </a:schemeClr>
+          </a:lnRef>
+          <a:fillRef idx="1">
+            <a:schemeClr val="accent1"/>
+          </a:fillRef>
+          <a:effectRef idx="0">
+            <a:schemeClr val="accent1"/>
+          </a:effectRef>
+          <a:fontRef idx="minor">
+            <a:schemeClr val="lt1"/>
+          </a:fontRef>
+        </p:style>
+        <p:txBody>
+          <a:bodyPr rtlCol="0" anchor="ctr"/>
+          <a:lstStyle/>
+          <a:p>
+            <a:pPr algn="ctr"/>
+            <a:endParaRPr lang="en-US"/>
+          </a:p>
+        </p:txBody>
+      </p:sp>
       <p:sp>
         <p:nvSpPr>
           <p:cNvPr id="2" name="Title 1">
             <a:extLst>
               <a:ext uri="{FF2B5EF4-FFF2-40B4-BE49-F238E27FC236}">
-                <a16:creationId xmlns:a16="http://schemas.microsoft.com/office/drawing/2014/main" id="{43A213BE-AD96-037A-0C3D-C74FF2291B40}"/>
+                <a16:creationId xmlns:a16="http://schemas.microsoft.com/office/drawing/2014/main" id="{934265A4-971B-85B0-0787-77B8BE49D0E0}"/>
               </a:ext>
             </a:extLst>
           </p:cNvPr>
@@ -6029,25 +6229,104 @@
             <p:ph type="title"/>
           </p:nvPr>
         </p:nvSpPr>
-        <p:spPr/>
-        <p:txBody>
-          <a:bodyPr/>
-          <a:lstStyle/>
-          <a:p>
-            <a:r>
-              <a:rPr lang="en-GB" dirty="0"/>
-              <a:t>EXPERIMENT 2: CHART SIZE AND LAYERING</a:t>
-            </a:r>
-            <a:endParaRPr lang="en-DE" dirty="0"/>
-          </a:p>
-        </p:txBody>
-      </p:sp>
-      <p:sp>
-        <p:nvSpPr>
-          <p:cNvPr id="6" name="TextBox 5">
-            <a:extLst>
-              <a:ext uri="{FF2B5EF4-FFF2-40B4-BE49-F238E27FC236}">
-                <a16:creationId xmlns:a16="http://schemas.microsoft.com/office/drawing/2014/main" id="{A3D89457-1F39-6728-AAAD-6BB5D7A4C64E}"/>
+        <p:spPr>
+          <a:xfrm>
+            <a:off x="838200" y="176214"/>
+            <a:ext cx="10515600" cy="1481188"/>
+          </a:xfrm>
+        </p:spPr>
+        <p:txBody>
+          <a:bodyPr vert="horz" lIns="91440" tIns="45720" rIns="91440" bIns="45720" rtlCol="0" anchor="ctr">
+            <a:normAutofit/>
+          </a:bodyPr>
+          <a:lstStyle/>
+          <a:p>
+            <a:pPr algn="ctr"/>
+            <a:r>
+              <a:rPr lang="tr-TR" sz="2400" dirty="0"/>
+              <a:t>b-1)</a:t>
+            </a:r>
+            <a:r>
+              <a:rPr lang="en-GB" sz="2400" dirty="0"/>
+              <a:t>How does the number of bands in a horizon chart affect accuracy?</a:t>
+            </a:r>
+            <a:endParaRPr lang="en-US" sz="4000" dirty="0"/>
+          </a:p>
+        </p:txBody>
+      </p:sp>
+      <p:sp>
+        <p:nvSpPr>
+          <p:cNvPr id="5" name="Content Placeholder 4">
+            <a:extLst>
+              <a:ext uri="{FF2B5EF4-FFF2-40B4-BE49-F238E27FC236}">
+                <a16:creationId xmlns:a16="http://schemas.microsoft.com/office/drawing/2014/main" id="{70148373-A886-01E6-BDE0-622413091B70}"/>
+              </a:ext>
+            </a:extLst>
+          </p:cNvPr>
+          <p:cNvSpPr txBox="1">
+            <a:spLocks noGrp="1"/>
+          </p:cNvSpPr>
+          <p:nvPr>
+            <p:ph sz="half" idx="1"/>
+          </p:nvPr>
+        </p:nvSpPr>
+        <p:spPr>
+          <a:xfrm>
+            <a:off x="838200" y="1847128"/>
+            <a:ext cx="3990968" cy="4272681"/>
+          </a:xfrm>
+          <a:prstGeom prst="rect">
+            <a:avLst/>
+          </a:prstGeom>
+        </p:spPr>
+        <p:txBody>
+          <a:bodyPr vert="horz" lIns="91440" tIns="45720" rIns="91440" bIns="45720" rtlCol="0">
+            <a:normAutofit/>
+          </a:bodyPr>
+          <a:lstStyle/>
+          <a:p>
+            <a:r>
+              <a:rPr lang="en-US" sz="2000" dirty="0"/>
+              <a:t>Pair-wise comparison of the band counts found that estimation accuracy was not significantly different across the 2 and 3 band cases but that the 4 band case was less accurate than both the 2 band and 3 band  cases. </a:t>
+            </a:r>
+          </a:p>
+        </p:txBody>
+      </p:sp>
+      <p:pic>
+        <p:nvPicPr>
+          <p:cNvPr id="9" name="Picture 8">
+            <a:extLst>
+              <a:ext uri="{FF2B5EF4-FFF2-40B4-BE49-F238E27FC236}">
+                <a16:creationId xmlns:a16="http://schemas.microsoft.com/office/drawing/2014/main" id="{361B3838-1D77-3AD7-4C2D-A3B3ADE780A4}"/>
+              </a:ext>
+            </a:extLst>
+          </p:cNvPr>
+          <p:cNvPicPr>
+            <a:picLocks noChangeAspect="1"/>
+          </p:cNvPicPr>
+          <p:nvPr/>
+        </p:nvPicPr>
+        <p:blipFill rotWithShape="1">
+          <a:blip r:embed="rId2"/>
+          <a:srcRect r="8331" b="3"/>
+          <a:stretch/>
+        </p:blipFill>
+        <p:spPr>
+          <a:xfrm>
+            <a:off x="5191128" y="1847129"/>
+            <a:ext cx="6162670" cy="4272677"/>
+          </a:xfrm>
+          <a:prstGeom prst="rect">
+            <a:avLst/>
+          </a:prstGeom>
+        </p:spPr>
+      </p:pic>
+      <p:sp>
+        <p:nvSpPr>
+          <p:cNvPr id="11" name="TextBox 10">
+            <a:extLst>
+              <a:ext uri="{FF2B5EF4-FFF2-40B4-BE49-F238E27FC236}">
+                <a16:creationId xmlns:a16="http://schemas.microsoft.com/office/drawing/2014/main" id="{E62CFF5C-2EE2-D7A3-10EB-97E8F9D85228}"/>
               </a:ext>
             </a:extLst>
           </p:cNvPr>
@@ -6056,8 +6335,8 @@
         </p:nvSpPr>
         <p:spPr>
           <a:xfrm>
-            <a:off x="838200" y="2075055"/>
-            <a:ext cx="8996516" cy="1477328"/>
+            <a:off x="1161736" y="4133941"/>
+            <a:ext cx="3667432" cy="2554545"/>
           </a:xfrm>
           <a:prstGeom prst="rect">
             <a:avLst/>
@@ -6071,41 +6350,27 @@
           <a:lstStyle/>
           <a:p>
             <a:r>
-              <a:rPr lang="en-GB" dirty="0"/>
-              <a:t>How do mirroring and layering affect estimation time and accuracy compared to line charts? </a:t>
-            </a:r>
-            <a:endParaRPr lang="tr-TR" dirty="0"/>
-          </a:p>
-          <a:p>
-            <a:pPr marL="342900" indent="-342900">
-              <a:buAutoNum type="alphaLcParenBoth"/>
-            </a:pPr>
-            <a:endParaRPr lang="tr-TR" dirty="0"/>
-          </a:p>
-          <a:p>
-            <a:pPr marL="342900" indent="-342900">
-              <a:buAutoNum type="alphaLcParenBoth"/>
-            </a:pPr>
-            <a:endParaRPr lang="tr-TR" dirty="0"/>
-          </a:p>
-          <a:p>
-            <a:endParaRPr lang="tr-TR" dirty="0"/>
-          </a:p>
-          <a:p>
-            <a:r>
-              <a:rPr lang="en-GB" dirty="0"/>
-              <a:t>How does chart size affect estimation time and accuracy? </a:t>
-            </a:r>
-            <a:endParaRPr lang="en-DE" dirty="0"/>
-          </a:p>
-        </p:txBody>
-      </p:sp>
-      <p:sp>
-        <p:nvSpPr>
-          <p:cNvPr id="8" name="TextBox 7">
-            <a:extLst>
-              <a:ext uri="{FF2B5EF4-FFF2-40B4-BE49-F238E27FC236}">
-                <a16:creationId xmlns:a16="http://schemas.microsoft.com/office/drawing/2014/main" id="{C8524F2D-F617-BA36-3AEB-A054C6080FC1}"/>
+              <a:rPr lang="en-GB" sz="3200" b="1" dirty="0"/>
+              <a:t>If the number of bands is increased to 4 or more, the </a:t>
+            </a:r>
+            <a:r>
+              <a:rPr lang="tr-TR" sz="3200" b="1" dirty="0"/>
+              <a:t>Estimation Error </a:t>
+            </a:r>
+            <a:r>
+              <a:rPr lang="en-GB" sz="3200" b="1" dirty="0"/>
+              <a:t>may also increase.</a:t>
+            </a:r>
+            <a:endParaRPr lang="en-DE" sz="3200" b="1" dirty="0"/>
+          </a:p>
+        </p:txBody>
+      </p:sp>
+      <p:sp>
+        <p:nvSpPr>
+          <p:cNvPr id="18" name="TextBox 17">
+            <a:extLst>
+              <a:ext uri="{FF2B5EF4-FFF2-40B4-BE49-F238E27FC236}">
+                <a16:creationId xmlns:a16="http://schemas.microsoft.com/office/drawing/2014/main" id="{DA9E4883-0D59-48B0-6620-BDCC26BCB359}"/>
               </a:ext>
             </a:extLst>
           </p:cNvPr>
@@ -6114,8 +6379,8 @@
         </p:nvSpPr>
         <p:spPr>
           <a:xfrm>
-            <a:off x="973393" y="4828938"/>
-            <a:ext cx="10736826" cy="646331"/>
+            <a:off x="324465" y="6488668"/>
+            <a:ext cx="11985523" cy="369332"/>
           </a:xfrm>
           <a:prstGeom prst="rect">
             <a:avLst/>
@@ -6129,32 +6394,16 @@
           <a:lstStyle/>
           <a:p>
             <a:r>
-              <a:rPr lang="tr-TR" dirty="0"/>
-              <a:t>Note: </a:t>
-            </a:r>
-            <a:r>
-              <a:rPr lang="en-GB" dirty="0"/>
-              <a:t>In this experiment; </a:t>
-            </a:r>
-            <a:endParaRPr lang="tr-TR" dirty="0"/>
-          </a:p>
-          <a:p>
-            <a:r>
-              <a:rPr lang="tr-TR" dirty="0"/>
-              <a:t>	They</a:t>
-            </a:r>
-            <a:r>
-              <a:rPr lang="en-GB" dirty="0"/>
-              <a:t> compared line charts, mirrored charts without banding, and mirrored charts with two bands.</a:t>
-            </a:r>
-            <a:endParaRPr lang="en-DE" dirty="0"/>
+              <a:rPr lang="en-DE" dirty="0"/>
+              <a:t>source: Sizing the Horizon: The Effects of Chart Size and Layering on the Graphical Perception of Time Series Visualizations</a:t>
+            </a:r>
           </a:p>
         </p:txBody>
       </p:sp>
     </p:spTree>
     <p:extLst>
       <p:ext uri="{BB962C8B-B14F-4D97-AF65-F5344CB8AC3E}">
-        <p14:creationId xmlns:p14="http://schemas.microsoft.com/office/powerpoint/2010/main" val="3595196434"/>
+        <p14:creationId xmlns:p14="http://schemas.microsoft.com/office/powerpoint/2010/main" val="3652327412"/>
       </p:ext>
     </p:extLst>
   </p:cSld>
@@ -6181,12 +6430,99 @@
           <a:chExt cx="0" cy="0"/>
         </a:xfrm>
       </p:grpSpPr>
+      <p:sp>
+        <p:nvSpPr>
+          <p:cNvPr id="2" name="Title 1">
+            <a:extLst>
+              <a:ext uri="{FF2B5EF4-FFF2-40B4-BE49-F238E27FC236}">
+                <a16:creationId xmlns:a16="http://schemas.microsoft.com/office/drawing/2014/main" id="{934265A4-971B-85B0-0787-77B8BE49D0E0}"/>
+              </a:ext>
+            </a:extLst>
+          </p:cNvPr>
+          <p:cNvSpPr>
+            <a:spLocks noGrp="1"/>
+          </p:cNvSpPr>
+          <p:nvPr>
+            <p:ph type="title"/>
+          </p:nvPr>
+        </p:nvSpPr>
+        <p:spPr>
+          <a:xfrm>
+            <a:off x="838200" y="176214"/>
+            <a:ext cx="10515600" cy="1481188"/>
+          </a:xfrm>
+        </p:spPr>
+        <p:txBody>
+          <a:bodyPr vert="horz" lIns="91440" tIns="45720" rIns="91440" bIns="45720" rtlCol="0" anchor="ctr">
+            <a:normAutofit/>
+          </a:bodyPr>
+          <a:lstStyle/>
+          <a:p>
+            <a:pPr algn="ctr"/>
+            <a:r>
+              <a:rPr lang="tr-TR" sz="2400" dirty="0"/>
+              <a:t>b-2) </a:t>
+            </a:r>
+            <a:r>
+              <a:rPr lang="en-GB" sz="2400" dirty="0"/>
+              <a:t>How does the number of bands in a horizon chart affect estimation </a:t>
+            </a:r>
+            <a:r>
+              <a:rPr lang="en-GB" sz="2400" dirty="0" err="1"/>
+              <a:t>tim</a:t>
+            </a:r>
+            <a:r>
+              <a:rPr lang="tr-TR" sz="2400" dirty="0"/>
+              <a:t>e?</a:t>
+            </a:r>
+            <a:endParaRPr lang="en-US" sz="4000" dirty="0"/>
+          </a:p>
+        </p:txBody>
+      </p:sp>
+      <p:sp>
+        <p:nvSpPr>
+          <p:cNvPr id="5" name="Content Placeholder 4">
+            <a:extLst>
+              <a:ext uri="{FF2B5EF4-FFF2-40B4-BE49-F238E27FC236}">
+                <a16:creationId xmlns:a16="http://schemas.microsoft.com/office/drawing/2014/main" id="{70148373-A886-01E6-BDE0-622413091B70}"/>
+              </a:ext>
+            </a:extLst>
+          </p:cNvPr>
+          <p:cNvSpPr txBox="1">
+            <a:spLocks noGrp="1"/>
+          </p:cNvSpPr>
+          <p:nvPr>
+            <p:ph sz="half" idx="1"/>
+          </p:nvPr>
+        </p:nvSpPr>
+        <p:spPr>
+          <a:xfrm>
+            <a:off x="838200" y="1847128"/>
+            <a:ext cx="3990968" cy="4272681"/>
+          </a:xfrm>
+          <a:prstGeom prst="rect">
+            <a:avLst/>
+          </a:prstGeom>
+        </p:spPr>
+        <p:txBody>
+          <a:bodyPr vert="horz" lIns="91440" tIns="45720" rIns="91440" bIns="45720" rtlCol="0">
+            <a:normAutofit/>
+          </a:bodyPr>
+          <a:lstStyle/>
+          <a:p>
+            <a:r>
+              <a:rPr lang="en-US" sz="2000" dirty="0"/>
+              <a:t>Pair-wise comparison of the band counts found significant differences between all levels, with a mean increase of 2.89 seconds between 2 and 3 bands and an increase of 1.91 seconds between 3 and 4 bands. </a:t>
+            </a:r>
+          </a:p>
+        </p:txBody>
+      </p:sp>
       <p:pic>
         <p:nvPicPr>
-          <p:cNvPr id="8" name="Picture 7">
-            <a:extLst>
-              <a:ext uri="{FF2B5EF4-FFF2-40B4-BE49-F238E27FC236}">
-                <a16:creationId xmlns:a16="http://schemas.microsoft.com/office/drawing/2014/main" id="{0E3881C3-68B5-7068-A9A4-FFE25B243A3B}"/>
+          <p:cNvPr id="7" name="Picture 6">
+            <a:extLst>
+              <a:ext uri="{FF2B5EF4-FFF2-40B4-BE49-F238E27FC236}">
+                <a16:creationId xmlns:a16="http://schemas.microsoft.com/office/drawing/2014/main" id="{547BBBBA-AA18-BC02-ECB4-9D5D5CEECBD5}"/>
               </a:ext>
             </a:extLst>
           </p:cNvPr>
@@ -6203,8 +6539,8 @@
         </p:blipFill>
         <p:spPr>
           <a:xfrm>
-            <a:off x="0" y="1315836"/>
-            <a:ext cx="12192000" cy="4226328"/>
+            <a:off x="5310196" y="1531835"/>
+            <a:ext cx="6687171" cy="4515004"/>
           </a:xfrm>
           <a:prstGeom prst="rect">
             <a:avLst/>
@@ -6213,10 +6549,10 @@
       </p:pic>
       <p:sp>
         <p:nvSpPr>
-          <p:cNvPr id="9" name="TextBox 8">
-            <a:extLst>
-              <a:ext uri="{FF2B5EF4-FFF2-40B4-BE49-F238E27FC236}">
-                <a16:creationId xmlns:a16="http://schemas.microsoft.com/office/drawing/2014/main" id="{17920F0B-B874-CB8E-83F8-9C83A24D6333}"/>
+          <p:cNvPr id="10" name="TextBox 9">
+            <a:extLst>
+              <a:ext uri="{FF2B5EF4-FFF2-40B4-BE49-F238E27FC236}">
+                <a16:creationId xmlns:a16="http://schemas.microsoft.com/office/drawing/2014/main" id="{A244197A-39B9-7E55-266C-DDA6617AF9AA}"/>
               </a:ext>
             </a:extLst>
           </p:cNvPr>
@@ -6225,8 +6561,8 @@
         </p:nvSpPr>
         <p:spPr>
           <a:xfrm>
-            <a:off x="324465" y="6488668"/>
-            <a:ext cx="11985523" cy="369332"/>
+            <a:off x="1043749" y="4337326"/>
+            <a:ext cx="3785419" cy="1569660"/>
           </a:xfrm>
           <a:prstGeom prst="rect">
             <a:avLst/>
@@ -6240,6 +6576,41 @@
           <a:lstStyle/>
           <a:p>
             <a:r>
+              <a:rPr lang="en-DE" sz="2400" b="1" dirty="0"/>
+              <a:t>As the number of bands increases, the time to understand the graph becomes longer.</a:t>
+            </a:r>
+          </a:p>
+        </p:txBody>
+      </p:sp>
+      <p:sp>
+        <p:nvSpPr>
+          <p:cNvPr id="12" name="TextBox 11">
+            <a:extLst>
+              <a:ext uri="{FF2B5EF4-FFF2-40B4-BE49-F238E27FC236}">
+                <a16:creationId xmlns:a16="http://schemas.microsoft.com/office/drawing/2014/main" id="{943CAA8A-FF50-F9B9-E74D-A22553877926}"/>
+              </a:ext>
+            </a:extLst>
+          </p:cNvPr>
+          <p:cNvSpPr txBox="1"/>
+          <p:nvPr/>
+        </p:nvSpPr>
+        <p:spPr>
+          <a:xfrm>
+            <a:off x="324465" y="6488668"/>
+            <a:ext cx="11985523" cy="369332"/>
+          </a:xfrm>
+          <a:prstGeom prst="rect">
+            <a:avLst/>
+          </a:prstGeom>
+          <a:noFill/>
+        </p:spPr>
+        <p:txBody>
+          <a:bodyPr wrap="square">
+            <a:spAutoFit/>
+          </a:bodyPr>
+          <a:lstStyle/>
+          <a:p>
+            <a:r>
               <a:rPr lang="en-DE" dirty="0"/>
               <a:t>source: Sizing the Horizon: The Effects of Chart Size and Layering on the Graphical Perception of Time Series Visualizations</a:t>
             </a:r>
@@ -6249,7 +6620,7 @@
     </p:spTree>
     <p:extLst>
       <p:ext uri="{BB962C8B-B14F-4D97-AF65-F5344CB8AC3E}">
-        <p14:creationId xmlns:p14="http://schemas.microsoft.com/office/powerpoint/2010/main" val="1359757666"/>
+        <p14:creationId xmlns:p14="http://schemas.microsoft.com/office/powerpoint/2010/main" val="3718895026"/>
       </p:ext>
     </p:extLst>
   </p:cSld>
@@ -6281,7 +6652,7 @@
           <p:cNvPr id="2" name="Title 1">
             <a:extLst>
               <a:ext uri="{FF2B5EF4-FFF2-40B4-BE49-F238E27FC236}">
-                <a16:creationId xmlns:a16="http://schemas.microsoft.com/office/drawing/2014/main" id="{EB57168C-625B-F8D9-D064-759BDA9DEDD3}"/>
+                <a16:creationId xmlns:a16="http://schemas.microsoft.com/office/drawing/2014/main" id="{43A213BE-AD96-037A-0C3D-C74FF2291B40}"/>
               </a:ext>
             </a:extLst>
           </p:cNvPr>
@@ -6292,19 +6663,14 @@
             <p:ph type="title"/>
           </p:nvPr>
         </p:nvSpPr>
-        <p:spPr>
-          <a:xfrm>
-            <a:off x="732503" y="67534"/>
-            <a:ext cx="10515600" cy="1325563"/>
-          </a:xfrm>
-        </p:spPr>
+        <p:spPr/>
         <p:txBody>
           <a:bodyPr/>
           <a:lstStyle/>
           <a:p>
             <a:r>
-              <a:rPr lang="tr-TR" dirty="0"/>
-              <a:t>					Results</a:t>
+              <a:rPr lang="en-GB" dirty="0"/>
+              <a:t>EXPERIMENT 2: CHART SIZE AND LAYERING</a:t>
             </a:r>
             <a:endParaRPr lang="en-DE" dirty="0"/>
           </a:p>
@@ -6312,145 +6678,10 @@
       </p:sp>
       <p:sp>
         <p:nvSpPr>
-          <p:cNvPr id="3" name="Content Placeholder 2">
-            <a:extLst>
-              <a:ext uri="{FF2B5EF4-FFF2-40B4-BE49-F238E27FC236}">
-                <a16:creationId xmlns:a16="http://schemas.microsoft.com/office/drawing/2014/main" id="{0E884CF4-99CF-EDAC-B9BA-15DC0B6101E3}"/>
-              </a:ext>
-            </a:extLst>
-          </p:cNvPr>
-          <p:cNvSpPr>
-            <a:spLocks noGrp="1"/>
-          </p:cNvSpPr>
-          <p:nvPr>
-            <p:ph sz="half" idx="1"/>
-          </p:nvPr>
-        </p:nvSpPr>
-        <p:spPr>
-          <a:xfrm>
-            <a:off x="237203" y="2359308"/>
-            <a:ext cx="11717593" cy="4351338"/>
-          </a:xfrm>
-        </p:spPr>
-        <p:txBody>
-          <a:bodyPr/>
-          <a:lstStyle/>
-          <a:p>
-            <a:r>
-              <a:rPr lang="en-GB" dirty="0"/>
-              <a:t>Pair-wise comparisons showed a disadvantage for </a:t>
-            </a:r>
-            <a:r>
-              <a:rPr lang="en-GB" b="1" dirty="0">
-                <a:solidFill>
-                  <a:srgbClr val="FF0000"/>
-                </a:solidFill>
-              </a:rPr>
-              <a:t>line charts </a:t>
-            </a:r>
-            <a:r>
-              <a:rPr lang="en-GB" dirty="0"/>
-              <a:t>against both 1- and 2-band mirror charts</a:t>
-            </a:r>
-            <a:r>
-              <a:rPr lang="tr-TR" dirty="0"/>
-              <a:t>.</a:t>
-            </a:r>
-            <a:endParaRPr lang="en-DE" dirty="0"/>
-          </a:p>
-        </p:txBody>
-      </p:sp>
-      <p:sp>
-        <p:nvSpPr>
-          <p:cNvPr id="5" name="Title 1">
-            <a:extLst>
-              <a:ext uri="{FF2B5EF4-FFF2-40B4-BE49-F238E27FC236}">
-                <a16:creationId xmlns:a16="http://schemas.microsoft.com/office/drawing/2014/main" id="{73528C0D-D8A4-4691-190E-7074E3592C6B}"/>
-              </a:ext>
-            </a:extLst>
-          </p:cNvPr>
-          <p:cNvSpPr txBox="1">
-            <a:spLocks/>
-          </p:cNvSpPr>
-          <p:nvPr/>
-        </p:nvSpPr>
-        <p:spPr>
-          <a:xfrm>
-            <a:off x="435078" y="1033745"/>
-            <a:ext cx="10515600" cy="1325563"/>
-          </a:xfrm>
-          <a:prstGeom prst="rect">
-            <a:avLst/>
-          </a:prstGeom>
-        </p:spPr>
-        <p:txBody>
-          <a:bodyPr vert="horz" lIns="91440" tIns="45720" rIns="91440" bIns="45720" rtlCol="0" anchor="ctr">
-            <a:normAutofit/>
-          </a:bodyPr>
-          <a:lstStyle>
-            <a:lvl1pPr algn="l" defTabSz="914400" rtl="0" eaLnBrk="1" latinLnBrk="0" hangingPunct="1">
-              <a:lnSpc>
-                <a:spcPct val="90000"/>
-              </a:lnSpc>
-              <a:spcBef>
-                <a:spcPct val="0"/>
-              </a:spcBef>
-              <a:buNone/>
-              <a:defRPr sz="4400" kern="1200">
-                <a:solidFill>
-                  <a:schemeClr val="tx1"/>
-                </a:solidFill>
-                <a:latin typeface="+mj-lt"/>
-                <a:ea typeface="+mj-ea"/>
-                <a:cs typeface="+mj-cs"/>
-              </a:defRPr>
-            </a:lvl1pPr>
-          </a:lstStyle>
-          <a:p>
-            <a:r>
-              <a:rPr lang="en-GB" dirty="0"/>
-              <a:t>Estimation Error Increases as Chart Height Decreases</a:t>
-            </a:r>
-            <a:endParaRPr lang="en-DE" dirty="0"/>
-          </a:p>
-        </p:txBody>
-      </p:sp>
-      <p:pic>
-        <p:nvPicPr>
-          <p:cNvPr id="7" name="Picture 6">
-            <a:extLst>
-              <a:ext uri="{FF2B5EF4-FFF2-40B4-BE49-F238E27FC236}">
-                <a16:creationId xmlns:a16="http://schemas.microsoft.com/office/drawing/2014/main" id="{48B0120E-AA41-75CC-8964-7B1157E97BB5}"/>
-              </a:ext>
-            </a:extLst>
-          </p:cNvPr>
-          <p:cNvPicPr>
-            <a:picLocks noChangeAspect="1"/>
-          </p:cNvPicPr>
-          <p:nvPr/>
-        </p:nvPicPr>
-        <p:blipFill>
-          <a:blip r:embed="rId2"/>
-          <a:stretch>
-            <a:fillRect/>
-          </a:stretch>
-        </p:blipFill>
-        <p:spPr>
-          <a:xfrm>
-            <a:off x="5990303" y="2992312"/>
-            <a:ext cx="4882944" cy="3718334"/>
-          </a:xfrm>
-          <a:prstGeom prst="rect">
-            <a:avLst/>
-          </a:prstGeom>
-        </p:spPr>
-      </p:pic>
-      <p:sp>
-        <p:nvSpPr>
-          <p:cNvPr id="10" name="TextBox 9">
-            <a:extLst>
-              <a:ext uri="{FF2B5EF4-FFF2-40B4-BE49-F238E27FC236}">
-                <a16:creationId xmlns:a16="http://schemas.microsoft.com/office/drawing/2014/main" id="{E6216DC1-797B-DD5E-DF35-C41633CF67CD}"/>
+          <p:cNvPr id="6" name="TextBox 5">
+            <a:extLst>
+              <a:ext uri="{FF2B5EF4-FFF2-40B4-BE49-F238E27FC236}">
+                <a16:creationId xmlns:a16="http://schemas.microsoft.com/office/drawing/2014/main" id="{A3D89457-1F39-6728-AAAD-6BB5D7A4C64E}"/>
               </a:ext>
             </a:extLst>
           </p:cNvPr>
@@ -6459,8 +6690,8 @@
         </p:nvSpPr>
         <p:spPr>
           <a:xfrm>
-            <a:off x="562898" y="3795064"/>
-            <a:ext cx="2871020" cy="923330"/>
+            <a:off x="838200" y="2075055"/>
+            <a:ext cx="8996516" cy="1477328"/>
           </a:xfrm>
           <a:prstGeom prst="rect">
             <a:avLst/>
@@ -6474,16 +6705,90 @@
           <a:lstStyle/>
           <a:p>
             <a:r>
-              <a:rPr lang="en-DE" dirty="0"/>
-              <a:t>As the chart height increases, the estimation error decreases.</a:t>
-            </a:r>
+              <a:rPr lang="en-GB" dirty="0"/>
+              <a:t>How do mirroring and layering affect estimation time and accuracy compared to line charts? </a:t>
+            </a:r>
+            <a:endParaRPr lang="tr-TR" dirty="0"/>
+          </a:p>
+          <a:p>
+            <a:pPr marL="342900" indent="-342900">
+              <a:buAutoNum type="alphaLcParenBoth"/>
+            </a:pPr>
+            <a:endParaRPr lang="tr-TR" dirty="0"/>
+          </a:p>
+          <a:p>
+            <a:pPr marL="342900" indent="-342900">
+              <a:buAutoNum type="alphaLcParenBoth"/>
+            </a:pPr>
+            <a:endParaRPr lang="tr-TR" dirty="0"/>
+          </a:p>
+          <a:p>
+            <a:endParaRPr lang="tr-TR" dirty="0"/>
+          </a:p>
+          <a:p>
+            <a:r>
+              <a:rPr lang="en-GB" dirty="0"/>
+              <a:t>How does chart size affect estimation time and accuracy? </a:t>
+            </a:r>
+            <a:endParaRPr lang="en-DE" dirty="0"/>
+          </a:p>
+        </p:txBody>
+      </p:sp>
+      <p:sp>
+        <p:nvSpPr>
+          <p:cNvPr id="8" name="TextBox 7">
+            <a:extLst>
+              <a:ext uri="{FF2B5EF4-FFF2-40B4-BE49-F238E27FC236}">
+                <a16:creationId xmlns:a16="http://schemas.microsoft.com/office/drawing/2014/main" id="{C8524F2D-F617-BA36-3AEB-A054C6080FC1}"/>
+              </a:ext>
+            </a:extLst>
+          </p:cNvPr>
+          <p:cNvSpPr txBox="1"/>
+          <p:nvPr/>
+        </p:nvSpPr>
+        <p:spPr>
+          <a:xfrm>
+            <a:off x="973393" y="4828938"/>
+            <a:ext cx="10736826" cy="646331"/>
+          </a:xfrm>
+          <a:prstGeom prst="rect">
+            <a:avLst/>
+          </a:prstGeom>
+          <a:noFill/>
+        </p:spPr>
+        <p:txBody>
+          <a:bodyPr wrap="square">
+            <a:spAutoFit/>
+          </a:bodyPr>
+          <a:lstStyle/>
+          <a:p>
+            <a:r>
+              <a:rPr lang="tr-TR" dirty="0"/>
+              <a:t>Note: </a:t>
+            </a:r>
+            <a:r>
+              <a:rPr lang="en-GB" dirty="0"/>
+              <a:t>In this experiment; </a:t>
+            </a:r>
+            <a:endParaRPr lang="tr-TR" dirty="0"/>
+          </a:p>
+          <a:p>
+            <a:r>
+              <a:rPr lang="tr-TR" dirty="0"/>
+              <a:t>	They</a:t>
+            </a:r>
+            <a:r>
+              <a:rPr lang="en-GB" dirty="0"/>
+              <a:t> compared line charts, mirrored charts without banding, and mirrored charts with two bands.</a:t>
+            </a:r>
+            <a:endParaRPr lang="en-DE" dirty="0"/>
           </a:p>
         </p:txBody>
       </p:sp>
     </p:spTree>
     <p:extLst>
       <p:ext uri="{BB962C8B-B14F-4D97-AF65-F5344CB8AC3E}">
-        <p14:creationId xmlns:p14="http://schemas.microsoft.com/office/powerpoint/2010/main" val="4209655696"/>
+        <p14:creationId xmlns:p14="http://schemas.microsoft.com/office/powerpoint/2010/main" val="3595196434"/>
       </p:ext>
     </p:extLst>
   </p:cSld>
@@ -6510,173 +6815,75 @@
           <a:chExt cx="0" cy="0"/>
         </a:xfrm>
       </p:grpSpPr>
-      <p:sp>
-        <p:nvSpPr>
-          <p:cNvPr id="2" name="Title 1">
-            <a:extLst>
-              <a:ext uri="{FF2B5EF4-FFF2-40B4-BE49-F238E27FC236}">
-                <a16:creationId xmlns:a16="http://schemas.microsoft.com/office/drawing/2014/main" id="{F5BD4790-63A5-1882-05C6-69E427408589}"/>
-              </a:ext>
-            </a:extLst>
-          </p:cNvPr>
-          <p:cNvSpPr>
-            <a:spLocks noGrp="1"/>
-          </p:cNvSpPr>
-          <p:nvPr>
-            <p:ph type="title"/>
-          </p:nvPr>
-        </p:nvSpPr>
-        <p:spPr/>
-        <p:txBody>
-          <a:bodyPr>
-            <a:normAutofit/>
+      <p:pic>
+        <p:nvPicPr>
+          <p:cNvPr id="8" name="Picture 7">
+            <a:extLst>
+              <a:ext uri="{FF2B5EF4-FFF2-40B4-BE49-F238E27FC236}">
+                <a16:creationId xmlns:a16="http://schemas.microsoft.com/office/drawing/2014/main" id="{0E3881C3-68B5-7068-A9A4-FFE25B243A3B}"/>
+              </a:ext>
+            </a:extLst>
+          </p:cNvPr>
+          <p:cNvPicPr>
+            <a:picLocks noChangeAspect="1"/>
+          </p:cNvPicPr>
+          <p:nvPr/>
+        </p:nvPicPr>
+        <p:blipFill>
+          <a:blip r:embed="rId2"/>
+          <a:stretch>
+            <a:fillRect/>
+          </a:stretch>
+        </p:blipFill>
+        <p:spPr>
+          <a:xfrm>
+            <a:off x="0" y="1315836"/>
+            <a:ext cx="12192000" cy="4226328"/>
+          </a:xfrm>
+          <a:prstGeom prst="rect">
+            <a:avLst/>
+          </a:prstGeom>
+        </p:spPr>
+      </p:pic>
+      <p:sp>
+        <p:nvSpPr>
+          <p:cNvPr id="9" name="TextBox 8">
+            <a:extLst>
+              <a:ext uri="{FF2B5EF4-FFF2-40B4-BE49-F238E27FC236}">
+                <a16:creationId xmlns:a16="http://schemas.microsoft.com/office/drawing/2014/main" id="{17920F0B-B874-CB8E-83F8-9C83A24D6333}"/>
+              </a:ext>
+            </a:extLst>
+          </p:cNvPr>
+          <p:cNvSpPr txBox="1"/>
+          <p:nvPr/>
+        </p:nvSpPr>
+        <p:spPr>
+          <a:xfrm>
+            <a:off x="324465" y="6488668"/>
+            <a:ext cx="11985523" cy="369332"/>
+          </a:xfrm>
+          <a:prstGeom prst="rect">
+            <a:avLst/>
+          </a:prstGeom>
+          <a:noFill/>
+        </p:spPr>
+        <p:txBody>
+          <a:bodyPr wrap="square">
+            <a:spAutoFit/>
           </a:bodyPr>
           <a:lstStyle/>
           <a:p>
             <a:r>
-              <a:rPr lang="en-GB" sz="3600" dirty="0"/>
-              <a:t>Layering Increases Estimation Time, Mirroring Does Not</a:t>
-            </a:r>
-            <a:endParaRPr lang="en-DE" sz="3600" dirty="0"/>
-          </a:p>
-        </p:txBody>
-      </p:sp>
-      <p:sp>
-        <p:nvSpPr>
-          <p:cNvPr id="3" name="Content Placeholder 2">
-            <a:extLst>
-              <a:ext uri="{FF2B5EF4-FFF2-40B4-BE49-F238E27FC236}">
-                <a16:creationId xmlns:a16="http://schemas.microsoft.com/office/drawing/2014/main" id="{1D8273F4-1932-AA6A-C26D-205F7D7A1034}"/>
-              </a:ext>
-            </a:extLst>
-          </p:cNvPr>
-          <p:cNvSpPr>
-            <a:spLocks noGrp="1"/>
-          </p:cNvSpPr>
-          <p:nvPr>
-            <p:ph sz="half" idx="1"/>
-          </p:nvPr>
-        </p:nvSpPr>
-        <p:spPr>
-          <a:xfrm>
-            <a:off x="838199" y="1825625"/>
-            <a:ext cx="10311581" cy="4351338"/>
-          </a:xfrm>
-        </p:spPr>
-        <p:txBody>
-          <a:bodyPr/>
-          <a:lstStyle/>
-          <a:p>
-            <a:r>
-              <a:rPr lang="tr-TR" b="1" dirty="0">
-                <a:solidFill>
-                  <a:srgbClr val="FF0000"/>
-                </a:solidFill>
-              </a:rPr>
-              <a:t>2</a:t>
-            </a:r>
-            <a:r>
-              <a:rPr lang="en-GB" b="1" dirty="0">
-                <a:solidFill>
-                  <a:srgbClr val="FF0000"/>
-                </a:solidFill>
-              </a:rPr>
-              <a:t>-band mirror </a:t>
-            </a:r>
-            <a:r>
-              <a:rPr lang="en-GB" dirty="0"/>
-              <a:t>charts were slower than normal time series by 2.05 seconds on average and </a:t>
-            </a:r>
-            <a:r>
-              <a:rPr lang="en-GB" b="1" dirty="0">
-                <a:solidFill>
-                  <a:srgbClr val="FF0000"/>
-                </a:solidFill>
-              </a:rPr>
-              <a:t>1-band mirror charts </a:t>
-            </a:r>
-            <a:r>
-              <a:rPr lang="en-GB" dirty="0"/>
-              <a:t>by 1.91 on average sec.</a:t>
-            </a:r>
-            <a:r>
-              <a:rPr lang="tr-TR" dirty="0"/>
-              <a:t> </a:t>
-            </a:r>
-            <a:r>
-              <a:rPr lang="en-GB" b="1" dirty="0">
-                <a:solidFill>
-                  <a:srgbClr val="FF0000"/>
-                </a:solidFill>
-              </a:rPr>
-              <a:t>1-band charts faster than 2-band chart</a:t>
-            </a:r>
-            <a:r>
-              <a:rPr lang="tr-TR" b="1" dirty="0">
-                <a:solidFill>
-                  <a:srgbClr val="FF0000"/>
-                </a:solidFill>
-              </a:rPr>
-              <a:t>s</a:t>
-            </a:r>
-            <a:r>
-              <a:rPr lang="en-GB" b="1" dirty="0">
-                <a:solidFill>
-                  <a:srgbClr val="FF0000"/>
-                </a:solidFill>
-              </a:rPr>
-              <a:t>.</a:t>
-            </a:r>
-            <a:endParaRPr lang="tr-TR" b="1" dirty="0">
-              <a:solidFill>
-                <a:srgbClr val="FF0000"/>
-              </a:solidFill>
-            </a:endParaRPr>
-          </a:p>
-          <a:p>
-            <a:r>
-              <a:rPr lang="en-GB" b="1" dirty="0"/>
-              <a:t>The result is consistent with Experiment 1, where increasing the band count slowed estimation. </a:t>
-            </a:r>
-            <a:endParaRPr lang="tr-TR" b="1" dirty="0"/>
-          </a:p>
-          <a:p>
-            <a:r>
-              <a:rPr lang="en-GB" dirty="0"/>
-              <a:t>There is no difference between </a:t>
-            </a:r>
-            <a:r>
-              <a:rPr lang="en-GB" b="1" dirty="0">
-                <a:solidFill>
-                  <a:srgbClr val="FF0000"/>
-                </a:solidFill>
-              </a:rPr>
-              <a:t>1- band mirror charts </a:t>
-            </a:r>
-            <a:r>
-              <a:rPr lang="en-GB" dirty="0"/>
-              <a:t>and </a:t>
-            </a:r>
-            <a:r>
-              <a:rPr lang="en-GB" b="1" dirty="0">
-                <a:solidFill>
-                  <a:srgbClr val="FF0000"/>
-                </a:solidFill>
-              </a:rPr>
-              <a:t>line charts</a:t>
-            </a:r>
-            <a:endParaRPr lang="en-DE" b="1" dirty="0">
-              <a:solidFill>
-                <a:srgbClr val="FF0000"/>
-              </a:solidFill>
-            </a:endParaRPr>
+              <a:rPr lang="en-DE" dirty="0"/>
+              <a:t>source: Sizing the Horizon: The Effects of Chart Size and Layering on the Graphical Perception of Time Series Visualizations</a:t>
+            </a:r>
           </a:p>
         </p:txBody>
       </p:sp>
     </p:spTree>
     <p:extLst>
       <p:ext uri="{BB962C8B-B14F-4D97-AF65-F5344CB8AC3E}">
-        <p14:creationId xmlns:p14="http://schemas.microsoft.com/office/powerpoint/2010/main" val="214234274"/>
+        <p14:creationId xmlns:p14="http://schemas.microsoft.com/office/powerpoint/2010/main" val="1359757666"/>
       </p:ext>
     </p:extLst>
   </p:cSld>
@@ -6708,7 +6915,7 @@
           <p:cNvPr id="2" name="Title 1">
             <a:extLst>
               <a:ext uri="{FF2B5EF4-FFF2-40B4-BE49-F238E27FC236}">
-                <a16:creationId xmlns:a16="http://schemas.microsoft.com/office/drawing/2014/main" id="{26BA6393-40D5-67A8-1E8D-2541B7BBF708}"/>
+                <a16:creationId xmlns:a16="http://schemas.microsoft.com/office/drawing/2014/main" id="{EB57168C-625B-F8D9-D064-759BDA9DEDD3}"/>
               </a:ext>
             </a:extLst>
           </p:cNvPr>
@@ -6719,14 +6926,69 @@
             <p:ph type="title"/>
           </p:nvPr>
         </p:nvSpPr>
-        <p:spPr/>
+        <p:spPr>
+          <a:xfrm>
+            <a:off x="732503" y="67534"/>
+            <a:ext cx="10515600" cy="1325563"/>
+          </a:xfrm>
+        </p:spPr>
         <p:txBody>
           <a:bodyPr/>
           <a:lstStyle/>
           <a:p>
             <a:r>
+              <a:rPr lang="tr-TR" dirty="0"/>
+              <a:t>					Results</a:t>
+            </a:r>
+            <a:endParaRPr lang="en-DE" dirty="0"/>
+          </a:p>
+        </p:txBody>
+      </p:sp>
+      <p:sp>
+        <p:nvSpPr>
+          <p:cNvPr id="3" name="Content Placeholder 2">
+            <a:extLst>
+              <a:ext uri="{FF2B5EF4-FFF2-40B4-BE49-F238E27FC236}">
+                <a16:creationId xmlns:a16="http://schemas.microsoft.com/office/drawing/2014/main" id="{0E884CF4-99CF-EDAC-B9BA-15DC0B6101E3}"/>
+              </a:ext>
+            </a:extLst>
+          </p:cNvPr>
+          <p:cNvSpPr>
+            <a:spLocks noGrp="1"/>
+          </p:cNvSpPr>
+          <p:nvPr>
+            <p:ph sz="half" idx="1"/>
+          </p:nvPr>
+        </p:nvSpPr>
+        <p:spPr>
+          <a:xfrm>
+            <a:off x="237203" y="2359308"/>
+            <a:ext cx="11717593" cy="4351338"/>
+          </a:xfrm>
+        </p:spPr>
+        <p:txBody>
+          <a:bodyPr/>
+          <a:lstStyle/>
+          <a:p>
+            <a:r>
               <a:rPr lang="en-GB" dirty="0"/>
-              <a:t>Estimation Time Decreases with Chart Height </a:t>
+              <a:t>Pair-wise comparisons showed a disadvantage for </a:t>
+            </a:r>
+            <a:r>
+              <a:rPr lang="en-GB" b="1" dirty="0">
+                <a:solidFill>
+                  <a:srgbClr val="FF0000"/>
+                </a:solidFill>
+              </a:rPr>
+              <a:t>line charts </a:t>
+            </a:r>
+            <a:r>
+              <a:rPr lang="en-GB" dirty="0"/>
+              <a:t>against both 1- and 2-band mirror charts</a:t>
+            </a:r>
+            <a:r>
+              <a:rPr lang="tr-TR" dirty="0"/>
+              <a:t>.</a:t>
             </a:r>
             <a:endParaRPr lang="en-DE" dirty="0"/>
           </a:p>
@@ -6734,42 +6996,128 @@
       </p:sp>
       <p:sp>
         <p:nvSpPr>
-          <p:cNvPr id="3" name="Content Placeholder 2">
-            <a:extLst>
-              <a:ext uri="{FF2B5EF4-FFF2-40B4-BE49-F238E27FC236}">
-                <a16:creationId xmlns:a16="http://schemas.microsoft.com/office/drawing/2014/main" id="{73720A05-D410-9FC3-95EA-773AB1F86A9A}"/>
-              </a:ext>
-            </a:extLst>
-          </p:cNvPr>
-          <p:cNvSpPr>
-            <a:spLocks noGrp="1"/>
-          </p:cNvSpPr>
-          <p:nvPr>
-            <p:ph sz="half" idx="1"/>
-          </p:nvPr>
-        </p:nvSpPr>
-        <p:spPr>
-          <a:xfrm>
-            <a:off x="838199" y="1825625"/>
-            <a:ext cx="10164097" cy="4351338"/>
-          </a:xfrm>
-        </p:spPr>
-        <p:txBody>
-          <a:bodyPr/>
-          <a:lstStyle/>
+          <p:cNvPr id="5" name="Title 1">
+            <a:extLst>
+              <a:ext uri="{FF2B5EF4-FFF2-40B4-BE49-F238E27FC236}">
+                <a16:creationId xmlns:a16="http://schemas.microsoft.com/office/drawing/2014/main" id="{73528C0D-D8A4-4691-190E-7074E3592C6B}"/>
+              </a:ext>
+            </a:extLst>
+          </p:cNvPr>
+          <p:cNvSpPr txBox="1">
+            <a:spLocks/>
+          </p:cNvSpPr>
+          <p:nvPr/>
+        </p:nvSpPr>
+        <p:spPr>
+          <a:xfrm>
+            <a:off x="435078" y="1033745"/>
+            <a:ext cx="10515600" cy="1325563"/>
+          </a:xfrm>
+          <a:prstGeom prst="rect">
+            <a:avLst/>
+          </a:prstGeom>
+        </p:spPr>
+        <p:txBody>
+          <a:bodyPr vert="horz" lIns="91440" tIns="45720" rIns="91440" bIns="45720" rtlCol="0" anchor="ctr">
+            <a:normAutofit/>
+          </a:bodyPr>
+          <a:lstStyle>
+            <a:lvl1pPr algn="l" defTabSz="914400" rtl="0" eaLnBrk="1" latinLnBrk="0" hangingPunct="1">
+              <a:lnSpc>
+                <a:spcPct val="90000"/>
+              </a:lnSpc>
+              <a:spcBef>
+                <a:spcPct val="0"/>
+              </a:spcBef>
+              <a:buNone/>
+              <a:defRPr sz="4400" kern="1200">
+                <a:solidFill>
+                  <a:schemeClr val="tx1"/>
+                </a:solidFill>
+                <a:latin typeface="+mj-lt"/>
+                <a:ea typeface="+mj-ea"/>
+                <a:cs typeface="+mj-cs"/>
+              </a:defRPr>
+            </a:lvl1pPr>
+          </a:lstStyle>
           <a:p>
             <a:r>
               <a:rPr lang="en-GB" dirty="0"/>
-              <a:t>As the chart height decreases, the estimation time decreases. </a:t>
+              <a:t>Estimation Error Increases as Chart Height Decreases</a:t>
             </a:r>
             <a:endParaRPr lang="en-DE" dirty="0"/>
+          </a:p>
+        </p:txBody>
+      </p:sp>
+      <p:pic>
+        <p:nvPicPr>
+          <p:cNvPr id="7" name="Picture 6">
+            <a:extLst>
+              <a:ext uri="{FF2B5EF4-FFF2-40B4-BE49-F238E27FC236}">
+                <a16:creationId xmlns:a16="http://schemas.microsoft.com/office/drawing/2014/main" id="{48B0120E-AA41-75CC-8964-7B1157E97BB5}"/>
+              </a:ext>
+            </a:extLst>
+          </p:cNvPr>
+          <p:cNvPicPr>
+            <a:picLocks noChangeAspect="1"/>
+          </p:cNvPicPr>
+          <p:nvPr/>
+        </p:nvPicPr>
+        <p:blipFill>
+          <a:blip r:embed="rId2"/>
+          <a:stretch>
+            <a:fillRect/>
+          </a:stretch>
+        </p:blipFill>
+        <p:spPr>
+          <a:xfrm>
+            <a:off x="5990303" y="2992312"/>
+            <a:ext cx="4882944" cy="3718334"/>
+          </a:xfrm>
+          <a:prstGeom prst="rect">
+            <a:avLst/>
+          </a:prstGeom>
+        </p:spPr>
+      </p:pic>
+      <p:sp>
+        <p:nvSpPr>
+          <p:cNvPr id="10" name="TextBox 9">
+            <a:extLst>
+              <a:ext uri="{FF2B5EF4-FFF2-40B4-BE49-F238E27FC236}">
+                <a16:creationId xmlns:a16="http://schemas.microsoft.com/office/drawing/2014/main" id="{E6216DC1-797B-DD5E-DF35-C41633CF67CD}"/>
+              </a:ext>
+            </a:extLst>
+          </p:cNvPr>
+          <p:cNvSpPr txBox="1"/>
+          <p:nvPr/>
+        </p:nvSpPr>
+        <p:spPr>
+          <a:xfrm>
+            <a:off x="562898" y="3795064"/>
+            <a:ext cx="2871020" cy="923330"/>
+          </a:xfrm>
+          <a:prstGeom prst="rect">
+            <a:avLst/>
+          </a:prstGeom>
+          <a:noFill/>
+        </p:spPr>
+        <p:txBody>
+          <a:bodyPr wrap="square">
+            <a:spAutoFit/>
+          </a:bodyPr>
+          <a:lstStyle/>
+          <a:p>
+            <a:r>
+              <a:rPr lang="en-DE" dirty="0"/>
+              <a:t>As the chart height increases, the estimation error decreases.</a:t>
+            </a:r>
           </a:p>
         </p:txBody>
       </p:sp>
     </p:spTree>
     <p:extLst>
       <p:ext uri="{BB962C8B-B14F-4D97-AF65-F5344CB8AC3E}">
-        <p14:creationId xmlns:p14="http://schemas.microsoft.com/office/powerpoint/2010/main" val="3214352211"/>
+        <p14:creationId xmlns:p14="http://schemas.microsoft.com/office/powerpoint/2010/main" val="4209655696"/>
       </p:ext>
     </p:extLst>
   </p:cSld>
@@ -6801,7 +7149,7 @@
           <p:cNvPr id="2" name="Title 1">
             <a:extLst>
               <a:ext uri="{FF2B5EF4-FFF2-40B4-BE49-F238E27FC236}">
-                <a16:creationId xmlns:a16="http://schemas.microsoft.com/office/drawing/2014/main" id="{0C6C3256-CF8E-5ABB-1476-8E1F6CB00DF2}"/>
+                <a16:creationId xmlns:a16="http://schemas.microsoft.com/office/drawing/2014/main" id="{F5BD4790-63A5-1882-05C6-69E427408589}"/>
               </a:ext>
             </a:extLst>
           </p:cNvPr>
@@ -6815,65 +7163,154 @@
         <p:spPr/>
         <p:txBody>
           <a:bodyPr>
-            <a:normAutofit fontScale="90000"/>
+            <a:normAutofit/>
           </a:bodyPr>
           <a:lstStyle/>
           <a:p>
             <a:r>
+              <a:rPr lang="en-GB" sz="3600" dirty="0"/>
+              <a:t>Layering Increases Estimation Time, Mirroring Does Not</a:t>
+            </a:r>
+            <a:endParaRPr lang="en-DE" sz="3600" dirty="0"/>
+          </a:p>
+        </p:txBody>
+      </p:sp>
+      <p:sp>
+        <p:nvSpPr>
+          <p:cNvPr id="3" name="Content Placeholder 2">
+            <a:extLst>
+              <a:ext uri="{FF2B5EF4-FFF2-40B4-BE49-F238E27FC236}">
+                <a16:creationId xmlns:a16="http://schemas.microsoft.com/office/drawing/2014/main" id="{1D8273F4-1932-AA6A-C26D-205F7D7A1034}"/>
+              </a:ext>
+            </a:extLst>
+          </p:cNvPr>
+          <p:cNvSpPr>
+            <a:spLocks noGrp="1"/>
+          </p:cNvSpPr>
+          <p:nvPr>
+            <p:ph sz="half" idx="1"/>
+          </p:nvPr>
+        </p:nvSpPr>
+        <p:spPr>
+          <a:xfrm>
+            <a:off x="838199" y="1825625"/>
+            <a:ext cx="10311581" cy="4351338"/>
+          </a:xfrm>
+        </p:spPr>
+        <p:txBody>
+          <a:bodyPr/>
+          <a:lstStyle/>
+          <a:p>
+            <a:r>
+              <a:rPr lang="tr-TR" b="1" dirty="0">
+                <a:solidFill>
+                  <a:srgbClr val="FF0000"/>
+                </a:solidFill>
+              </a:rPr>
+              <a:t>2</a:t>
+            </a:r>
+            <a:r>
+              <a:rPr lang="en-GB" b="1" dirty="0">
+                <a:solidFill>
+                  <a:srgbClr val="FF0000"/>
+                </a:solidFill>
+              </a:rPr>
+              <a:t>-band mirror </a:t>
+            </a:r>
+            <a:r>
               <a:rPr lang="en-GB" dirty="0"/>
-              <a:t>How do mirroring and layering affect estimation time and accuracy compared to line charts? </a:t>
-            </a:r>
-            <a:br>
+              <a:t>charts were slower than normal time series by 2.05 seconds on average and </a:t>
+            </a:r>
+            <a:r>
+              <a:rPr lang="en-GB" b="1" dirty="0">
+                <a:solidFill>
+                  <a:srgbClr val="FF0000"/>
+                </a:solidFill>
+              </a:rPr>
+              <a:t>1-band mirror charts </a:t>
+            </a:r>
+            <a:r>
+              <a:rPr lang="en-GB" dirty="0"/>
+              <a:t>by 1.91 on average sec.</a:t>
+            </a:r>
+            <a:r>
               <a:rPr lang="tr-TR" dirty="0"/>
-            </a:br>
-            <a:endParaRPr lang="en-DE" dirty="0"/>
-          </a:p>
-        </p:txBody>
-      </p:sp>
-      <p:sp>
-        <p:nvSpPr>
-          <p:cNvPr id="3" name="Content Placeholder 2">
-            <a:extLst>
-              <a:ext uri="{FF2B5EF4-FFF2-40B4-BE49-F238E27FC236}">
-                <a16:creationId xmlns:a16="http://schemas.microsoft.com/office/drawing/2014/main" id="{73000F01-CC01-0169-037B-ECCCEB4F334A}"/>
-              </a:ext>
-            </a:extLst>
-          </p:cNvPr>
-          <p:cNvSpPr>
-            <a:spLocks noGrp="1"/>
-          </p:cNvSpPr>
-          <p:nvPr>
-            <p:ph sz="half" idx="1"/>
-          </p:nvPr>
-        </p:nvSpPr>
-        <p:spPr>
-          <a:xfrm>
-            <a:off x="838199" y="1825625"/>
-            <a:ext cx="11235813" cy="4351338"/>
-          </a:xfrm>
-        </p:spPr>
-        <p:txBody>
-          <a:bodyPr/>
-          <a:lstStyle/>
+              <a:t> </a:t>
+            </a:r>
+            <a:r>
+              <a:rPr lang="en-GB" b="1" dirty="0">
+                <a:solidFill>
+                  <a:srgbClr val="FF0000"/>
+                </a:solidFill>
+              </a:rPr>
+              <a:t>1-band charts faster than 2-band chart</a:t>
+            </a:r>
+            <a:r>
+              <a:rPr lang="tr-TR" b="1" dirty="0">
+                <a:solidFill>
+                  <a:srgbClr val="FF0000"/>
+                </a:solidFill>
+              </a:rPr>
+              <a:t>s</a:t>
+            </a:r>
+            <a:r>
+              <a:rPr lang="en-GB" b="1" dirty="0">
+                <a:solidFill>
+                  <a:srgbClr val="FF0000"/>
+                </a:solidFill>
+              </a:rPr>
+              <a:t>.</a:t>
+            </a:r>
+            <a:endParaRPr lang="tr-TR" b="1" dirty="0">
+              <a:solidFill>
+                <a:srgbClr val="FF0000"/>
+              </a:solidFill>
+            </a:endParaRPr>
+          </a:p>
+          <a:p>
+            <a:r>
+              <a:rPr lang="en-GB" b="1" dirty="0"/>
+              <a:t>The result is consistent with Experiment 1, where increasing the band count slowed estimation. </a:t>
+            </a:r>
+            <a:endParaRPr lang="tr-TR" b="1" dirty="0"/>
+          </a:p>
           <a:p>
             <a:r>
               <a:rPr lang="en-GB" dirty="0"/>
-              <a:t>At the two largest chart sizes, 1-band charts were faster and more accurate than 2-band charts. </a:t>
-            </a:r>
-          </a:p>
-          <a:p>
+              <a:t>There is no difference between </a:t>
+            </a:r>
+            <a:r>
+              <a:rPr lang="en-GB" b="1" dirty="0">
+                <a:solidFill>
+                  <a:srgbClr val="FF0000"/>
+                </a:solidFill>
+              </a:rPr>
+              <a:t>1- band mirror charts </a:t>
+            </a:r>
             <a:r>
               <a:rPr lang="en-GB" dirty="0"/>
-              <a:t>1-band mirror charts exhibited equal or better speed and accuracy than normal line charts that were twice as tall.</a:t>
-            </a:r>
-            <a:endParaRPr lang="en-DE" dirty="0"/>
+              <a:t>and </a:t>
+            </a:r>
+            <a:r>
+              <a:rPr lang="en-GB" b="1" dirty="0">
+                <a:solidFill>
+                  <a:srgbClr val="FF0000"/>
+                </a:solidFill>
+              </a:rPr>
+              <a:t>line charts</a:t>
+            </a:r>
+            <a:endParaRPr lang="en-DE" b="1" dirty="0">
+              <a:solidFill>
+                <a:srgbClr val="FF0000"/>
+              </a:solidFill>
+            </a:endParaRPr>
           </a:p>
         </p:txBody>
       </p:sp>
     </p:spTree>
     <p:extLst>
       <p:ext uri="{BB962C8B-B14F-4D97-AF65-F5344CB8AC3E}">
-        <p14:creationId xmlns:p14="http://schemas.microsoft.com/office/powerpoint/2010/main" val="82216821"/>
+        <p14:creationId xmlns:p14="http://schemas.microsoft.com/office/powerpoint/2010/main" val="214234274"/>
       </p:ext>
     </p:extLst>
   </p:cSld>
@@ -6905,6 +7342,203 @@
           <p:cNvPr id="2" name="Title 1">
             <a:extLst>
               <a:ext uri="{FF2B5EF4-FFF2-40B4-BE49-F238E27FC236}">
+                <a16:creationId xmlns:a16="http://schemas.microsoft.com/office/drawing/2014/main" id="{26BA6393-40D5-67A8-1E8D-2541B7BBF708}"/>
+              </a:ext>
+            </a:extLst>
+          </p:cNvPr>
+          <p:cNvSpPr>
+            <a:spLocks noGrp="1"/>
+          </p:cNvSpPr>
+          <p:nvPr>
+            <p:ph type="title"/>
+          </p:nvPr>
+        </p:nvSpPr>
+        <p:spPr/>
+        <p:txBody>
+          <a:bodyPr/>
+          <a:lstStyle/>
+          <a:p>
+            <a:r>
+              <a:rPr lang="en-GB" dirty="0"/>
+              <a:t>Estimation Time Decreases with Chart Height </a:t>
+            </a:r>
+            <a:endParaRPr lang="en-DE" dirty="0"/>
+          </a:p>
+        </p:txBody>
+      </p:sp>
+      <p:sp>
+        <p:nvSpPr>
+          <p:cNvPr id="3" name="Content Placeholder 2">
+            <a:extLst>
+              <a:ext uri="{FF2B5EF4-FFF2-40B4-BE49-F238E27FC236}">
+                <a16:creationId xmlns:a16="http://schemas.microsoft.com/office/drawing/2014/main" id="{73720A05-D410-9FC3-95EA-773AB1F86A9A}"/>
+              </a:ext>
+            </a:extLst>
+          </p:cNvPr>
+          <p:cNvSpPr>
+            <a:spLocks noGrp="1"/>
+          </p:cNvSpPr>
+          <p:nvPr>
+            <p:ph sz="half" idx="1"/>
+          </p:nvPr>
+        </p:nvSpPr>
+        <p:spPr>
+          <a:xfrm>
+            <a:off x="838199" y="1825625"/>
+            <a:ext cx="10164097" cy="4351338"/>
+          </a:xfrm>
+        </p:spPr>
+        <p:txBody>
+          <a:bodyPr/>
+          <a:lstStyle/>
+          <a:p>
+            <a:r>
+              <a:rPr lang="en-GB" dirty="0"/>
+              <a:t>As the chart height decreases, the estimation time decreases. </a:t>
+            </a:r>
+            <a:endParaRPr lang="en-DE" dirty="0"/>
+          </a:p>
+        </p:txBody>
+      </p:sp>
+    </p:spTree>
+    <p:extLst>
+      <p:ext uri="{BB962C8B-B14F-4D97-AF65-F5344CB8AC3E}">
+        <p14:creationId xmlns:p14="http://schemas.microsoft.com/office/powerpoint/2010/main" val="3214352211"/>
+      </p:ext>
+    </p:extLst>
+  </p:cSld>
+  <p:clrMapOvr>
+    <a:masterClrMapping/>
+  </p:clrMapOvr>
+</p:sld>
+</file>
+
+<file path=ppt/slides/slide28.xml><?xml version="1.0" encoding="utf-8"?>
+<p:sld xmlns:a="http://schemas.openxmlformats.org/drawingml/2006/main" xmlns:r="http://schemas.openxmlformats.org/officeDocument/2006/relationships" xmlns:p="http://schemas.openxmlformats.org/presentationml/2006/main">
+  <p:cSld>
+    <p:spTree>
+      <p:nvGrpSpPr>
+        <p:cNvPr id="1" name=""/>
+        <p:cNvGrpSpPr/>
+        <p:nvPr/>
+      </p:nvGrpSpPr>
+      <p:grpSpPr>
+        <a:xfrm>
+          <a:off x="0" y="0"/>
+          <a:ext cx="0" cy="0"/>
+          <a:chOff x="0" y="0"/>
+          <a:chExt cx="0" cy="0"/>
+        </a:xfrm>
+      </p:grpSpPr>
+      <p:sp>
+        <p:nvSpPr>
+          <p:cNvPr id="2" name="Title 1">
+            <a:extLst>
+              <a:ext uri="{FF2B5EF4-FFF2-40B4-BE49-F238E27FC236}">
+                <a16:creationId xmlns:a16="http://schemas.microsoft.com/office/drawing/2014/main" id="{0C6C3256-CF8E-5ABB-1476-8E1F6CB00DF2}"/>
+              </a:ext>
+            </a:extLst>
+          </p:cNvPr>
+          <p:cNvSpPr>
+            <a:spLocks noGrp="1"/>
+          </p:cNvSpPr>
+          <p:nvPr>
+            <p:ph type="title"/>
+          </p:nvPr>
+        </p:nvSpPr>
+        <p:spPr/>
+        <p:txBody>
+          <a:bodyPr>
+            <a:normAutofit fontScale="90000"/>
+          </a:bodyPr>
+          <a:lstStyle/>
+          <a:p>
+            <a:r>
+              <a:rPr lang="en-GB" dirty="0"/>
+              <a:t>How do mirroring and layering affect estimation time and accuracy compared to line charts? </a:t>
+            </a:r>
+            <a:br>
+              <a:rPr lang="tr-TR" dirty="0"/>
+            </a:br>
+            <a:endParaRPr lang="en-DE" dirty="0"/>
+          </a:p>
+        </p:txBody>
+      </p:sp>
+      <p:sp>
+        <p:nvSpPr>
+          <p:cNvPr id="3" name="Content Placeholder 2">
+            <a:extLst>
+              <a:ext uri="{FF2B5EF4-FFF2-40B4-BE49-F238E27FC236}">
+                <a16:creationId xmlns:a16="http://schemas.microsoft.com/office/drawing/2014/main" id="{73000F01-CC01-0169-037B-ECCCEB4F334A}"/>
+              </a:ext>
+            </a:extLst>
+          </p:cNvPr>
+          <p:cNvSpPr>
+            <a:spLocks noGrp="1"/>
+          </p:cNvSpPr>
+          <p:nvPr>
+            <p:ph sz="half" idx="1"/>
+          </p:nvPr>
+        </p:nvSpPr>
+        <p:spPr>
+          <a:xfrm>
+            <a:off x="838199" y="1825625"/>
+            <a:ext cx="11235813" cy="4351338"/>
+          </a:xfrm>
+        </p:spPr>
+        <p:txBody>
+          <a:bodyPr/>
+          <a:lstStyle/>
+          <a:p>
+            <a:r>
+              <a:rPr lang="en-GB" dirty="0"/>
+              <a:t>At the two largest chart sizes, 1-band charts were faster and more accurate than 2-band charts. </a:t>
+            </a:r>
+          </a:p>
+          <a:p>
+            <a:r>
+              <a:rPr lang="en-GB" dirty="0"/>
+              <a:t>1-band mirror charts exhibited equal or better speed and accuracy than normal line charts that were twice as tall.</a:t>
+            </a:r>
+            <a:endParaRPr lang="en-DE" dirty="0"/>
+          </a:p>
+        </p:txBody>
+      </p:sp>
+    </p:spTree>
+    <p:extLst>
+      <p:ext uri="{BB962C8B-B14F-4D97-AF65-F5344CB8AC3E}">
+        <p14:creationId xmlns:p14="http://schemas.microsoft.com/office/powerpoint/2010/main" val="82216821"/>
+      </p:ext>
+    </p:extLst>
+  </p:cSld>
+  <p:clrMapOvr>
+    <a:masterClrMapping/>
+  </p:clrMapOvr>
+</p:sld>
+</file>
+
+<file path=ppt/slides/slide29.xml><?xml version="1.0" encoding="utf-8"?>
+<p:sld xmlns:a="http://schemas.openxmlformats.org/drawingml/2006/main" xmlns:r="http://schemas.openxmlformats.org/officeDocument/2006/relationships" xmlns:p="http://schemas.openxmlformats.org/presentationml/2006/main">
+  <p:cSld>
+    <p:spTree>
+      <p:nvGrpSpPr>
+        <p:cNvPr id="1" name=""/>
+        <p:cNvGrpSpPr/>
+        <p:nvPr/>
+      </p:nvGrpSpPr>
+      <p:grpSpPr>
+        <a:xfrm>
+          <a:off x="0" y="0"/>
+          <a:ext cx="0" cy="0"/>
+          <a:chOff x="0" y="0"/>
+          <a:chExt cx="0" cy="0"/>
+        </a:xfrm>
+      </p:grpSpPr>
+      <p:sp>
+        <p:nvSpPr>
+          <p:cNvPr id="2" name="Title 1">
+            <a:extLst>
+              <a:ext uri="{FF2B5EF4-FFF2-40B4-BE49-F238E27FC236}">
                 <a16:creationId xmlns:a16="http://schemas.microsoft.com/office/drawing/2014/main" id="{2E240C0E-3455-09B6-9544-A8ECB680A18C}"/>
               </a:ext>
             </a:extLst>
@@ -6991,7 +7625,194 @@
 </p:sld>
 </file>
 
-<file path=ppt/slides/slide28.xml><?xml version="1.0" encoding="utf-8"?>
+<file path=ppt/slides/slide3.xml><?xml version="1.0" encoding="utf-8"?>
+<p:sld xmlns:a="http://schemas.openxmlformats.org/drawingml/2006/main" xmlns:r="http://schemas.openxmlformats.org/officeDocument/2006/relationships" xmlns:p="http://schemas.openxmlformats.org/presentationml/2006/main">
+  <p:cSld>
+    <p:spTree>
+      <p:nvGrpSpPr>
+        <p:cNvPr id="1" name=""/>
+        <p:cNvGrpSpPr/>
+        <p:nvPr/>
+      </p:nvGrpSpPr>
+      <p:grpSpPr>
+        <a:xfrm>
+          <a:off x="0" y="0"/>
+          <a:ext cx="0" cy="0"/>
+          <a:chOff x="0" y="0"/>
+          <a:chExt cx="0" cy="0"/>
+        </a:xfrm>
+      </p:grpSpPr>
+      <p:sp>
+        <p:nvSpPr>
+          <p:cNvPr id="2" name="Title 1">
+            <a:extLst>
+              <a:ext uri="{FF2B5EF4-FFF2-40B4-BE49-F238E27FC236}">
+                <a16:creationId xmlns:a16="http://schemas.microsoft.com/office/drawing/2014/main" id="{9349D777-C261-25C9-C5CD-8914AF0AAC9C}"/>
+              </a:ext>
+            </a:extLst>
+          </p:cNvPr>
+          <p:cNvSpPr>
+            <a:spLocks noGrp="1"/>
+          </p:cNvSpPr>
+          <p:nvPr>
+            <p:ph type="title"/>
+          </p:nvPr>
+        </p:nvSpPr>
+        <p:spPr/>
+        <p:txBody>
+          <a:bodyPr/>
+          <a:lstStyle/>
+          <a:p>
+            <a:r>
+              <a:rPr lang="tr-TR" dirty="0"/>
+              <a:t>Some Graphs Types</a:t>
+            </a:r>
+            <a:endParaRPr lang="en-US" dirty="0"/>
+          </a:p>
+        </p:txBody>
+      </p:sp>
+      <p:sp>
+        <p:nvSpPr>
+          <p:cNvPr id="3" name="Content Placeholder 2">
+            <a:extLst>
+              <a:ext uri="{FF2B5EF4-FFF2-40B4-BE49-F238E27FC236}">
+                <a16:creationId xmlns:a16="http://schemas.microsoft.com/office/drawing/2014/main" id="{51F4E845-AFA0-E191-595B-D890D6F15B4E}"/>
+              </a:ext>
+            </a:extLst>
+          </p:cNvPr>
+          <p:cNvSpPr>
+            <a:spLocks noGrp="1"/>
+          </p:cNvSpPr>
+          <p:nvPr>
+            <p:ph idx="1"/>
+          </p:nvPr>
+        </p:nvSpPr>
+        <p:spPr/>
+        <p:txBody>
+          <a:bodyPr/>
+          <a:lstStyle/>
+          <a:p>
+            <a:r>
+              <a:rPr lang="tr-TR" sz="2800" kern="100" dirty="0">
+                <a:effectLst/>
+                <a:latin typeface="Calibri" panose="020F0502020204030204" pitchFamily="34" charset="0"/>
+                <a:ea typeface="Calibri" panose="020F0502020204030204" pitchFamily="34" charset="0"/>
+                <a:cs typeface="Times New Roman" panose="02020603050405020304" pitchFamily="18" charset="0"/>
+              </a:rPr>
+              <a:t> Line </a:t>
+            </a:r>
+            <a:r>
+              <a:rPr lang="tr-TR" sz="2800" kern="100" dirty="0">
+                <a:latin typeface="Calibri" panose="020F0502020204030204" pitchFamily="34" charset="0"/>
+                <a:ea typeface="Calibri" panose="020F0502020204030204" pitchFamily="34" charset="0"/>
+                <a:cs typeface="Times New Roman" panose="02020603050405020304" pitchFamily="18" charset="0"/>
+              </a:rPr>
+              <a:t>C</a:t>
+            </a:r>
+            <a:r>
+              <a:rPr lang="tr-TR" sz="2800" kern="100" dirty="0">
+                <a:effectLst/>
+                <a:latin typeface="Calibri" panose="020F0502020204030204" pitchFamily="34" charset="0"/>
+                <a:ea typeface="Calibri" panose="020F0502020204030204" pitchFamily="34" charset="0"/>
+                <a:cs typeface="Times New Roman" panose="02020603050405020304" pitchFamily="18" charset="0"/>
+              </a:rPr>
+              <a:t>hart</a:t>
+            </a:r>
+            <a:endParaRPr lang="en-US" sz="2800" kern="100" dirty="0">
+              <a:effectLst/>
+              <a:latin typeface="Calibri" panose="020F0502020204030204" pitchFamily="34" charset="0"/>
+              <a:ea typeface="Calibri" panose="020F0502020204030204" pitchFamily="34" charset="0"/>
+              <a:cs typeface="Times New Roman" panose="02020603050405020304" pitchFamily="18" charset="0"/>
+            </a:endParaRPr>
+          </a:p>
+          <a:p>
+            <a:r>
+              <a:rPr lang="tr-TR" sz="2800" kern="100" dirty="0">
+                <a:latin typeface="Calibri" panose="020F0502020204030204" pitchFamily="34" charset="0"/>
+                <a:ea typeface="Calibri" panose="020F0502020204030204" pitchFamily="34" charset="0"/>
+                <a:cs typeface="Times New Roman" panose="02020603050405020304" pitchFamily="18" charset="0"/>
+              </a:rPr>
+              <a:t>A</a:t>
+            </a:r>
+            <a:r>
+              <a:rPr lang="en-GB" sz="2800" kern="100" dirty="0">
+                <a:latin typeface="Calibri" panose="020F0502020204030204" pitchFamily="34" charset="0"/>
+                <a:ea typeface="Calibri" panose="020F0502020204030204" pitchFamily="34" charset="0"/>
+                <a:cs typeface="Times New Roman" panose="02020603050405020304" pitchFamily="18" charset="0"/>
+              </a:rPr>
+              <a:t>rea </a:t>
+            </a:r>
+            <a:r>
+              <a:rPr lang="tr-TR" sz="2800" kern="100" dirty="0">
+                <a:latin typeface="Calibri" panose="020F0502020204030204" pitchFamily="34" charset="0"/>
+                <a:ea typeface="Calibri" panose="020F0502020204030204" pitchFamily="34" charset="0"/>
+                <a:cs typeface="Times New Roman" panose="02020603050405020304" pitchFamily="18" charset="0"/>
+              </a:rPr>
+              <a:t>C</a:t>
+            </a:r>
+            <a:r>
+              <a:rPr lang="en-GB" sz="2800" kern="100" dirty="0">
+                <a:latin typeface="Calibri" panose="020F0502020204030204" pitchFamily="34" charset="0"/>
+                <a:ea typeface="Calibri" panose="020F0502020204030204" pitchFamily="34" charset="0"/>
+                <a:cs typeface="Times New Roman" panose="02020603050405020304" pitchFamily="18" charset="0"/>
+              </a:rPr>
+              <a:t>hart</a:t>
+            </a:r>
+          </a:p>
+          <a:p>
+            <a:r>
+              <a:rPr lang="tr-TR" sz="2800" kern="100" dirty="0">
+                <a:latin typeface="Calibri" panose="020F0502020204030204" pitchFamily="34" charset="0"/>
+                <a:ea typeface="Calibri" panose="020F0502020204030204" pitchFamily="34" charset="0"/>
+                <a:cs typeface="Times New Roman" panose="02020603050405020304" pitchFamily="18" charset="0"/>
+              </a:rPr>
+              <a:t>H</a:t>
+            </a:r>
+            <a:r>
+              <a:rPr lang="en-DE" sz="2800" kern="100" dirty="0">
+                <a:effectLst/>
+                <a:latin typeface="Calibri" panose="020F0502020204030204" pitchFamily="34" charset="0"/>
+                <a:ea typeface="Calibri" panose="020F0502020204030204" pitchFamily="34" charset="0"/>
+                <a:cs typeface="Times New Roman" panose="02020603050405020304" pitchFamily="18" charset="0"/>
+              </a:rPr>
+              <a:t>orizon </a:t>
+            </a:r>
+            <a:r>
+              <a:rPr lang="tr-TR" sz="2800" kern="100" dirty="0">
+                <a:effectLst/>
+                <a:latin typeface="Calibri" panose="020F0502020204030204" pitchFamily="34" charset="0"/>
+                <a:ea typeface="Calibri" panose="020F0502020204030204" pitchFamily="34" charset="0"/>
+                <a:cs typeface="Times New Roman" panose="02020603050405020304" pitchFamily="18" charset="0"/>
+              </a:rPr>
+              <a:t>G</a:t>
+            </a:r>
+            <a:r>
+              <a:rPr lang="en-DE" sz="2800" kern="100">
+                <a:effectLst/>
+                <a:latin typeface="Calibri" panose="020F0502020204030204" pitchFamily="34" charset="0"/>
+                <a:ea typeface="Calibri" panose="020F0502020204030204" pitchFamily="34" charset="0"/>
+                <a:cs typeface="Times New Roman" panose="02020603050405020304" pitchFamily="18" charset="0"/>
+              </a:rPr>
+              <a:t>raph</a:t>
+            </a:r>
+            <a:endParaRPr lang="en-US" dirty="0"/>
+          </a:p>
+        </p:txBody>
+      </p:sp>
+    </p:spTree>
+    <p:extLst>
+      <p:ext uri="{BB962C8B-B14F-4D97-AF65-F5344CB8AC3E}">
+        <p14:creationId xmlns:p14="http://schemas.microsoft.com/office/powerpoint/2010/main" val="134033835"/>
+      </p:ext>
+    </p:extLst>
+  </p:cSld>
+  <p:clrMapOvr>
+    <a:masterClrMapping/>
+  </p:clrMapOvr>
+</p:sld>
+</file>
+
+<file path=ppt/slides/slide30.xml><?xml version="1.0" encoding="utf-8"?>
 <p:sld xmlns:a="http://schemas.openxmlformats.org/drawingml/2006/main" xmlns:r="http://schemas.openxmlformats.org/officeDocument/2006/relationships" xmlns:p="http://schemas.openxmlformats.org/presentationml/2006/main">
   <p:cSld>
     <p:spTree>
@@ -7356,7 +8177,7 @@
 </p:sld>
 </file>
 
-<file path=ppt/slides/slide29.xml><?xml version="1.0" encoding="utf-8"?>
+<file path=ppt/slides/slide31.xml><?xml version="1.0" encoding="utf-8"?>
 <p:sld xmlns:a="http://schemas.openxmlformats.org/drawingml/2006/main" xmlns:r="http://schemas.openxmlformats.org/officeDocument/2006/relationships" xmlns:p="http://schemas.openxmlformats.org/presentationml/2006/main">
   <p:cSld>
     <p:spTree>
@@ -7395,7 +8216,7 @@
           <a:lstStyle/>
           <a:p>
             <a:r>
-              <a:rPr lang="en-GB" dirty="0"/>
+              <a:rPr lang="en-GB"/>
               <a:t>Interactive Horizon Graphs </a:t>
             </a:r>
             <a:endParaRPr lang="en-DE" dirty="0"/>
@@ -7426,7 +8247,7 @@
         </p:spPr>
         <p:txBody>
           <a:bodyPr>
-            <a:normAutofit lnSpcReduction="10000"/>
+            <a:normAutofit/>
           </a:bodyPr>
           <a:lstStyle/>
           <a:p>
@@ -7437,12 +8258,6 @@
             <a:endParaRPr lang="tr-TR" dirty="0"/>
           </a:p>
           <a:p>
-            <a:endParaRPr lang="tr-TR" dirty="0"/>
-          </a:p>
-          <a:p>
-            <a:endParaRPr lang="tr-TR" dirty="0"/>
-          </a:p>
-          <a:p>
             <a:r>
               <a:rPr lang="en-GB" dirty="0"/>
               <a:t>IHG has designed it to increase the number of time series that can be viewed and explored </a:t>
@@ -7451,36 +8266,46 @@
               <a:rPr lang="en-GB" dirty="0" err="1"/>
               <a:t>efficie</a:t>
             </a:r>
+            <a:endParaRPr lang="en-GB" dirty="0"/>
+          </a:p>
+          <a:p>
             <a:endParaRPr lang="tr-TR" dirty="0"/>
           </a:p>
           <a:p>
             <a:endParaRPr lang="tr-TR" dirty="0"/>
           </a:p>
-          <a:p>
-            <a:r>
-              <a:rPr lang="en-GB" dirty="0"/>
-              <a:t>Reduced Line Charts (RLC)</a:t>
-            </a:r>
-            <a:r>
-              <a:rPr lang="tr-TR" dirty="0"/>
-              <a:t>: </a:t>
-            </a:r>
-            <a:r>
-              <a:rPr lang="en-GB" dirty="0"/>
-              <a:t>RLC are small multiples for time series using line charts. </a:t>
-            </a:r>
-            <a:r>
-              <a:rPr lang="en-GB" dirty="0" err="1"/>
-              <a:t>ntly</a:t>
-            </a:r>
-            <a:r>
-              <a:rPr lang="en-GB" dirty="0"/>
-              <a:t>.</a:t>
-            </a:r>
-            <a:endParaRPr lang="en-DE" dirty="0"/>
-          </a:p>
-        </p:txBody>
-      </p:sp>
+        </p:txBody>
+      </p:sp>
+      <p:pic>
+        <p:nvPicPr>
+          <p:cNvPr id="4" name="Picture 3" descr="A picture containing screenshot, plot, text, line&#10;&#10;Description automatically generated">
+            <a:extLst>
+              <a:ext uri="{FF2B5EF4-FFF2-40B4-BE49-F238E27FC236}">
+                <a16:creationId xmlns:a16="http://schemas.microsoft.com/office/drawing/2014/main" id="{92881762-9BB1-EF06-B97B-D24236DAE233}"/>
+              </a:ext>
+            </a:extLst>
+          </p:cNvPr>
+          <p:cNvPicPr>
+            <a:picLocks noChangeAspect="1"/>
+          </p:cNvPicPr>
+          <p:nvPr/>
+        </p:nvPicPr>
+        <p:blipFill>
+          <a:blip r:embed="rId2"/>
+          <a:stretch>
+            <a:fillRect/>
+          </a:stretch>
+        </p:blipFill>
+        <p:spPr>
+          <a:xfrm>
+            <a:off x="838199" y="4001294"/>
+            <a:ext cx="10515601" cy="2247900"/>
+          </a:xfrm>
+          <a:prstGeom prst="rect">
+            <a:avLst/>
+          </a:prstGeom>
+        </p:spPr>
+      </p:pic>
     </p:spTree>
     <p:extLst>
       <p:ext uri="{BB962C8B-B14F-4D97-AF65-F5344CB8AC3E}">
@@ -7494,7 +8319,7 @@
 </p:sld>
 </file>
 
-<file path=ppt/slides/slide3.xml><?xml version="1.0" encoding="utf-8"?>
+<file path=ppt/slides/slide32.xml><?xml version="1.0" encoding="utf-8"?>
 <p:sld xmlns:a="http://schemas.openxmlformats.org/drawingml/2006/main" xmlns:r="http://schemas.openxmlformats.org/officeDocument/2006/relationships" xmlns:p="http://schemas.openxmlformats.org/presentationml/2006/main">
   <p:cSld>
     <p:spTree>
@@ -7516,7 +8341,7 @@
           <p:cNvPr id="2" name="Title 1">
             <a:extLst>
               <a:ext uri="{FF2B5EF4-FFF2-40B4-BE49-F238E27FC236}">
-                <a16:creationId xmlns:a16="http://schemas.microsoft.com/office/drawing/2014/main" id="{0B67CFC8-4016-5C61-3893-0801377C2362}"/>
+                <a16:creationId xmlns:a16="http://schemas.microsoft.com/office/drawing/2014/main" id="{249F5519-8001-CCC0-4245-ED36DEC44541}"/>
               </a:ext>
             </a:extLst>
           </p:cNvPr>
@@ -7533,365 +8358,70 @@
           <a:lstStyle/>
           <a:p>
             <a:r>
+              <a:rPr lang="en-GB" dirty="0"/>
+              <a:t>Reduced Line Charts</a:t>
+            </a:r>
+            <a:endParaRPr lang="en-US" dirty="0"/>
+          </a:p>
+        </p:txBody>
+      </p:sp>
+      <p:sp>
+        <p:nvSpPr>
+          <p:cNvPr id="3" name="Content Placeholder 2">
+            <a:extLst>
+              <a:ext uri="{FF2B5EF4-FFF2-40B4-BE49-F238E27FC236}">
+                <a16:creationId xmlns:a16="http://schemas.microsoft.com/office/drawing/2014/main" id="{9C7091C9-4D95-2193-71E8-29E7E71B3AB3}"/>
+              </a:ext>
+            </a:extLst>
+          </p:cNvPr>
+          <p:cNvSpPr>
+            <a:spLocks noGrp="1"/>
+          </p:cNvSpPr>
+          <p:nvPr>
+            <p:ph sz="half" idx="1"/>
+          </p:nvPr>
+        </p:nvSpPr>
+        <p:spPr>
+          <a:xfrm>
+            <a:off x="838200" y="2595715"/>
+            <a:ext cx="10515600" cy="3581247"/>
+          </a:xfrm>
+        </p:spPr>
+        <p:txBody>
+          <a:bodyPr/>
+          <a:lstStyle/>
+          <a:p>
+            <a:r>
+              <a:rPr lang="en-GB" dirty="0"/>
+              <a:t>Reduced Line Charts (RLC)</a:t>
+            </a:r>
+            <a:r>
               <a:rPr lang="tr-TR" dirty="0"/>
-              <a:t>Some Graphs Types</a:t>
+              <a:t>: </a:t>
+            </a:r>
+            <a:r>
+              <a:rPr lang="en-GB" dirty="0"/>
+              <a:t>RLC are small multiples for time series using line charts. </a:t>
+            </a:r>
+            <a:r>
+              <a:rPr lang="en-GB" dirty="0" err="1"/>
+              <a:t>ntly</a:t>
+            </a:r>
+            <a:r>
+              <a:rPr lang="en-GB" dirty="0"/>
+              <a:t>.</a:t>
             </a:r>
             <a:endParaRPr lang="en-DE" dirty="0"/>
           </a:p>
-        </p:txBody>
-      </p:sp>
-      <p:sp>
-        <p:nvSpPr>
-          <p:cNvPr id="3" name="Content Placeholder 2">
-            <a:extLst>
-              <a:ext uri="{FF2B5EF4-FFF2-40B4-BE49-F238E27FC236}">
-                <a16:creationId xmlns:a16="http://schemas.microsoft.com/office/drawing/2014/main" id="{34978719-B6FA-958C-75B0-620D614A3C27}"/>
-              </a:ext>
-            </a:extLst>
-          </p:cNvPr>
-          <p:cNvSpPr>
-            <a:spLocks noGrp="1"/>
-          </p:cNvSpPr>
-          <p:nvPr>
-            <p:ph idx="1"/>
-          </p:nvPr>
-        </p:nvSpPr>
-        <p:spPr/>
-        <p:txBody>
-          <a:bodyPr/>
-          <a:lstStyle/>
-          <a:p>
-            <a:endParaRPr lang="tr-TR" sz="1800" kern="100" dirty="0">
-              <a:effectLst/>
-              <a:latin typeface="Calibri" panose="020F0502020204030204" pitchFamily="34" charset="0"/>
-              <a:ea typeface="Calibri" panose="020F0502020204030204" pitchFamily="34" charset="0"/>
-              <a:cs typeface="Times New Roman" panose="02020603050405020304" pitchFamily="18" charset="0"/>
-            </a:endParaRPr>
-          </a:p>
-          <a:p>
-            <a:endParaRPr lang="tr-TR" sz="1800" kern="100" dirty="0">
-              <a:latin typeface="Calibri" panose="020F0502020204030204" pitchFamily="34" charset="0"/>
-              <a:ea typeface="Calibri" panose="020F0502020204030204" pitchFamily="34" charset="0"/>
-              <a:cs typeface="Times New Roman" panose="02020603050405020304" pitchFamily="18" charset="0"/>
-            </a:endParaRPr>
-          </a:p>
-          <a:p>
-            <a:r>
-              <a:rPr lang="tr-TR" sz="1800" kern="100" dirty="0">
-                <a:effectLst/>
-                <a:latin typeface="Calibri" panose="020F0502020204030204" pitchFamily="34" charset="0"/>
-                <a:ea typeface="Calibri" panose="020F0502020204030204" pitchFamily="34" charset="0"/>
-                <a:cs typeface="Times New Roman" panose="02020603050405020304" pitchFamily="18" charset="0"/>
-              </a:rPr>
-              <a:t>A </a:t>
-            </a:r>
-            <a:r>
-              <a:rPr lang="tr-TR" sz="1800" b="1" kern="100" dirty="0">
-                <a:effectLst/>
-                <a:latin typeface="Calibri" panose="020F0502020204030204" pitchFamily="34" charset="0"/>
-                <a:ea typeface="Calibri" panose="020F0502020204030204" pitchFamily="34" charset="0"/>
-                <a:cs typeface="Times New Roman" panose="02020603050405020304" pitchFamily="18" charset="0"/>
-              </a:rPr>
-              <a:t>Line </a:t>
-            </a:r>
-            <a:r>
-              <a:rPr lang="tr-TR" sz="1800" b="1" kern="100" dirty="0">
-                <a:latin typeface="Calibri" panose="020F0502020204030204" pitchFamily="34" charset="0"/>
-                <a:ea typeface="Calibri" panose="020F0502020204030204" pitchFamily="34" charset="0"/>
-                <a:cs typeface="Times New Roman" panose="02020603050405020304" pitchFamily="18" charset="0"/>
-              </a:rPr>
-              <a:t>C</a:t>
-            </a:r>
-            <a:r>
-              <a:rPr lang="tr-TR" sz="1800" b="1" kern="100" dirty="0">
-                <a:effectLst/>
-                <a:latin typeface="Calibri" panose="020F0502020204030204" pitchFamily="34" charset="0"/>
-                <a:ea typeface="Calibri" panose="020F0502020204030204" pitchFamily="34" charset="0"/>
-                <a:cs typeface="Times New Roman" panose="02020603050405020304" pitchFamily="18" charset="0"/>
-              </a:rPr>
-              <a:t>hart </a:t>
-            </a:r>
-            <a:r>
-              <a:rPr lang="tr-TR" sz="1800" kern="100" dirty="0">
-                <a:effectLst/>
-                <a:latin typeface="Calibri" panose="020F0502020204030204" pitchFamily="34" charset="0"/>
-                <a:ea typeface="Calibri" panose="020F0502020204030204" pitchFamily="34" charset="0"/>
-                <a:cs typeface="Times New Roman" panose="02020603050405020304" pitchFamily="18" charset="0"/>
-              </a:rPr>
-              <a:t>is a type of data visualisation that displays information as a series of data points connected by line.</a:t>
-            </a:r>
-          </a:p>
-          <a:p>
-            <a:endParaRPr lang="tr-TR" sz="1800" kern="100" dirty="0">
-              <a:latin typeface="Calibri" panose="020F0502020204030204" pitchFamily="34" charset="0"/>
-              <a:ea typeface="Calibri" panose="020F0502020204030204" pitchFamily="34" charset="0"/>
-              <a:cs typeface="Times New Roman" panose="02020603050405020304" pitchFamily="18" charset="0"/>
-            </a:endParaRPr>
-          </a:p>
-          <a:p>
-            <a:r>
-              <a:rPr lang="en-GB" sz="1800" kern="100" dirty="0">
-                <a:latin typeface="Calibri" panose="020F0502020204030204" pitchFamily="34" charset="0"/>
-                <a:ea typeface="Calibri" panose="020F0502020204030204" pitchFamily="34" charset="0"/>
-                <a:cs typeface="Times New Roman" panose="02020603050405020304" pitchFamily="18" charset="0"/>
-              </a:rPr>
-              <a:t>An </a:t>
-            </a:r>
-            <a:r>
-              <a:rPr lang="tr-TR" sz="1800" kern="100" dirty="0">
-                <a:latin typeface="Calibri" panose="020F0502020204030204" pitchFamily="34" charset="0"/>
-                <a:ea typeface="Calibri" panose="020F0502020204030204" pitchFamily="34" charset="0"/>
-                <a:cs typeface="Times New Roman" panose="02020603050405020304" pitchFamily="18" charset="0"/>
-              </a:rPr>
-              <a:t>A</a:t>
-            </a:r>
-            <a:r>
-              <a:rPr lang="en-GB" sz="1800" kern="100" dirty="0">
-                <a:latin typeface="Calibri" panose="020F0502020204030204" pitchFamily="34" charset="0"/>
-                <a:ea typeface="Calibri" panose="020F0502020204030204" pitchFamily="34" charset="0"/>
-                <a:cs typeface="Times New Roman" panose="02020603050405020304" pitchFamily="18" charset="0"/>
-              </a:rPr>
-              <a:t>rea </a:t>
-            </a:r>
-            <a:r>
-              <a:rPr lang="tr-TR" sz="1800" kern="100" dirty="0">
-                <a:latin typeface="Calibri" panose="020F0502020204030204" pitchFamily="34" charset="0"/>
-                <a:ea typeface="Calibri" panose="020F0502020204030204" pitchFamily="34" charset="0"/>
-                <a:cs typeface="Times New Roman" panose="02020603050405020304" pitchFamily="18" charset="0"/>
-              </a:rPr>
-              <a:t>C</a:t>
-            </a:r>
-            <a:r>
-              <a:rPr lang="en-GB" sz="1800" kern="100" dirty="0">
-                <a:latin typeface="Calibri" panose="020F0502020204030204" pitchFamily="34" charset="0"/>
-                <a:ea typeface="Calibri" panose="020F0502020204030204" pitchFamily="34" charset="0"/>
-                <a:cs typeface="Times New Roman" panose="02020603050405020304" pitchFamily="18" charset="0"/>
-              </a:rPr>
-              <a:t>hart </a:t>
-            </a:r>
-            <a:r>
-              <a:rPr lang="tr-TR" sz="1800" kern="100" dirty="0">
-                <a:latin typeface="Calibri" panose="020F0502020204030204" pitchFamily="34" charset="0"/>
-                <a:ea typeface="Calibri" panose="020F0502020204030204" pitchFamily="34" charset="0"/>
-                <a:cs typeface="Times New Roman" panose="02020603050405020304" pitchFamily="18" charset="0"/>
-              </a:rPr>
-              <a:t>(</a:t>
-            </a:r>
-            <a:r>
-              <a:rPr lang="en-GB" sz="1800" kern="100" dirty="0">
-                <a:latin typeface="Calibri" panose="020F0502020204030204" pitchFamily="34" charset="0"/>
-                <a:ea typeface="Calibri" panose="020F0502020204030204" pitchFamily="34" charset="0"/>
-                <a:cs typeface="Times New Roman" panose="02020603050405020304" pitchFamily="18" charset="0"/>
-              </a:rPr>
-              <a:t>or area graph</a:t>
-            </a:r>
-            <a:r>
-              <a:rPr lang="tr-TR" sz="1800" kern="100" dirty="0">
-                <a:latin typeface="Calibri" panose="020F0502020204030204" pitchFamily="34" charset="0"/>
-                <a:ea typeface="Calibri" panose="020F0502020204030204" pitchFamily="34" charset="0"/>
-                <a:cs typeface="Times New Roman" panose="02020603050405020304" pitchFamily="18" charset="0"/>
-              </a:rPr>
-              <a:t>)</a:t>
-            </a:r>
-            <a:r>
-              <a:rPr lang="en-GB" sz="1800" kern="100" dirty="0">
-                <a:latin typeface="Calibri" panose="020F0502020204030204" pitchFamily="34" charset="0"/>
-                <a:ea typeface="Calibri" panose="020F0502020204030204" pitchFamily="34" charset="0"/>
-                <a:cs typeface="Times New Roman" panose="02020603050405020304" pitchFamily="18" charset="0"/>
-              </a:rPr>
-              <a:t> displays graphically quantitative data. It is based on the line chart. </a:t>
-            </a:r>
-            <a:endParaRPr lang="tr-TR" sz="1800" kern="100" dirty="0">
-              <a:latin typeface="Calibri" panose="020F0502020204030204" pitchFamily="34" charset="0"/>
-              <a:ea typeface="Calibri" panose="020F0502020204030204" pitchFamily="34" charset="0"/>
-              <a:cs typeface="Times New Roman" panose="02020603050405020304" pitchFamily="18" charset="0"/>
-            </a:endParaRPr>
-          </a:p>
-          <a:p>
-            <a:pPr marL="0" indent="0">
-              <a:buNone/>
-            </a:pPr>
-            <a:r>
-              <a:rPr lang="tr-TR" sz="1800" kern="100" dirty="0">
-                <a:latin typeface="Calibri" panose="020F0502020204030204" pitchFamily="34" charset="0"/>
-                <a:ea typeface="Calibri" panose="020F0502020204030204" pitchFamily="34" charset="0"/>
-                <a:cs typeface="Times New Roman" panose="02020603050405020304" pitchFamily="18" charset="0"/>
-              </a:rPr>
-              <a:t>        </a:t>
-            </a:r>
-            <a:r>
-              <a:rPr lang="en-GB" sz="1800" kern="100" dirty="0">
-                <a:latin typeface="Calibri" panose="020F0502020204030204" pitchFamily="34" charset="0"/>
-                <a:ea typeface="Calibri" panose="020F0502020204030204" pitchFamily="34" charset="0"/>
-                <a:cs typeface="Times New Roman" panose="02020603050405020304" pitchFamily="18" charset="0"/>
-              </a:rPr>
-              <a:t>The area between axis and line are commonly emphasized with </a:t>
-            </a:r>
-            <a:r>
-              <a:rPr lang="en-GB" sz="1800" kern="100" dirty="0" err="1">
-                <a:latin typeface="Calibri" panose="020F0502020204030204" pitchFamily="34" charset="0"/>
-                <a:ea typeface="Calibri" panose="020F0502020204030204" pitchFamily="34" charset="0"/>
-                <a:cs typeface="Times New Roman" panose="02020603050405020304" pitchFamily="18" charset="0"/>
-              </a:rPr>
-              <a:t>colors</a:t>
-            </a:r>
-            <a:r>
-              <a:rPr lang="en-GB" sz="1800" kern="100" dirty="0">
-                <a:latin typeface="Calibri" panose="020F0502020204030204" pitchFamily="34" charset="0"/>
-                <a:ea typeface="Calibri" panose="020F0502020204030204" pitchFamily="34" charset="0"/>
-                <a:cs typeface="Times New Roman" panose="02020603050405020304" pitchFamily="18" charset="0"/>
-              </a:rPr>
-              <a:t>, textures and hatchings.</a:t>
-            </a:r>
-            <a:endParaRPr lang="tr-TR" sz="1800" kern="100" dirty="0">
-              <a:latin typeface="Calibri" panose="020F0502020204030204" pitchFamily="34" charset="0"/>
-              <a:ea typeface="Calibri" panose="020F0502020204030204" pitchFamily="34" charset="0"/>
-              <a:cs typeface="Times New Roman" panose="02020603050405020304" pitchFamily="18" charset="0"/>
-            </a:endParaRPr>
-          </a:p>
-          <a:p>
-            <a:endParaRPr lang="tr-TR" sz="1800" kern="100" dirty="0">
-              <a:latin typeface="Calibri" panose="020F0502020204030204" pitchFamily="34" charset="0"/>
-              <a:ea typeface="Calibri" panose="020F0502020204030204" pitchFamily="34" charset="0"/>
-              <a:cs typeface="Times New Roman" panose="02020603050405020304" pitchFamily="18" charset="0"/>
-            </a:endParaRPr>
-          </a:p>
-          <a:p>
-            <a:r>
-              <a:rPr lang="tr-TR" sz="1800" kern="100" dirty="0">
-                <a:latin typeface="Calibri" panose="020F0502020204030204" pitchFamily="34" charset="0"/>
-                <a:ea typeface="Calibri" panose="020F0502020204030204" pitchFamily="34" charset="0"/>
-                <a:cs typeface="Times New Roman" panose="02020603050405020304" pitchFamily="18" charset="0"/>
-              </a:rPr>
-              <a:t>A </a:t>
-            </a:r>
-            <a:r>
-              <a:rPr lang="tr-TR" sz="1800" b="1" kern="100" dirty="0">
-                <a:latin typeface="Calibri" panose="020F0502020204030204" pitchFamily="34" charset="0"/>
-                <a:ea typeface="Calibri" panose="020F0502020204030204" pitchFamily="34" charset="0"/>
-                <a:cs typeface="Times New Roman" panose="02020603050405020304" pitchFamily="18" charset="0"/>
-              </a:rPr>
-              <a:t>H</a:t>
-            </a:r>
-            <a:r>
-              <a:rPr lang="en-DE" sz="1800" b="1" kern="100" dirty="0" err="1">
-                <a:effectLst/>
-                <a:latin typeface="Calibri" panose="020F0502020204030204" pitchFamily="34" charset="0"/>
-                <a:ea typeface="Calibri" panose="020F0502020204030204" pitchFamily="34" charset="0"/>
-                <a:cs typeface="Times New Roman" panose="02020603050405020304" pitchFamily="18" charset="0"/>
-              </a:rPr>
-              <a:t>orizon</a:t>
-            </a:r>
-            <a:r>
-              <a:rPr lang="en-DE" sz="1800" b="1" kern="100" dirty="0">
-                <a:effectLst/>
-                <a:latin typeface="Calibri" panose="020F0502020204030204" pitchFamily="34" charset="0"/>
-                <a:ea typeface="Calibri" panose="020F0502020204030204" pitchFamily="34" charset="0"/>
-                <a:cs typeface="Times New Roman" panose="02020603050405020304" pitchFamily="18" charset="0"/>
-              </a:rPr>
-              <a:t> </a:t>
-            </a:r>
-            <a:r>
-              <a:rPr lang="tr-TR" sz="1800" b="1" kern="100" dirty="0">
-                <a:effectLst/>
-                <a:latin typeface="Calibri" panose="020F0502020204030204" pitchFamily="34" charset="0"/>
-                <a:ea typeface="Calibri" panose="020F0502020204030204" pitchFamily="34" charset="0"/>
-                <a:cs typeface="Times New Roman" panose="02020603050405020304" pitchFamily="18" charset="0"/>
-              </a:rPr>
-              <a:t>G</a:t>
-            </a:r>
-            <a:r>
-              <a:rPr lang="en-DE" sz="1800" b="1" kern="100" dirty="0" err="1">
-                <a:effectLst/>
-                <a:latin typeface="Calibri" panose="020F0502020204030204" pitchFamily="34" charset="0"/>
-                <a:ea typeface="Calibri" panose="020F0502020204030204" pitchFamily="34" charset="0"/>
-                <a:cs typeface="Times New Roman" panose="02020603050405020304" pitchFamily="18" charset="0"/>
-              </a:rPr>
-              <a:t>raph</a:t>
-            </a:r>
-            <a:r>
-              <a:rPr lang="en-DE" sz="1800" b="1" kern="100" dirty="0">
-                <a:effectLst/>
-                <a:latin typeface="Calibri" panose="020F0502020204030204" pitchFamily="34" charset="0"/>
-                <a:ea typeface="Calibri" panose="020F0502020204030204" pitchFamily="34" charset="0"/>
-                <a:cs typeface="Times New Roman" panose="02020603050405020304" pitchFamily="18" charset="0"/>
-              </a:rPr>
-              <a:t> </a:t>
-            </a:r>
-            <a:r>
-              <a:rPr lang="en-GB" sz="1800" kern="100" dirty="0">
-                <a:effectLst/>
-                <a:latin typeface="Calibri" panose="020F0502020204030204" pitchFamily="34" charset="0"/>
-                <a:ea typeface="Calibri" panose="020F0502020204030204" pitchFamily="34" charset="0"/>
-                <a:cs typeface="Times New Roman" panose="02020603050405020304" pitchFamily="18" charset="0"/>
-              </a:rPr>
-              <a:t>is a compact version of an area chart.</a:t>
-            </a:r>
-            <a:r>
-              <a:rPr lang="tr-TR" sz="1800" kern="100" dirty="0">
-                <a:effectLst/>
-                <a:latin typeface="Calibri" panose="020F0502020204030204" pitchFamily="34" charset="0"/>
-                <a:ea typeface="Calibri" panose="020F0502020204030204" pitchFamily="34" charset="0"/>
-                <a:cs typeface="Times New Roman" panose="02020603050405020304" pitchFamily="18" charset="0"/>
-              </a:rPr>
-              <a:t> </a:t>
-            </a:r>
-          </a:p>
-          <a:p>
-            <a:pPr marL="0" indent="0">
-              <a:buNone/>
-            </a:pPr>
-            <a:r>
-              <a:rPr lang="tr-TR" sz="1800" kern="100" dirty="0">
-                <a:latin typeface="Calibri" panose="020F0502020204030204" pitchFamily="34" charset="0"/>
-                <a:ea typeface="Calibri" panose="020F0502020204030204" pitchFamily="34" charset="0"/>
-                <a:cs typeface="Times New Roman" panose="02020603050405020304" pitchFamily="18" charset="0"/>
-              </a:rPr>
-              <a:t>     It </a:t>
-            </a:r>
-            <a:r>
-              <a:rPr lang="en-GB" sz="1800" kern="100" dirty="0">
-                <a:effectLst/>
-                <a:latin typeface="Calibri" panose="020F0502020204030204" pitchFamily="34" charset="0"/>
-                <a:ea typeface="Calibri" panose="020F0502020204030204" pitchFamily="34" charset="0"/>
-                <a:cs typeface="Times New Roman" panose="02020603050405020304" pitchFamily="18" charset="0"/>
-              </a:rPr>
-              <a:t>is type </a:t>
-            </a:r>
-            <a:r>
-              <a:rPr lang="tr-TR" sz="1800" kern="100" dirty="0">
-                <a:effectLst/>
-                <a:latin typeface="Calibri" panose="020F0502020204030204" pitchFamily="34" charset="0"/>
-                <a:ea typeface="Calibri" panose="020F0502020204030204" pitchFamily="34" charset="0"/>
-                <a:cs typeface="Times New Roman" panose="02020603050405020304" pitchFamily="18" charset="0"/>
-              </a:rPr>
-              <a:t>of graph </a:t>
-            </a:r>
-            <a:r>
-              <a:rPr lang="en-GB" sz="1800" kern="100" dirty="0">
-                <a:effectLst/>
-                <a:latin typeface="Calibri" panose="020F0502020204030204" pitchFamily="34" charset="0"/>
-                <a:ea typeface="Calibri" panose="020F0502020204030204" pitchFamily="34" charset="0"/>
-                <a:cs typeface="Times New Roman" panose="02020603050405020304" pitchFamily="18" charset="0"/>
-              </a:rPr>
-              <a:t>that increases the density of time series graphs by dividing and layering filled line charts.</a:t>
-            </a:r>
-            <a:endParaRPr lang="en-DE" sz="1800" kern="100" dirty="0">
-              <a:effectLst/>
-              <a:latin typeface="Calibri" panose="020F0502020204030204" pitchFamily="34" charset="0"/>
-              <a:ea typeface="Calibri" panose="020F0502020204030204" pitchFamily="34" charset="0"/>
-              <a:cs typeface="Times New Roman" panose="02020603050405020304" pitchFamily="18" charset="0"/>
-            </a:endParaRPr>
-          </a:p>
-          <a:p>
-            <a:endParaRPr lang="en-DE" dirty="0"/>
+          <a:p>
+            <a:endParaRPr lang="en-US" dirty="0"/>
           </a:p>
         </p:txBody>
       </p:sp>
     </p:spTree>
     <p:extLst>
       <p:ext uri="{BB962C8B-B14F-4D97-AF65-F5344CB8AC3E}">
-        <p14:creationId xmlns:p14="http://schemas.microsoft.com/office/powerpoint/2010/main" val="1839430962"/>
+        <p14:creationId xmlns:p14="http://schemas.microsoft.com/office/powerpoint/2010/main" val="210523240"/>
       </p:ext>
     </p:extLst>
   </p:cSld>
@@ -7901,7 +8431,7 @@
 </p:sld>
 </file>
 
-<file path=ppt/slides/slide30.xml><?xml version="1.0" encoding="utf-8"?>
+<file path=ppt/slides/slide33.xml><?xml version="1.0" encoding="utf-8"?>
 <p:sld xmlns:a="http://schemas.openxmlformats.org/drawingml/2006/main" xmlns:r="http://schemas.openxmlformats.org/officeDocument/2006/relationships" xmlns:p="http://schemas.openxmlformats.org/presentationml/2006/main">
   <p:cSld>
     <p:spTree>
@@ -7923,6 +8453,196 @@
           <p:cNvPr id="2" name="Title 1">
             <a:extLst>
               <a:ext uri="{FF2B5EF4-FFF2-40B4-BE49-F238E27FC236}">
+                <a16:creationId xmlns:a16="http://schemas.microsoft.com/office/drawing/2014/main" id="{896FA4ED-73F7-E0BA-73EB-1381A429428C}"/>
+              </a:ext>
+            </a:extLst>
+          </p:cNvPr>
+          <p:cNvSpPr>
+            <a:spLocks noGrp="1"/>
+          </p:cNvSpPr>
+          <p:nvPr>
+            <p:ph type="title"/>
+          </p:nvPr>
+        </p:nvSpPr>
+        <p:spPr/>
+        <p:txBody>
+          <a:bodyPr/>
+          <a:lstStyle/>
+          <a:p>
+            <a:r>
+              <a:rPr lang="en-US" sz="4400" kern="1200" dirty="0">
+                <a:effectLst/>
+                <a:latin typeface="+mj-lt"/>
+                <a:ea typeface="+mj-ea"/>
+                <a:cs typeface="+mj-cs"/>
+              </a:rPr>
+              <a:t>Baseline Panning </a:t>
+            </a:r>
+            <a:endParaRPr lang="en-US" dirty="0"/>
+          </a:p>
+        </p:txBody>
+      </p:sp>
+      <p:pic>
+        <p:nvPicPr>
+          <p:cNvPr id="5" name="Content Placeholder 4" descr="A picture containing line, text, plot, diagram&#10;&#10;Description automatically generated">
+            <a:extLst>
+              <a:ext uri="{FF2B5EF4-FFF2-40B4-BE49-F238E27FC236}">
+                <a16:creationId xmlns:a16="http://schemas.microsoft.com/office/drawing/2014/main" id="{16179BB2-315C-B2C0-2A42-C6D6CEB18A46}"/>
+              </a:ext>
+            </a:extLst>
+          </p:cNvPr>
+          <p:cNvPicPr>
+            <a:picLocks noGrp="1" noChangeAspect="1"/>
+          </p:cNvPicPr>
+          <p:nvPr>
+            <p:ph sz="half" idx="1"/>
+          </p:nvPr>
+        </p:nvPicPr>
+        <p:blipFill>
+          <a:blip r:embed="rId2"/>
+          <a:stretch>
+            <a:fillRect/>
+          </a:stretch>
+        </p:blipFill>
+        <p:spPr>
+          <a:xfrm>
+            <a:off x="486065" y="2283852"/>
+            <a:ext cx="11219869" cy="2290295"/>
+          </a:xfrm>
+          <a:prstGeom prst="rect">
+            <a:avLst/>
+          </a:prstGeom>
+        </p:spPr>
+      </p:pic>
+    </p:spTree>
+    <p:extLst>
+      <p:ext uri="{BB962C8B-B14F-4D97-AF65-F5344CB8AC3E}">
+        <p14:creationId xmlns:p14="http://schemas.microsoft.com/office/powerpoint/2010/main" val="2366998569"/>
+      </p:ext>
+    </p:extLst>
+  </p:cSld>
+  <p:clrMapOvr>
+    <a:masterClrMapping/>
+  </p:clrMapOvr>
+</p:sld>
+</file>
+
+<file path=ppt/slides/slide34.xml><?xml version="1.0" encoding="utf-8"?>
+<p:sld xmlns:a="http://schemas.openxmlformats.org/drawingml/2006/main" xmlns:r="http://schemas.openxmlformats.org/officeDocument/2006/relationships" xmlns:p="http://schemas.openxmlformats.org/presentationml/2006/main">
+  <p:cSld>
+    <p:spTree>
+      <p:nvGrpSpPr>
+        <p:cNvPr id="1" name=""/>
+        <p:cNvGrpSpPr/>
+        <p:nvPr/>
+      </p:nvGrpSpPr>
+      <p:grpSpPr>
+        <a:xfrm>
+          <a:off x="0" y="0"/>
+          <a:ext cx="0" cy="0"/>
+          <a:chOff x="0" y="0"/>
+          <a:chExt cx="0" cy="0"/>
+        </a:xfrm>
+      </p:grpSpPr>
+      <p:sp>
+        <p:nvSpPr>
+          <p:cNvPr id="2" name="Title 1">
+            <a:extLst>
+              <a:ext uri="{FF2B5EF4-FFF2-40B4-BE49-F238E27FC236}">
+                <a16:creationId xmlns:a16="http://schemas.microsoft.com/office/drawing/2014/main" id="{896FA4ED-73F7-E0BA-73EB-1381A429428C}"/>
+              </a:ext>
+            </a:extLst>
+          </p:cNvPr>
+          <p:cNvSpPr>
+            <a:spLocks noGrp="1"/>
+          </p:cNvSpPr>
+          <p:nvPr>
+            <p:ph type="title"/>
+          </p:nvPr>
+        </p:nvSpPr>
+        <p:spPr/>
+        <p:txBody>
+          <a:bodyPr/>
+          <a:lstStyle/>
+          <a:p>
+            <a:r>
+              <a:rPr lang="en-US" sz="4400" kern="1200" dirty="0">
+                <a:effectLst/>
+                <a:latin typeface="+mj-lt"/>
+                <a:ea typeface="+mj-ea"/>
+                <a:cs typeface="+mj-cs"/>
+              </a:rPr>
+              <a:t>Zoom</a:t>
+            </a:r>
+            <a:endParaRPr lang="en-US" dirty="0"/>
+          </a:p>
+        </p:txBody>
+      </p:sp>
+      <p:pic>
+        <p:nvPicPr>
+          <p:cNvPr id="7" name="Picture 6">
+            <a:extLst>
+              <a:ext uri="{FF2B5EF4-FFF2-40B4-BE49-F238E27FC236}">
+                <a16:creationId xmlns:a16="http://schemas.microsoft.com/office/drawing/2014/main" id="{D5529469-1F64-CCF6-E6DC-F254A1D3202B}"/>
+              </a:ext>
+            </a:extLst>
+          </p:cNvPr>
+          <p:cNvPicPr>
+            <a:picLocks noChangeAspect="1"/>
+          </p:cNvPicPr>
+          <p:nvPr/>
+        </p:nvPicPr>
+        <p:blipFill>
+          <a:blip r:embed="rId2"/>
+          <a:stretch>
+            <a:fillRect/>
+          </a:stretch>
+        </p:blipFill>
+        <p:spPr>
+          <a:xfrm>
+            <a:off x="1034207" y="2034699"/>
+            <a:ext cx="10519330" cy="1475125"/>
+          </a:xfrm>
+          <a:prstGeom prst="rect">
+            <a:avLst/>
+          </a:prstGeom>
+        </p:spPr>
+      </p:pic>
+    </p:spTree>
+    <p:extLst>
+      <p:ext uri="{BB962C8B-B14F-4D97-AF65-F5344CB8AC3E}">
+        <p14:creationId xmlns:p14="http://schemas.microsoft.com/office/powerpoint/2010/main" val="1245630119"/>
+      </p:ext>
+    </p:extLst>
+  </p:cSld>
+  <p:clrMapOvr>
+    <a:masterClrMapping/>
+  </p:clrMapOvr>
+</p:sld>
+</file>
+
+<file path=ppt/slides/slide35.xml><?xml version="1.0" encoding="utf-8"?>
+<p:sld xmlns:a="http://schemas.openxmlformats.org/drawingml/2006/main" xmlns:r="http://schemas.openxmlformats.org/officeDocument/2006/relationships" xmlns:p="http://schemas.openxmlformats.org/presentationml/2006/main">
+  <p:cSld>
+    <p:spTree>
+      <p:nvGrpSpPr>
+        <p:cNvPr id="1" name=""/>
+        <p:cNvGrpSpPr/>
+        <p:nvPr/>
+      </p:nvGrpSpPr>
+      <p:grpSpPr>
+        <a:xfrm>
+          <a:off x="0" y="0"/>
+          <a:ext cx="0" cy="0"/>
+          <a:chOff x="0" y="0"/>
+          <a:chExt cx="0" cy="0"/>
+        </a:xfrm>
+      </p:grpSpPr>
+      <p:sp>
+        <p:nvSpPr>
+          <p:cNvPr id="2" name="Title 1">
+            <a:extLst>
+              <a:ext uri="{FF2B5EF4-FFF2-40B4-BE49-F238E27FC236}">
                 <a16:creationId xmlns:a16="http://schemas.microsoft.com/office/drawing/2014/main" id="{84D17082-FE76-C1E9-5964-B2BC639A1B31}"/>
               </a:ext>
             </a:extLst>
@@ -8027,6 +8747,867 @@
 </file>
 
 <file path=ppt/slides/slide4.xml><?xml version="1.0" encoding="utf-8"?>
+<p:sld xmlns:a="http://schemas.openxmlformats.org/drawingml/2006/main" xmlns:r="http://schemas.openxmlformats.org/officeDocument/2006/relationships" xmlns:p="http://schemas.openxmlformats.org/presentationml/2006/main">
+  <p:cSld>
+    <p:spTree>
+      <p:nvGrpSpPr>
+        <p:cNvPr id="1" name=""/>
+        <p:cNvGrpSpPr/>
+        <p:nvPr/>
+      </p:nvGrpSpPr>
+      <p:grpSpPr>
+        <a:xfrm>
+          <a:off x="0" y="0"/>
+          <a:ext cx="0" cy="0"/>
+          <a:chOff x="0" y="0"/>
+          <a:chExt cx="0" cy="0"/>
+        </a:xfrm>
+      </p:grpSpPr>
+      <p:sp>
+        <p:nvSpPr>
+          <p:cNvPr id="2" name="Title 1">
+            <a:extLst>
+              <a:ext uri="{FF2B5EF4-FFF2-40B4-BE49-F238E27FC236}">
+                <a16:creationId xmlns:a16="http://schemas.microsoft.com/office/drawing/2014/main" id="{E01DA536-FC42-561D-C488-A7E20E0464D1}"/>
+              </a:ext>
+            </a:extLst>
+          </p:cNvPr>
+          <p:cNvSpPr>
+            <a:spLocks noGrp="1"/>
+          </p:cNvSpPr>
+          <p:nvPr>
+            <p:ph type="title"/>
+          </p:nvPr>
+        </p:nvSpPr>
+        <p:spPr/>
+        <p:txBody>
+          <a:bodyPr/>
+          <a:lstStyle/>
+          <a:p>
+            <a:r>
+              <a:rPr lang="tr-TR" sz="4400" kern="100" dirty="0">
+                <a:effectLst/>
+                <a:latin typeface="Calibri" panose="020F0502020204030204" pitchFamily="34" charset="0"/>
+                <a:ea typeface="Calibri" panose="020F0502020204030204" pitchFamily="34" charset="0"/>
+                <a:cs typeface="Times New Roman" panose="02020603050405020304" pitchFamily="18" charset="0"/>
+              </a:rPr>
+              <a:t> Line </a:t>
+            </a:r>
+            <a:r>
+              <a:rPr lang="tr-TR" sz="4400" kern="100" dirty="0">
+                <a:latin typeface="Calibri" panose="020F0502020204030204" pitchFamily="34" charset="0"/>
+                <a:ea typeface="Calibri" panose="020F0502020204030204" pitchFamily="34" charset="0"/>
+                <a:cs typeface="Times New Roman" panose="02020603050405020304" pitchFamily="18" charset="0"/>
+              </a:rPr>
+              <a:t>C</a:t>
+            </a:r>
+            <a:r>
+              <a:rPr lang="tr-TR" sz="4400" kern="100" dirty="0">
+                <a:effectLst/>
+                <a:latin typeface="Calibri" panose="020F0502020204030204" pitchFamily="34" charset="0"/>
+                <a:ea typeface="Calibri" panose="020F0502020204030204" pitchFamily="34" charset="0"/>
+                <a:cs typeface="Times New Roman" panose="02020603050405020304" pitchFamily="18" charset="0"/>
+              </a:rPr>
+              <a:t>hart</a:t>
+            </a:r>
+            <a:endParaRPr lang="en-US" dirty="0"/>
+          </a:p>
+        </p:txBody>
+      </p:sp>
+      <p:sp>
+        <p:nvSpPr>
+          <p:cNvPr id="3" name="Content Placeholder 2">
+            <a:extLst>
+              <a:ext uri="{FF2B5EF4-FFF2-40B4-BE49-F238E27FC236}">
+                <a16:creationId xmlns:a16="http://schemas.microsoft.com/office/drawing/2014/main" id="{713C457D-0B2C-F2C6-12E6-26F53BAD1779}"/>
+              </a:ext>
+            </a:extLst>
+          </p:cNvPr>
+          <p:cNvSpPr>
+            <a:spLocks noGrp="1"/>
+          </p:cNvSpPr>
+          <p:nvPr>
+            <p:ph idx="1"/>
+          </p:nvPr>
+        </p:nvSpPr>
+        <p:spPr/>
+        <p:txBody>
+          <a:bodyPr/>
+          <a:lstStyle/>
+          <a:p>
+            <a:r>
+              <a:rPr lang="tr-TR" sz="2800" kern="100" dirty="0">
+                <a:effectLst/>
+                <a:latin typeface="Calibri" panose="020F0502020204030204" pitchFamily="34" charset="0"/>
+                <a:ea typeface="Calibri" panose="020F0502020204030204" pitchFamily="34" charset="0"/>
+                <a:cs typeface="Times New Roman" panose="02020603050405020304" pitchFamily="18" charset="0"/>
+              </a:rPr>
+              <a:t>A </a:t>
+            </a:r>
+            <a:r>
+              <a:rPr lang="tr-TR" sz="2800" b="1" kern="100" dirty="0">
+                <a:effectLst/>
+                <a:latin typeface="Calibri" panose="020F0502020204030204" pitchFamily="34" charset="0"/>
+                <a:ea typeface="Calibri" panose="020F0502020204030204" pitchFamily="34" charset="0"/>
+                <a:cs typeface="Times New Roman" panose="02020603050405020304" pitchFamily="18" charset="0"/>
+              </a:rPr>
+              <a:t>Line </a:t>
+            </a:r>
+            <a:r>
+              <a:rPr lang="tr-TR" sz="2800" b="1" kern="100" dirty="0">
+                <a:latin typeface="Calibri" panose="020F0502020204030204" pitchFamily="34" charset="0"/>
+                <a:ea typeface="Calibri" panose="020F0502020204030204" pitchFamily="34" charset="0"/>
+                <a:cs typeface="Times New Roman" panose="02020603050405020304" pitchFamily="18" charset="0"/>
+              </a:rPr>
+              <a:t>C</a:t>
+            </a:r>
+            <a:r>
+              <a:rPr lang="tr-TR" sz="2800" b="1" kern="100" dirty="0">
+                <a:effectLst/>
+                <a:latin typeface="Calibri" panose="020F0502020204030204" pitchFamily="34" charset="0"/>
+                <a:ea typeface="Calibri" panose="020F0502020204030204" pitchFamily="34" charset="0"/>
+                <a:cs typeface="Times New Roman" panose="02020603050405020304" pitchFamily="18" charset="0"/>
+              </a:rPr>
+              <a:t>hart </a:t>
+            </a:r>
+            <a:r>
+              <a:rPr lang="tr-TR" sz="2800" kern="100" dirty="0">
+                <a:effectLst/>
+                <a:latin typeface="Calibri" panose="020F0502020204030204" pitchFamily="34" charset="0"/>
+                <a:ea typeface="Calibri" panose="020F0502020204030204" pitchFamily="34" charset="0"/>
+                <a:cs typeface="Times New Roman" panose="02020603050405020304" pitchFamily="18" charset="0"/>
+              </a:rPr>
+              <a:t>is a type of data visualisation that displays information as a series of data points connected by line.</a:t>
+            </a:r>
+          </a:p>
+          <a:p>
+            <a:endParaRPr lang="en-US" dirty="0"/>
+          </a:p>
+        </p:txBody>
+      </p:sp>
+      <p:pic>
+        <p:nvPicPr>
+          <p:cNvPr id="4" name="Content Placeholder 4">
+            <a:extLst>
+              <a:ext uri="{FF2B5EF4-FFF2-40B4-BE49-F238E27FC236}">
+                <a16:creationId xmlns:a16="http://schemas.microsoft.com/office/drawing/2014/main" id="{E64A4F2A-6E7E-97AB-3008-8AFAF1C9DE0A}"/>
+              </a:ext>
+            </a:extLst>
+          </p:cNvPr>
+          <p:cNvPicPr>
+            <a:picLocks noChangeAspect="1"/>
+          </p:cNvPicPr>
+          <p:nvPr/>
+        </p:nvPicPr>
+        <p:blipFill>
+          <a:blip r:embed="rId2">
+            <a:extLst>
+              <a:ext uri="{28A0092B-C50C-407E-A947-70E740481C1C}">
+                <a14:useLocalDpi xmlns:a14="http://schemas.microsoft.com/office/drawing/2010/main" val="0"/>
+              </a:ext>
+              <a:ext uri="{96DAC541-7B7A-43D3-8B79-37D633B846F1}">
+                <asvg:svgBlip xmlns:asvg="http://schemas.microsoft.com/office/drawing/2016/SVG/main" r:embed="rId3"/>
+              </a:ext>
+            </a:extLst>
+          </a:blip>
+          <a:stretch>
+            <a:fillRect/>
+          </a:stretch>
+        </p:blipFill>
+        <p:spPr>
+          <a:xfrm>
+            <a:off x="4718465" y="2769177"/>
+            <a:ext cx="4648272" cy="2905170"/>
+          </a:xfrm>
+          <a:prstGeom prst="rect">
+            <a:avLst/>
+          </a:prstGeom>
+        </p:spPr>
+      </p:pic>
+      <p:sp>
+        <p:nvSpPr>
+          <p:cNvPr id="5" name="TextBox 4">
+            <a:extLst>
+              <a:ext uri="{FF2B5EF4-FFF2-40B4-BE49-F238E27FC236}">
+                <a16:creationId xmlns:a16="http://schemas.microsoft.com/office/drawing/2014/main" id="{2361F73C-DD6A-662A-2C64-51C92A14E7B9}"/>
+              </a:ext>
+            </a:extLst>
+          </p:cNvPr>
+          <p:cNvSpPr txBox="1"/>
+          <p:nvPr/>
+        </p:nvSpPr>
+        <p:spPr>
+          <a:xfrm>
+            <a:off x="4718465" y="5674347"/>
+            <a:ext cx="6189406" cy="369332"/>
+          </a:xfrm>
+          <a:prstGeom prst="rect">
+            <a:avLst/>
+          </a:prstGeom>
+          <a:noFill/>
+        </p:spPr>
+        <p:txBody>
+          <a:bodyPr wrap="square">
+            <a:spAutoFit/>
+          </a:bodyPr>
+          <a:lstStyle/>
+          <a:p>
+            <a:r>
+              <a:rPr lang="tr-TR" dirty="0"/>
+              <a:t>Source: </a:t>
+            </a:r>
+            <a:r>
+              <a:rPr lang="en-DE" dirty="0"/>
+              <a:t>https://en.wikipedia.org/wiki/Line_chart</a:t>
+            </a:r>
+          </a:p>
+        </p:txBody>
+      </p:sp>
+    </p:spTree>
+    <p:extLst>
+      <p:ext uri="{BB962C8B-B14F-4D97-AF65-F5344CB8AC3E}">
+        <p14:creationId xmlns:p14="http://schemas.microsoft.com/office/powerpoint/2010/main" val="3225036885"/>
+      </p:ext>
+    </p:extLst>
+  </p:cSld>
+  <p:clrMapOvr>
+    <a:masterClrMapping/>
+  </p:clrMapOvr>
+</p:sld>
+</file>
+
+<file path=ppt/slides/slide5.xml><?xml version="1.0" encoding="utf-8"?>
+<p:sld xmlns:a="http://schemas.openxmlformats.org/drawingml/2006/main" xmlns:r="http://schemas.openxmlformats.org/officeDocument/2006/relationships" xmlns:p="http://schemas.openxmlformats.org/presentationml/2006/main">
+  <p:cSld>
+    <p:spTree>
+      <p:nvGrpSpPr>
+        <p:cNvPr id="1" name=""/>
+        <p:cNvGrpSpPr/>
+        <p:nvPr/>
+      </p:nvGrpSpPr>
+      <p:grpSpPr>
+        <a:xfrm>
+          <a:off x="0" y="0"/>
+          <a:ext cx="0" cy="0"/>
+          <a:chOff x="0" y="0"/>
+          <a:chExt cx="0" cy="0"/>
+        </a:xfrm>
+      </p:grpSpPr>
+      <p:sp>
+        <p:nvSpPr>
+          <p:cNvPr id="2" name="Title 1">
+            <a:extLst>
+              <a:ext uri="{FF2B5EF4-FFF2-40B4-BE49-F238E27FC236}">
+                <a16:creationId xmlns:a16="http://schemas.microsoft.com/office/drawing/2014/main" id="{67D7D89C-9B64-428B-17E0-73F8AD262B92}"/>
+              </a:ext>
+            </a:extLst>
+          </p:cNvPr>
+          <p:cNvSpPr>
+            <a:spLocks noGrp="1"/>
+          </p:cNvSpPr>
+          <p:nvPr>
+            <p:ph type="title"/>
+          </p:nvPr>
+        </p:nvSpPr>
+        <p:spPr/>
+        <p:txBody>
+          <a:bodyPr/>
+          <a:lstStyle/>
+          <a:p>
+            <a:r>
+              <a:rPr lang="tr-TR" sz="4400" kern="100" dirty="0">
+                <a:latin typeface="Calibri" panose="020F0502020204030204" pitchFamily="34" charset="0"/>
+                <a:ea typeface="Calibri" panose="020F0502020204030204" pitchFamily="34" charset="0"/>
+                <a:cs typeface="Times New Roman" panose="02020603050405020304" pitchFamily="18" charset="0"/>
+              </a:rPr>
+              <a:t>A</a:t>
+            </a:r>
+            <a:r>
+              <a:rPr lang="en-GB" sz="4400" kern="100" dirty="0">
+                <a:latin typeface="Calibri" panose="020F0502020204030204" pitchFamily="34" charset="0"/>
+                <a:ea typeface="Calibri" panose="020F0502020204030204" pitchFamily="34" charset="0"/>
+                <a:cs typeface="Times New Roman" panose="02020603050405020304" pitchFamily="18" charset="0"/>
+              </a:rPr>
+              <a:t>rea </a:t>
+            </a:r>
+            <a:r>
+              <a:rPr lang="tr-TR" sz="4400" kern="100" dirty="0">
+                <a:latin typeface="Calibri" panose="020F0502020204030204" pitchFamily="34" charset="0"/>
+                <a:ea typeface="Calibri" panose="020F0502020204030204" pitchFamily="34" charset="0"/>
+                <a:cs typeface="Times New Roman" panose="02020603050405020304" pitchFamily="18" charset="0"/>
+              </a:rPr>
+              <a:t>C</a:t>
+            </a:r>
+            <a:r>
+              <a:rPr lang="en-GB" sz="4400" kern="100" dirty="0">
+                <a:latin typeface="Calibri" panose="020F0502020204030204" pitchFamily="34" charset="0"/>
+                <a:ea typeface="Calibri" panose="020F0502020204030204" pitchFamily="34" charset="0"/>
+                <a:cs typeface="Times New Roman" panose="02020603050405020304" pitchFamily="18" charset="0"/>
+              </a:rPr>
+              <a:t>hart</a:t>
+            </a:r>
+            <a:endParaRPr lang="en-US" dirty="0"/>
+          </a:p>
+        </p:txBody>
+      </p:sp>
+      <p:sp>
+        <p:nvSpPr>
+          <p:cNvPr id="3" name="Content Placeholder 2">
+            <a:extLst>
+              <a:ext uri="{FF2B5EF4-FFF2-40B4-BE49-F238E27FC236}">
+                <a16:creationId xmlns:a16="http://schemas.microsoft.com/office/drawing/2014/main" id="{BBFF8A26-91A7-2C7B-7F0A-C1FED8A260BB}"/>
+              </a:ext>
+            </a:extLst>
+          </p:cNvPr>
+          <p:cNvSpPr>
+            <a:spLocks noGrp="1"/>
+          </p:cNvSpPr>
+          <p:nvPr>
+            <p:ph idx="1"/>
+          </p:nvPr>
+        </p:nvSpPr>
+        <p:spPr/>
+        <p:txBody>
+          <a:bodyPr/>
+          <a:lstStyle/>
+          <a:p>
+            <a:r>
+              <a:rPr lang="en-GB" sz="2800" kern="100" dirty="0">
+                <a:latin typeface="Calibri" panose="020F0502020204030204" pitchFamily="34" charset="0"/>
+                <a:ea typeface="Calibri" panose="020F0502020204030204" pitchFamily="34" charset="0"/>
+                <a:cs typeface="Times New Roman" panose="02020603050405020304" pitchFamily="18" charset="0"/>
+              </a:rPr>
+              <a:t>An </a:t>
+            </a:r>
+            <a:r>
+              <a:rPr lang="tr-TR" sz="2800" b="1" kern="100" dirty="0">
+                <a:latin typeface="Calibri" panose="020F0502020204030204" pitchFamily="34" charset="0"/>
+                <a:ea typeface="Calibri" panose="020F0502020204030204" pitchFamily="34" charset="0"/>
+                <a:cs typeface="Times New Roman" panose="02020603050405020304" pitchFamily="18" charset="0"/>
+              </a:rPr>
+              <a:t>A</a:t>
+            </a:r>
+            <a:r>
+              <a:rPr lang="en-GB" sz="2800" b="1" kern="100" dirty="0">
+                <a:latin typeface="Calibri" panose="020F0502020204030204" pitchFamily="34" charset="0"/>
+                <a:ea typeface="Calibri" panose="020F0502020204030204" pitchFamily="34" charset="0"/>
+                <a:cs typeface="Times New Roman" panose="02020603050405020304" pitchFamily="18" charset="0"/>
+              </a:rPr>
+              <a:t>rea </a:t>
+            </a:r>
+            <a:r>
+              <a:rPr lang="tr-TR" sz="2800" b="1" kern="100" dirty="0">
+                <a:latin typeface="Calibri" panose="020F0502020204030204" pitchFamily="34" charset="0"/>
+                <a:ea typeface="Calibri" panose="020F0502020204030204" pitchFamily="34" charset="0"/>
+                <a:cs typeface="Times New Roman" panose="02020603050405020304" pitchFamily="18" charset="0"/>
+              </a:rPr>
+              <a:t>C</a:t>
+            </a:r>
+            <a:r>
+              <a:rPr lang="en-GB" sz="2800" b="1" kern="100" dirty="0">
+                <a:latin typeface="Calibri" panose="020F0502020204030204" pitchFamily="34" charset="0"/>
+                <a:ea typeface="Calibri" panose="020F0502020204030204" pitchFamily="34" charset="0"/>
+                <a:cs typeface="Times New Roman" panose="02020603050405020304" pitchFamily="18" charset="0"/>
+              </a:rPr>
+              <a:t>hart </a:t>
+            </a:r>
+            <a:r>
+              <a:rPr lang="tr-TR" sz="2800" kern="100" dirty="0">
+                <a:latin typeface="Calibri" panose="020F0502020204030204" pitchFamily="34" charset="0"/>
+                <a:ea typeface="Calibri" panose="020F0502020204030204" pitchFamily="34" charset="0"/>
+                <a:cs typeface="Times New Roman" panose="02020603050405020304" pitchFamily="18" charset="0"/>
+              </a:rPr>
+              <a:t>(</a:t>
+            </a:r>
+            <a:r>
+              <a:rPr lang="en-GB" sz="2800" kern="100" dirty="0">
+                <a:latin typeface="Calibri" panose="020F0502020204030204" pitchFamily="34" charset="0"/>
+                <a:ea typeface="Calibri" panose="020F0502020204030204" pitchFamily="34" charset="0"/>
+                <a:cs typeface="Times New Roman" panose="02020603050405020304" pitchFamily="18" charset="0"/>
+              </a:rPr>
+              <a:t>or </a:t>
+            </a:r>
+            <a:r>
+              <a:rPr lang="en-GB" sz="2800" b="1" kern="100" dirty="0">
+                <a:latin typeface="Calibri" panose="020F0502020204030204" pitchFamily="34" charset="0"/>
+                <a:ea typeface="Calibri" panose="020F0502020204030204" pitchFamily="34" charset="0"/>
+                <a:cs typeface="Times New Roman" panose="02020603050405020304" pitchFamily="18" charset="0"/>
+              </a:rPr>
+              <a:t>Area graph</a:t>
+            </a:r>
+            <a:r>
+              <a:rPr lang="tr-TR" sz="2800" kern="100" dirty="0">
+                <a:latin typeface="Calibri" panose="020F0502020204030204" pitchFamily="34" charset="0"/>
+                <a:ea typeface="Calibri" panose="020F0502020204030204" pitchFamily="34" charset="0"/>
+                <a:cs typeface="Times New Roman" panose="02020603050405020304" pitchFamily="18" charset="0"/>
+              </a:rPr>
+              <a:t>)</a:t>
+            </a:r>
+            <a:r>
+              <a:rPr lang="en-GB" sz="2800" kern="100" dirty="0">
+                <a:latin typeface="Calibri" panose="020F0502020204030204" pitchFamily="34" charset="0"/>
+                <a:ea typeface="Calibri" panose="020F0502020204030204" pitchFamily="34" charset="0"/>
+                <a:cs typeface="Times New Roman" panose="02020603050405020304" pitchFamily="18" charset="0"/>
+              </a:rPr>
+              <a:t> displays graphically quantitative data. It is based on the line chart. </a:t>
+            </a:r>
+            <a:endParaRPr lang="tr-TR" sz="2800" kern="100" dirty="0">
+              <a:latin typeface="Calibri" panose="020F0502020204030204" pitchFamily="34" charset="0"/>
+              <a:ea typeface="Calibri" panose="020F0502020204030204" pitchFamily="34" charset="0"/>
+              <a:cs typeface="Times New Roman" panose="02020603050405020304" pitchFamily="18" charset="0"/>
+            </a:endParaRPr>
+          </a:p>
+          <a:p>
+            <a:pPr marL="0" indent="0">
+              <a:buNone/>
+            </a:pPr>
+            <a:r>
+              <a:rPr lang="tr-TR" sz="2800" kern="100" dirty="0">
+                <a:latin typeface="Calibri" panose="020F0502020204030204" pitchFamily="34" charset="0"/>
+                <a:ea typeface="Calibri" panose="020F0502020204030204" pitchFamily="34" charset="0"/>
+                <a:cs typeface="Times New Roman" panose="02020603050405020304" pitchFamily="18" charset="0"/>
+              </a:rPr>
+              <a:t>        </a:t>
+            </a:r>
+            <a:r>
+              <a:rPr lang="en-GB" sz="2800" kern="100" dirty="0">
+                <a:latin typeface="Calibri" panose="020F0502020204030204" pitchFamily="34" charset="0"/>
+                <a:ea typeface="Calibri" panose="020F0502020204030204" pitchFamily="34" charset="0"/>
+                <a:cs typeface="Times New Roman" panose="02020603050405020304" pitchFamily="18" charset="0"/>
+              </a:rPr>
+              <a:t>The area between axis and line are commonly emphasized with </a:t>
+            </a:r>
+            <a:r>
+              <a:rPr lang="en-GB" sz="2800" kern="100" dirty="0" err="1">
+                <a:latin typeface="Calibri" panose="020F0502020204030204" pitchFamily="34" charset="0"/>
+                <a:ea typeface="Calibri" panose="020F0502020204030204" pitchFamily="34" charset="0"/>
+                <a:cs typeface="Times New Roman" panose="02020603050405020304" pitchFamily="18" charset="0"/>
+              </a:rPr>
+              <a:t>colors</a:t>
+            </a:r>
+            <a:r>
+              <a:rPr lang="en-GB" sz="2800" kern="100" dirty="0">
+                <a:latin typeface="Calibri" panose="020F0502020204030204" pitchFamily="34" charset="0"/>
+                <a:ea typeface="Calibri" panose="020F0502020204030204" pitchFamily="34" charset="0"/>
+                <a:cs typeface="Times New Roman" panose="02020603050405020304" pitchFamily="18" charset="0"/>
+              </a:rPr>
+              <a:t>, textures and hatchings.</a:t>
+            </a:r>
+            <a:endParaRPr lang="tr-TR" sz="2800" kern="100" dirty="0">
+              <a:latin typeface="Calibri" panose="020F0502020204030204" pitchFamily="34" charset="0"/>
+              <a:ea typeface="Calibri" panose="020F0502020204030204" pitchFamily="34" charset="0"/>
+              <a:cs typeface="Times New Roman" panose="02020603050405020304" pitchFamily="18" charset="0"/>
+            </a:endParaRPr>
+          </a:p>
+          <a:p>
+            <a:endParaRPr lang="tr-TR" sz="2800" kern="100" dirty="0">
+              <a:latin typeface="Calibri" panose="020F0502020204030204" pitchFamily="34" charset="0"/>
+              <a:ea typeface="Calibri" panose="020F0502020204030204" pitchFamily="34" charset="0"/>
+              <a:cs typeface="Times New Roman" panose="02020603050405020304" pitchFamily="18" charset="0"/>
+            </a:endParaRPr>
+          </a:p>
+          <a:p>
+            <a:endParaRPr lang="en-US" dirty="0"/>
+          </a:p>
+        </p:txBody>
+      </p:sp>
+      <p:sp>
+        <p:nvSpPr>
+          <p:cNvPr id="4" name="TextBox 3">
+            <a:extLst>
+              <a:ext uri="{FF2B5EF4-FFF2-40B4-BE49-F238E27FC236}">
+                <a16:creationId xmlns:a16="http://schemas.microsoft.com/office/drawing/2014/main" id="{4639E231-9563-7C4E-2B0D-C6C437C636AE}"/>
+              </a:ext>
+            </a:extLst>
+          </p:cNvPr>
+          <p:cNvSpPr txBox="1"/>
+          <p:nvPr/>
+        </p:nvSpPr>
+        <p:spPr>
+          <a:xfrm>
+            <a:off x="5412658" y="6110086"/>
+            <a:ext cx="6189406" cy="369332"/>
+          </a:xfrm>
+          <a:prstGeom prst="rect">
+            <a:avLst/>
+          </a:prstGeom>
+          <a:noFill/>
+        </p:spPr>
+        <p:txBody>
+          <a:bodyPr wrap="square">
+            <a:spAutoFit/>
+          </a:bodyPr>
+          <a:lstStyle/>
+          <a:p>
+            <a:r>
+              <a:rPr lang="tr-TR" dirty="0"/>
+              <a:t>Source: https://en.wikipedia.org/wiki/Area_chart</a:t>
+            </a:r>
+            <a:endParaRPr lang="en-DE" dirty="0"/>
+          </a:p>
+        </p:txBody>
+      </p:sp>
+      <p:pic>
+        <p:nvPicPr>
+          <p:cNvPr id="5" name="Graphic 4">
+            <a:extLst>
+              <a:ext uri="{FF2B5EF4-FFF2-40B4-BE49-F238E27FC236}">
+                <a16:creationId xmlns:a16="http://schemas.microsoft.com/office/drawing/2014/main" id="{806CF49C-511D-2CD3-245E-07DBA739620E}"/>
+              </a:ext>
+            </a:extLst>
+          </p:cNvPr>
+          <p:cNvPicPr>
+            <a:picLocks noChangeAspect="1"/>
+          </p:cNvPicPr>
+          <p:nvPr/>
+        </p:nvPicPr>
+        <p:blipFill>
+          <a:blip r:embed="rId2">
+            <a:extLst>
+              <a:ext uri="{28A0092B-C50C-407E-A947-70E740481C1C}">
+                <a14:useLocalDpi xmlns:a14="http://schemas.microsoft.com/office/drawing/2010/main" val="0"/>
+              </a:ext>
+              <a:ext uri="{96DAC541-7B7A-43D3-8B79-37D633B846F1}">
+                <asvg:svgBlip xmlns:asvg="http://schemas.microsoft.com/office/drawing/2016/SVG/main" r:embed="rId3"/>
+              </a:ext>
+            </a:extLst>
+          </a:blip>
+          <a:stretch>
+            <a:fillRect/>
+          </a:stretch>
+        </p:blipFill>
+        <p:spPr>
+          <a:xfrm>
+            <a:off x="5680264" y="3306631"/>
+            <a:ext cx="4289645" cy="2732258"/>
+          </a:xfrm>
+          <a:prstGeom prst="rect">
+            <a:avLst/>
+          </a:prstGeom>
+        </p:spPr>
+      </p:pic>
+    </p:spTree>
+    <p:extLst>
+      <p:ext uri="{BB962C8B-B14F-4D97-AF65-F5344CB8AC3E}">
+        <p14:creationId xmlns:p14="http://schemas.microsoft.com/office/powerpoint/2010/main" val="445317546"/>
+      </p:ext>
+    </p:extLst>
+  </p:cSld>
+  <p:clrMapOvr>
+    <a:masterClrMapping/>
+  </p:clrMapOvr>
+</p:sld>
+</file>
+
+<file path=ppt/slides/slide6.xml><?xml version="1.0" encoding="utf-8"?>
+<p:sld xmlns:a="http://schemas.openxmlformats.org/drawingml/2006/main" xmlns:r="http://schemas.openxmlformats.org/officeDocument/2006/relationships" xmlns:p="http://schemas.openxmlformats.org/presentationml/2006/main">
+  <p:cSld>
+    <p:spTree>
+      <p:nvGrpSpPr>
+        <p:cNvPr id="1" name=""/>
+        <p:cNvGrpSpPr/>
+        <p:nvPr/>
+      </p:nvGrpSpPr>
+      <p:grpSpPr>
+        <a:xfrm>
+          <a:off x="0" y="0"/>
+          <a:ext cx="0" cy="0"/>
+          <a:chOff x="0" y="0"/>
+          <a:chExt cx="0" cy="0"/>
+        </a:xfrm>
+      </p:grpSpPr>
+      <p:sp>
+        <p:nvSpPr>
+          <p:cNvPr id="2" name="Title 1">
+            <a:extLst>
+              <a:ext uri="{FF2B5EF4-FFF2-40B4-BE49-F238E27FC236}">
+                <a16:creationId xmlns:a16="http://schemas.microsoft.com/office/drawing/2014/main" id="{67D7D89C-9B64-428B-17E0-73F8AD262B92}"/>
+              </a:ext>
+            </a:extLst>
+          </p:cNvPr>
+          <p:cNvSpPr>
+            <a:spLocks noGrp="1"/>
+          </p:cNvSpPr>
+          <p:nvPr>
+            <p:ph type="title"/>
+          </p:nvPr>
+        </p:nvSpPr>
+        <p:spPr/>
+        <p:txBody>
+          <a:bodyPr/>
+          <a:lstStyle/>
+          <a:p>
+            <a:r>
+              <a:rPr lang="tr-TR" sz="4400" kern="100" dirty="0">
+                <a:latin typeface="Calibri" panose="020F0502020204030204" pitchFamily="34" charset="0"/>
+                <a:ea typeface="Calibri" panose="020F0502020204030204" pitchFamily="34" charset="0"/>
+                <a:cs typeface="Times New Roman" panose="02020603050405020304" pitchFamily="18" charset="0"/>
+              </a:rPr>
+              <a:t>H</a:t>
+            </a:r>
+            <a:r>
+              <a:rPr lang="en-DE" sz="4400" kern="100" dirty="0">
+                <a:effectLst/>
+                <a:latin typeface="Calibri" panose="020F0502020204030204" pitchFamily="34" charset="0"/>
+                <a:ea typeface="Calibri" panose="020F0502020204030204" pitchFamily="34" charset="0"/>
+                <a:cs typeface="Times New Roman" panose="02020603050405020304" pitchFamily="18" charset="0"/>
+              </a:rPr>
+              <a:t>orizon </a:t>
+            </a:r>
+            <a:r>
+              <a:rPr lang="tr-TR" sz="4400" kern="100" dirty="0">
+                <a:effectLst/>
+                <a:latin typeface="Calibri" panose="020F0502020204030204" pitchFamily="34" charset="0"/>
+                <a:ea typeface="Calibri" panose="020F0502020204030204" pitchFamily="34" charset="0"/>
+                <a:cs typeface="Times New Roman" panose="02020603050405020304" pitchFamily="18" charset="0"/>
+              </a:rPr>
+              <a:t>G</a:t>
+            </a:r>
+            <a:r>
+              <a:rPr lang="en-DE" sz="4400" kern="100" dirty="0">
+                <a:effectLst/>
+                <a:latin typeface="Calibri" panose="020F0502020204030204" pitchFamily="34" charset="0"/>
+                <a:ea typeface="Calibri" panose="020F0502020204030204" pitchFamily="34" charset="0"/>
+                <a:cs typeface="Times New Roman" panose="02020603050405020304" pitchFamily="18" charset="0"/>
+              </a:rPr>
+              <a:t>raph</a:t>
+            </a:r>
+            <a:endParaRPr lang="en-US" dirty="0"/>
+          </a:p>
+        </p:txBody>
+      </p:sp>
+      <p:sp>
+        <p:nvSpPr>
+          <p:cNvPr id="3" name="Content Placeholder 2">
+            <a:extLst>
+              <a:ext uri="{FF2B5EF4-FFF2-40B4-BE49-F238E27FC236}">
+                <a16:creationId xmlns:a16="http://schemas.microsoft.com/office/drawing/2014/main" id="{BBFF8A26-91A7-2C7B-7F0A-C1FED8A260BB}"/>
+              </a:ext>
+            </a:extLst>
+          </p:cNvPr>
+          <p:cNvSpPr>
+            <a:spLocks noGrp="1"/>
+          </p:cNvSpPr>
+          <p:nvPr>
+            <p:ph idx="1"/>
+          </p:nvPr>
+        </p:nvSpPr>
+        <p:spPr/>
+        <p:txBody>
+          <a:bodyPr/>
+          <a:lstStyle/>
+          <a:p>
+            <a:r>
+              <a:rPr lang="tr-TR" sz="2800" kern="100" dirty="0">
+                <a:latin typeface="Calibri" panose="020F0502020204030204" pitchFamily="34" charset="0"/>
+                <a:ea typeface="Calibri" panose="020F0502020204030204" pitchFamily="34" charset="0"/>
+                <a:cs typeface="Times New Roman" panose="02020603050405020304" pitchFamily="18" charset="0"/>
+              </a:rPr>
+              <a:t>A </a:t>
+            </a:r>
+            <a:r>
+              <a:rPr lang="tr-TR" sz="2800" b="1" kern="100" dirty="0">
+                <a:latin typeface="Calibri" panose="020F0502020204030204" pitchFamily="34" charset="0"/>
+                <a:ea typeface="Calibri" panose="020F0502020204030204" pitchFamily="34" charset="0"/>
+                <a:cs typeface="Times New Roman" panose="02020603050405020304" pitchFamily="18" charset="0"/>
+              </a:rPr>
+              <a:t>H</a:t>
+            </a:r>
+            <a:r>
+              <a:rPr lang="en-DE" sz="2800" b="1" kern="100" dirty="0">
+                <a:effectLst/>
+                <a:latin typeface="Calibri" panose="020F0502020204030204" pitchFamily="34" charset="0"/>
+                <a:ea typeface="Calibri" panose="020F0502020204030204" pitchFamily="34" charset="0"/>
+                <a:cs typeface="Times New Roman" panose="02020603050405020304" pitchFamily="18" charset="0"/>
+              </a:rPr>
+              <a:t>orizon </a:t>
+            </a:r>
+            <a:r>
+              <a:rPr lang="tr-TR" sz="2800" b="1" kern="100" dirty="0">
+                <a:effectLst/>
+                <a:latin typeface="Calibri" panose="020F0502020204030204" pitchFamily="34" charset="0"/>
+                <a:ea typeface="Calibri" panose="020F0502020204030204" pitchFamily="34" charset="0"/>
+                <a:cs typeface="Times New Roman" panose="02020603050405020304" pitchFamily="18" charset="0"/>
+              </a:rPr>
+              <a:t>G</a:t>
+            </a:r>
+            <a:r>
+              <a:rPr lang="en-DE" sz="2800" b="1" kern="100" dirty="0">
+                <a:effectLst/>
+                <a:latin typeface="Calibri" panose="020F0502020204030204" pitchFamily="34" charset="0"/>
+                <a:ea typeface="Calibri" panose="020F0502020204030204" pitchFamily="34" charset="0"/>
+                <a:cs typeface="Times New Roman" panose="02020603050405020304" pitchFamily="18" charset="0"/>
+              </a:rPr>
+              <a:t>raph </a:t>
+            </a:r>
+            <a:r>
+              <a:rPr lang="en-GB" sz="2800" kern="100" dirty="0">
+                <a:effectLst/>
+                <a:latin typeface="Calibri" panose="020F0502020204030204" pitchFamily="34" charset="0"/>
+                <a:ea typeface="Calibri" panose="020F0502020204030204" pitchFamily="34" charset="0"/>
+                <a:cs typeface="Times New Roman" panose="02020603050405020304" pitchFamily="18" charset="0"/>
+              </a:rPr>
+              <a:t>is a compact version of an area chart.</a:t>
+            </a:r>
+            <a:r>
+              <a:rPr lang="tr-TR" sz="2800" kern="100" dirty="0">
+                <a:effectLst/>
+                <a:latin typeface="Calibri" panose="020F0502020204030204" pitchFamily="34" charset="0"/>
+                <a:ea typeface="Calibri" panose="020F0502020204030204" pitchFamily="34" charset="0"/>
+                <a:cs typeface="Times New Roman" panose="02020603050405020304" pitchFamily="18" charset="0"/>
+              </a:rPr>
+              <a:t> </a:t>
+            </a:r>
+          </a:p>
+          <a:p>
+            <a:pPr marL="0" indent="0">
+              <a:buNone/>
+            </a:pPr>
+            <a:r>
+              <a:rPr lang="tr-TR" sz="2800" kern="100" dirty="0">
+                <a:latin typeface="Calibri" panose="020F0502020204030204" pitchFamily="34" charset="0"/>
+                <a:ea typeface="Calibri" panose="020F0502020204030204" pitchFamily="34" charset="0"/>
+                <a:cs typeface="Times New Roman" panose="02020603050405020304" pitchFamily="18" charset="0"/>
+              </a:rPr>
+              <a:t>     It </a:t>
+            </a:r>
+            <a:r>
+              <a:rPr lang="en-GB" sz="2800" kern="100" dirty="0">
+                <a:effectLst/>
+                <a:latin typeface="Calibri" panose="020F0502020204030204" pitchFamily="34" charset="0"/>
+                <a:ea typeface="Calibri" panose="020F0502020204030204" pitchFamily="34" charset="0"/>
+                <a:cs typeface="Times New Roman" panose="02020603050405020304" pitchFamily="18" charset="0"/>
+              </a:rPr>
+              <a:t>is type </a:t>
+            </a:r>
+            <a:r>
+              <a:rPr lang="tr-TR" sz="2800" kern="100" dirty="0">
+                <a:effectLst/>
+                <a:latin typeface="Calibri" panose="020F0502020204030204" pitchFamily="34" charset="0"/>
+                <a:ea typeface="Calibri" panose="020F0502020204030204" pitchFamily="34" charset="0"/>
+                <a:cs typeface="Times New Roman" panose="02020603050405020304" pitchFamily="18" charset="0"/>
+              </a:rPr>
+              <a:t>of graph </a:t>
+            </a:r>
+            <a:r>
+              <a:rPr lang="en-GB" sz="2800" kern="100" dirty="0">
+                <a:effectLst/>
+                <a:latin typeface="Calibri" panose="020F0502020204030204" pitchFamily="34" charset="0"/>
+                <a:ea typeface="Calibri" panose="020F0502020204030204" pitchFamily="34" charset="0"/>
+                <a:cs typeface="Times New Roman" panose="02020603050405020304" pitchFamily="18" charset="0"/>
+              </a:rPr>
+              <a:t>that increases the density of time series graphs by dividing and layering filled line charts.</a:t>
+            </a:r>
+            <a:endParaRPr lang="en-DE" sz="2800" kern="100" dirty="0">
+              <a:effectLst/>
+              <a:latin typeface="Calibri" panose="020F0502020204030204" pitchFamily="34" charset="0"/>
+              <a:ea typeface="Calibri" panose="020F0502020204030204" pitchFamily="34" charset="0"/>
+              <a:cs typeface="Times New Roman" panose="02020603050405020304" pitchFamily="18" charset="0"/>
+            </a:endParaRPr>
+          </a:p>
+          <a:p>
+            <a:endParaRPr lang="tr-TR" sz="2800" kern="100" dirty="0">
+              <a:latin typeface="Calibri" panose="020F0502020204030204" pitchFamily="34" charset="0"/>
+              <a:ea typeface="Calibri" panose="020F0502020204030204" pitchFamily="34" charset="0"/>
+              <a:cs typeface="Times New Roman" panose="02020603050405020304" pitchFamily="18" charset="0"/>
+            </a:endParaRPr>
+          </a:p>
+          <a:p>
+            <a:endParaRPr lang="en-US" dirty="0"/>
+          </a:p>
+        </p:txBody>
+      </p:sp>
+      <p:pic>
+        <p:nvPicPr>
+          <p:cNvPr id="6" name="Picture 5">
+            <a:extLst>
+              <a:ext uri="{FF2B5EF4-FFF2-40B4-BE49-F238E27FC236}">
+                <a16:creationId xmlns:a16="http://schemas.microsoft.com/office/drawing/2014/main" id="{979BFB55-5D7B-EB4E-52E4-306FE6862E0C}"/>
+              </a:ext>
+            </a:extLst>
+          </p:cNvPr>
+          <p:cNvPicPr>
+            <a:picLocks noChangeAspect="1"/>
+          </p:cNvPicPr>
+          <p:nvPr/>
+        </p:nvPicPr>
+        <p:blipFill>
+          <a:blip r:embed="rId2"/>
+          <a:stretch>
+            <a:fillRect/>
+          </a:stretch>
+        </p:blipFill>
+        <p:spPr>
+          <a:xfrm>
+            <a:off x="7275871" y="2832191"/>
+            <a:ext cx="3864077" cy="3479709"/>
+          </a:xfrm>
+          <a:prstGeom prst="rect">
+            <a:avLst/>
+          </a:prstGeom>
+        </p:spPr>
+      </p:pic>
+      <p:sp>
+        <p:nvSpPr>
+          <p:cNvPr id="7" name="TextBox 6">
+            <a:extLst>
+              <a:ext uri="{FF2B5EF4-FFF2-40B4-BE49-F238E27FC236}">
+                <a16:creationId xmlns:a16="http://schemas.microsoft.com/office/drawing/2014/main" id="{D80E1881-C10F-8462-65EA-90B6F82E60BD}"/>
+              </a:ext>
+            </a:extLst>
+          </p:cNvPr>
+          <p:cNvSpPr txBox="1"/>
+          <p:nvPr/>
+        </p:nvSpPr>
+        <p:spPr>
+          <a:xfrm>
+            <a:off x="6282813" y="6152521"/>
+            <a:ext cx="6096000" cy="646331"/>
+          </a:xfrm>
+          <a:prstGeom prst="rect">
+            <a:avLst/>
+          </a:prstGeom>
+          <a:noFill/>
+        </p:spPr>
+        <p:txBody>
+          <a:bodyPr wrap="square">
+            <a:spAutoFit/>
+          </a:bodyPr>
+          <a:lstStyle/>
+          <a:p>
+            <a:r>
+              <a:rPr lang="en-DE" dirty="0" err="1"/>
+              <a:t>source:https</a:t>
+            </a:r>
+            <a:r>
+              <a:rPr lang="en-DE" dirty="0"/>
+              <a:t>://</a:t>
+            </a:r>
+            <a:r>
+              <a:rPr lang="en-DE" dirty="0" err="1"/>
+              <a:t>datavis.blog</a:t>
+            </a:r>
+            <a:r>
+              <a:rPr lang="en-DE" dirty="0"/>
+              <a:t>/2022/04/30/horizon-charts-in-tableau/</a:t>
+            </a:r>
+          </a:p>
+        </p:txBody>
+      </p:sp>
+    </p:spTree>
+    <p:extLst>
+      <p:ext uri="{BB962C8B-B14F-4D97-AF65-F5344CB8AC3E}">
+        <p14:creationId xmlns:p14="http://schemas.microsoft.com/office/powerpoint/2010/main" val="3940111857"/>
+      </p:ext>
+    </p:extLst>
+  </p:cSld>
+  <p:clrMapOvr>
+    <a:masterClrMapping/>
+  </p:clrMapOvr>
+</p:sld>
+</file>
+
+<file path=ppt/slides/slide7.xml><?xml version="1.0" encoding="utf-8"?>
 <p:sld xmlns:a="http://schemas.openxmlformats.org/drawingml/2006/main" xmlns:r="http://schemas.openxmlformats.org/officeDocument/2006/relationships" xmlns:p="http://schemas.openxmlformats.org/presentationml/2006/main">
   <p:cSld>
     <p:bg>
@@ -8051,83 +9632,12 @@
           <a:chExt cx="0" cy="0"/>
         </a:xfrm>
       </p:grpSpPr>
-      <p:pic>
-        <p:nvPicPr>
-          <p:cNvPr id="5" name="Content Placeholder 4">
-            <a:extLst>
-              <a:ext uri="{FF2B5EF4-FFF2-40B4-BE49-F238E27FC236}">
-                <a16:creationId xmlns:a16="http://schemas.microsoft.com/office/drawing/2014/main" id="{5CC9CA2D-15F8-1807-E29F-02DA60AAD66A}"/>
-              </a:ext>
-            </a:extLst>
-          </p:cNvPr>
-          <p:cNvPicPr>
-            <a:picLocks noGrp="1" noChangeAspect="1"/>
-          </p:cNvPicPr>
-          <p:nvPr>
-            <p:ph idx="1"/>
-          </p:nvPr>
-        </p:nvPicPr>
-        <p:blipFill>
-          <a:blip r:embed="rId2">
-            <a:extLst>
-              <a:ext uri="{28A0092B-C50C-407E-A947-70E740481C1C}">
-                <a14:useLocalDpi xmlns:a14="http://schemas.microsoft.com/office/drawing/2010/main" val="0"/>
-              </a:ext>
-              <a:ext uri="{96DAC541-7B7A-43D3-8B79-37D633B846F1}">
-                <asvg:svgBlip xmlns:asvg="http://schemas.microsoft.com/office/drawing/2016/SVG/main" r:embed="rId3"/>
-              </a:ext>
-            </a:extLst>
-          </a:blip>
-          <a:stretch>
-            <a:fillRect/>
-          </a:stretch>
-        </p:blipFill>
-        <p:spPr>
-          <a:xfrm>
-            <a:off x="785562" y="192577"/>
-            <a:ext cx="4648272" cy="2905170"/>
-          </a:xfrm>
-          <a:prstGeom prst="rect">
-            <a:avLst/>
-          </a:prstGeom>
-        </p:spPr>
-      </p:pic>
-      <p:pic>
-        <p:nvPicPr>
-          <p:cNvPr id="13" name="Picture 12">
-            <a:extLst>
-              <a:ext uri="{FF2B5EF4-FFF2-40B4-BE49-F238E27FC236}">
-                <a16:creationId xmlns:a16="http://schemas.microsoft.com/office/drawing/2014/main" id="{3D186B38-2222-79CB-4A72-FAEF98D5337E}"/>
-              </a:ext>
-            </a:extLst>
-          </p:cNvPr>
-          <p:cNvPicPr>
-            <a:picLocks noChangeAspect="1"/>
-          </p:cNvPicPr>
-          <p:nvPr/>
-        </p:nvPicPr>
-        <p:blipFill>
-          <a:blip r:embed="rId4"/>
-          <a:stretch>
-            <a:fillRect/>
-          </a:stretch>
-        </p:blipFill>
-        <p:spPr>
-          <a:xfrm>
-            <a:off x="6096000" y="856067"/>
-            <a:ext cx="5815817" cy="5237306"/>
-          </a:xfrm>
-          <a:prstGeom prst="rect">
-            <a:avLst/>
-          </a:prstGeom>
-        </p:spPr>
-      </p:pic>
-      <p:sp>
-        <p:nvSpPr>
-          <p:cNvPr id="60" name="Rectangle 59">
-            <a:extLst>
-              <a:ext uri="{FF2B5EF4-FFF2-40B4-BE49-F238E27FC236}">
-                <a16:creationId xmlns:a16="http://schemas.microsoft.com/office/drawing/2014/main" id="{799448F2-0E5B-42DA-B2D1-11A14E947BD4}"/>
+      <p:sp useBgFill="1">
+        <p:nvSpPr>
+          <p:cNvPr id="15" name="Rectangle 14">
+            <a:extLst>
+              <a:ext uri="{FF2B5EF4-FFF2-40B4-BE49-F238E27FC236}">
+                <a16:creationId xmlns:a16="http://schemas.microsoft.com/office/drawing/2014/main" id="{99ED5833-B85B-4103-8A3B-CAB0308E6C15}"/>
               </a:ext>
               <a:ext uri="{C183D7F6-B498-43B3-948B-1728B52AA6E4}">
                 <adec:decorative xmlns:adec="http://schemas.microsoft.com/office/drawing/2017/decorative" val="1"/>
@@ -8147,18 +9657,12 @@
         </p:nvSpPr>
         <p:spPr>
           <a:xfrm>
-            <a:off x="6050280" y="0"/>
-            <a:ext cx="91440" cy="6858000"/>
+            <a:off x="-1" y="0"/>
+            <a:ext cx="12188952" cy="6858000"/>
           </a:xfrm>
           <a:prstGeom prst="rect">
             <a:avLst/>
           </a:prstGeom>
-          <a:solidFill>
-            <a:schemeClr val="tx1">
-              <a:lumMod val="75000"/>
-              <a:lumOff val="25000"/>
-            </a:schemeClr>
-          </a:solidFill>
           <a:ln>
             <a:noFill/>
           </a:ln>
@@ -8190,76 +9694,59 @@
       </p:sp>
       <p:sp>
         <p:nvSpPr>
-          <p:cNvPr id="62" name="Rectangle 61">
-            <a:extLst>
-              <a:ext uri="{FF2B5EF4-FFF2-40B4-BE49-F238E27FC236}">
-                <a16:creationId xmlns:a16="http://schemas.microsoft.com/office/drawing/2014/main" id="{4E8A7552-20E1-4F34-ADAB-C1DB6634D47E}"/>
-              </a:ext>
-              <a:ext uri="{C183D7F6-B498-43B3-948B-1728B52AA6E4}">
-                <adec:decorative xmlns:adec="http://schemas.microsoft.com/office/drawing/2017/decorative" val="1"/>
-              </a:ext>
-            </a:extLst>
-          </p:cNvPr>
-          <p:cNvSpPr>
-            <a:spLocks noGrp="1" noRot="1" noChangeAspect="1" noMove="1" noResize="1" noEditPoints="1" noAdjustHandles="1" noChangeArrowheads="1" noChangeShapeType="1" noTextEdit="1"/>
-          </p:cNvSpPr>
-          <p:nvPr>
-            <p:extLst>
-              <p:ext uri="{386F3935-93C4-4BCD-93E2-E3B085C9AB24}">
-                <p16:designElem xmlns:p16="http://schemas.microsoft.com/office/powerpoint/2015/main" val="1"/>
-              </p:ext>
-            </p:extLst>
-          </p:nvPr>
-        </p:nvSpPr>
-        <p:spPr>
-          <a:xfrm>
-            <a:off x="0" y="3383280"/>
-            <a:ext cx="6126480" cy="91440"/>
+          <p:cNvPr id="6" name="TextBox 5">
+            <a:extLst>
+              <a:ext uri="{FF2B5EF4-FFF2-40B4-BE49-F238E27FC236}">
+                <a16:creationId xmlns:a16="http://schemas.microsoft.com/office/drawing/2014/main" id="{379987B3-793D-70F3-CB98-FCE8C4BBC43A}"/>
+              </a:ext>
+            </a:extLst>
+          </p:cNvPr>
+          <p:cNvSpPr txBox="1"/>
+          <p:nvPr/>
+        </p:nvSpPr>
+        <p:spPr>
+          <a:xfrm>
+            <a:off x="1198181" y="560881"/>
+            <a:ext cx="9795638" cy="1114380"/>
           </a:xfrm>
           <a:prstGeom prst="rect">
             <a:avLst/>
           </a:prstGeom>
-          <a:solidFill>
-            <a:schemeClr val="tx1">
-              <a:lumMod val="75000"/>
-              <a:lumOff val="25000"/>
-            </a:schemeClr>
-          </a:solidFill>
-          <a:ln>
-            <a:noFill/>
-          </a:ln>
-        </p:spPr>
-        <p:style>
-          <a:lnRef idx="2">
-            <a:schemeClr val="accent1">
-              <a:shade val="50000"/>
-            </a:schemeClr>
-          </a:lnRef>
-          <a:fillRef idx="1">
-            <a:schemeClr val="accent1"/>
-          </a:fillRef>
-          <a:effectRef idx="0">
-            <a:schemeClr val="accent1"/>
-          </a:effectRef>
-          <a:fontRef idx="minor">
-            <a:schemeClr val="lt1"/>
-          </a:fontRef>
-        </p:style>
-        <p:txBody>
-          <a:bodyPr rtlCol="0" anchor="ctr"/>
-          <a:lstStyle/>
-          <a:p>
-            <a:pPr algn="ctr"/>
-            <a:endParaRPr lang="en-US"/>
+        </p:spPr>
+        <p:txBody>
+          <a:bodyPr vert="horz" lIns="91440" tIns="45720" rIns="91440" bIns="45720" rtlCol="0" anchor="b">
+            <a:normAutofit/>
+          </a:bodyPr>
+          <a:lstStyle/>
+          <a:p>
+            <a:pPr algn="ctr">
+              <a:lnSpc>
+                <a:spcPct val="90000"/>
+              </a:lnSpc>
+              <a:spcBef>
+                <a:spcPct val="0"/>
+              </a:spcBef>
+              <a:spcAft>
+                <a:spcPts val="600"/>
+              </a:spcAft>
+            </a:pPr>
+            <a:r>
+              <a:rPr lang="en-US" sz="3600">
+                <a:latin typeface="+mj-lt"/>
+                <a:ea typeface="+mj-ea"/>
+                <a:cs typeface="+mj-cs"/>
+              </a:rPr>
+              <a:t>When we compare multiple data in a line chart, the chart becomes difficult to understand.</a:t>
+            </a:r>
           </a:p>
         </p:txBody>
       </p:sp>
       <p:pic>
         <p:nvPicPr>
-          <p:cNvPr id="7" name="Graphic 6">
-            <a:extLst>
-              <a:ext uri="{FF2B5EF4-FFF2-40B4-BE49-F238E27FC236}">
-                <a16:creationId xmlns:a16="http://schemas.microsoft.com/office/drawing/2014/main" id="{57EE7950-9BB2-9DEF-2B50-6A6EDE8EA700}"/>
+          <p:cNvPr id="10" name="Picture 9" descr="A picture containing text, handwriting, line, diagram&#10;&#10;Description automatically generated">
+            <a:extLst>
+              <a:ext uri="{FF2B5EF4-FFF2-40B4-BE49-F238E27FC236}">
+                <a16:creationId xmlns:a16="http://schemas.microsoft.com/office/drawing/2014/main" id="{D8495ABF-0FE3-12E4-AFAA-C160A82A75CE}"/>
               </a:ext>
             </a:extLst>
           </p:cNvPr>
@@ -8269,13 +9756,10 @@
           <p:nvPr/>
         </p:nvPicPr>
         <p:blipFill>
-          <a:blip r:embed="rId5">
+          <a:blip r:embed="rId2">
             <a:extLst>
               <a:ext uri="{28A0092B-C50C-407E-A947-70E740481C1C}">
                 <a14:useLocalDpi xmlns:a14="http://schemas.microsoft.com/office/drawing/2010/main" val="0"/>
-              </a:ext>
-              <a:ext uri="{96DAC541-7B7A-43D3-8B79-37D633B846F1}">
-                <asvg:svgBlip xmlns:asvg="http://schemas.microsoft.com/office/drawing/2016/SVG/main" r:embed="rId6"/>
               </a:ext>
             </a:extLst>
           </a:blip>
@@ -8285,20 +9769,56 @@
         </p:blipFill>
         <p:spPr>
           <a:xfrm>
-            <a:off x="1068935" y="3631096"/>
-            <a:ext cx="4289645" cy="2732258"/>
+            <a:off x="749146" y="2102258"/>
+            <a:ext cx="4633443" cy="3346376"/>
           </a:xfrm>
           <a:prstGeom prst="rect">
             <a:avLst/>
           </a:prstGeom>
         </p:spPr>
       </p:pic>
-      <p:sp>
-        <p:nvSpPr>
-          <p:cNvPr id="3" name="TextBox 2">
-            <a:extLst>
-              <a:ext uri="{FF2B5EF4-FFF2-40B4-BE49-F238E27FC236}">
-                <a16:creationId xmlns:a16="http://schemas.microsoft.com/office/drawing/2014/main" id="{D2361F38-0718-EBD1-2C9B-9AE63F27AA8C}"/>
+      <p:pic>
+        <p:nvPicPr>
+          <p:cNvPr id="8" name="Picture 7" descr="A picture containing line, plot, diagram, text&#10;&#10;Description automatically generated">
+            <a:extLst>
+              <a:ext uri="{FF2B5EF4-FFF2-40B4-BE49-F238E27FC236}">
+                <a16:creationId xmlns:a16="http://schemas.microsoft.com/office/drawing/2014/main" id="{868A9D20-332B-B48A-0F76-8C8AA1E568BD}"/>
+              </a:ext>
+            </a:extLst>
+          </p:cNvPr>
+          <p:cNvPicPr>
+            <a:picLocks noChangeAspect="1"/>
+          </p:cNvPicPr>
+          <p:nvPr/>
+        </p:nvPicPr>
+        <p:blipFill>
+          <a:blip r:embed="rId3">
+            <a:extLst>
+              <a:ext uri="{28A0092B-C50C-407E-A947-70E740481C1C}">
+                <a14:useLocalDpi xmlns:a14="http://schemas.microsoft.com/office/drawing/2010/main" val="0"/>
+              </a:ext>
+            </a:extLst>
+          </a:blip>
+          <a:stretch>
+            <a:fillRect/>
+          </a:stretch>
+        </p:blipFill>
+        <p:spPr>
+          <a:xfrm>
+            <a:off x="6245384" y="2102258"/>
+            <a:ext cx="5269883" cy="3346376"/>
+          </a:xfrm>
+          <a:prstGeom prst="rect">
+            <a:avLst/>
+          </a:prstGeom>
+        </p:spPr>
+      </p:pic>
+      <p:sp>
+        <p:nvSpPr>
+          <p:cNvPr id="12" name="TextBox 11">
+            <a:extLst>
+              <a:ext uri="{FF2B5EF4-FFF2-40B4-BE49-F238E27FC236}">
+                <a16:creationId xmlns:a16="http://schemas.microsoft.com/office/drawing/2014/main" id="{D199D602-3A03-02DC-5FC7-D152FC2FC83F}"/>
               </a:ext>
             </a:extLst>
           </p:cNvPr>
@@ -8307,7 +9827,7 @@
         </p:nvSpPr>
         <p:spPr>
           <a:xfrm>
-            <a:off x="6282813" y="6152521"/>
+            <a:off x="749146" y="5830151"/>
             <a:ext cx="6096000" cy="646331"/>
           </a:xfrm>
           <a:prstGeom prst="rect">
@@ -8322,30 +9842,22 @@
           <a:lstStyle/>
           <a:p>
             <a:r>
-              <a:rPr lang="en-DE" dirty="0" err="1"/>
-              <a:t>source:https</a:t>
+              <a:rPr lang="tr-TR" dirty="0"/>
+              <a:t>Source: </a:t>
             </a:r>
             <a:r>
               <a:rPr lang="en-DE" dirty="0"/>
-              <a:t>://</a:t>
-            </a:r>
-            <a:r>
-              <a:rPr lang="en-DE" dirty="0" err="1"/>
-              <a:t>datavis.blog</a:t>
-            </a:r>
-            <a:r>
-              <a:rPr lang="en-DE" dirty="0"/>
-              <a:t>/2022/04/30/horizon-charts-in-tableau/</a:t>
-            </a:r>
-          </a:p>
-        </p:txBody>
-      </p:sp>
-      <p:sp>
-        <p:nvSpPr>
-          <p:cNvPr id="6" name="TextBox 5">
-            <a:extLst>
-              <a:ext uri="{FF2B5EF4-FFF2-40B4-BE49-F238E27FC236}">
-                <a16:creationId xmlns:a16="http://schemas.microsoft.com/office/drawing/2014/main" id="{8ACEB29C-9F7D-47F7-B563-61F100E33814}"/>
+              <a:t>https://www.tableau.com/data-insights/reference-library/visual-analytics/charts/line-charts</a:t>
+            </a:r>
+          </a:p>
+        </p:txBody>
+      </p:sp>
+      <p:sp>
+        <p:nvSpPr>
+          <p:cNvPr id="14" name="TextBox 13">
+            <a:extLst>
+              <a:ext uri="{FF2B5EF4-FFF2-40B4-BE49-F238E27FC236}">
+                <a16:creationId xmlns:a16="http://schemas.microsoft.com/office/drawing/2014/main" id="{FC35B3D5-2FF0-E9B7-231D-DEDD7DF2FD28}"/>
               </a:ext>
             </a:extLst>
           </p:cNvPr>
@@ -8354,8 +9866,8 @@
         </p:nvSpPr>
         <p:spPr>
           <a:xfrm>
-            <a:off x="14995" y="3073890"/>
-            <a:ext cx="6189406" cy="369332"/>
+            <a:off x="6351639" y="5813951"/>
+            <a:ext cx="6096000" cy="369332"/>
           </a:xfrm>
           <a:prstGeom prst="rect">
             <a:avLst/>
@@ -8370,55 +9882,19 @@
           <a:p>
             <a:r>
               <a:rPr lang="tr-TR" dirty="0"/>
-              <a:t>Source: </a:t>
+              <a:t>Source:</a:t>
             </a:r>
             <a:r>
               <a:rPr lang="en-DE" dirty="0"/>
-              <a:t>https://en.wikipedia.org/wiki/Line_chart</a:t>
-            </a:r>
-          </a:p>
-        </p:txBody>
-      </p:sp>
-      <p:sp>
-        <p:nvSpPr>
-          <p:cNvPr id="8" name="TextBox 7">
-            <a:extLst>
-              <a:ext uri="{FF2B5EF4-FFF2-40B4-BE49-F238E27FC236}">
-                <a16:creationId xmlns:a16="http://schemas.microsoft.com/office/drawing/2014/main" id="{675FF9AB-2742-67F3-65B4-87D43EB5F74F}"/>
-              </a:ext>
-            </a:extLst>
-          </p:cNvPr>
-          <p:cNvSpPr txBox="1"/>
-          <p:nvPr/>
-        </p:nvSpPr>
-        <p:spPr>
-          <a:xfrm>
-            <a:off x="-93406" y="6454794"/>
-            <a:ext cx="6189406" cy="369332"/>
-          </a:xfrm>
-          <a:prstGeom prst="rect">
-            <a:avLst/>
-          </a:prstGeom>
-          <a:noFill/>
-        </p:spPr>
-        <p:txBody>
-          <a:bodyPr wrap="square">
-            <a:spAutoFit/>
-          </a:bodyPr>
-          <a:lstStyle/>
-          <a:p>
-            <a:r>
-              <a:rPr lang="tr-TR" dirty="0"/>
-              <a:t>Source: https://en.wikipedia.org/wiki/Area_chart</a:t>
-            </a:r>
-            <a:endParaRPr lang="en-DE" dirty="0"/>
+              <a:t>https://homes.cs.washington.edu/~jheer/files/zoo/</a:t>
+            </a:r>
           </a:p>
         </p:txBody>
       </p:sp>
     </p:spTree>
     <p:extLst>
       <p:ext uri="{BB962C8B-B14F-4D97-AF65-F5344CB8AC3E}">
-        <p14:creationId xmlns:p14="http://schemas.microsoft.com/office/powerpoint/2010/main" val="1282989798"/>
+        <p14:creationId xmlns:p14="http://schemas.microsoft.com/office/powerpoint/2010/main" val="378214922"/>
       </p:ext>
     </p:extLst>
   </p:cSld>
@@ -8428,7 +9904,7 @@
 </p:sld>
 </file>
 
-<file path=ppt/slides/slide5.xml><?xml version="1.0" encoding="utf-8"?>
+<file path=ppt/slides/slide8.xml><?xml version="1.0" encoding="utf-8"?>
 <p:sld xmlns:a="http://schemas.openxmlformats.org/drawingml/2006/main" xmlns:r="http://schemas.openxmlformats.org/officeDocument/2006/relationships" xmlns:p="http://schemas.openxmlformats.org/presentationml/2006/main">
   <p:cSld>
     <p:bg>
@@ -8680,802 +10156,6 @@
 </p:sld>
 </file>
 
-<file path=ppt/slides/slide6.xml><?xml version="1.0" encoding="utf-8"?>
-<p:sld xmlns:a="http://schemas.openxmlformats.org/drawingml/2006/main" xmlns:r="http://schemas.openxmlformats.org/officeDocument/2006/relationships" xmlns:p="http://schemas.openxmlformats.org/presentationml/2006/main">
-  <p:cSld>
-    <p:bg>
-      <p:bgPr>
-        <a:solidFill>
-          <a:schemeClr val="bg1"/>
-        </a:solidFill>
-        <a:effectLst/>
-      </p:bgPr>
-    </p:bg>
-    <p:spTree>
-      <p:nvGrpSpPr>
-        <p:cNvPr id="1" name=""/>
-        <p:cNvGrpSpPr/>
-        <p:nvPr/>
-      </p:nvGrpSpPr>
-      <p:grpSpPr>
-        <a:xfrm>
-          <a:off x="0" y="0"/>
-          <a:ext cx="0" cy="0"/>
-          <a:chOff x="0" y="0"/>
-          <a:chExt cx="0" cy="0"/>
-        </a:xfrm>
-      </p:grpSpPr>
-      <p:sp useBgFill="1">
-        <p:nvSpPr>
-          <p:cNvPr id="15" name="Rectangle 14">
-            <a:extLst>
-              <a:ext uri="{FF2B5EF4-FFF2-40B4-BE49-F238E27FC236}">
-                <a16:creationId xmlns:a16="http://schemas.microsoft.com/office/drawing/2014/main" id="{99ED5833-B85B-4103-8A3B-CAB0308E6C15}"/>
-              </a:ext>
-              <a:ext uri="{C183D7F6-B498-43B3-948B-1728B52AA6E4}">
-                <adec:decorative xmlns:adec="http://schemas.microsoft.com/office/drawing/2017/decorative" val="1"/>
-              </a:ext>
-            </a:extLst>
-          </p:cNvPr>
-          <p:cNvSpPr>
-            <a:spLocks noGrp="1" noRot="1" noChangeAspect="1" noMove="1" noResize="1" noEditPoints="1" noAdjustHandles="1" noChangeArrowheads="1" noChangeShapeType="1" noTextEdit="1"/>
-          </p:cNvSpPr>
-          <p:nvPr>
-            <p:extLst>
-              <p:ext uri="{386F3935-93C4-4BCD-93E2-E3B085C9AB24}">
-                <p16:designElem xmlns:p16="http://schemas.microsoft.com/office/powerpoint/2015/main" val="1"/>
-              </p:ext>
-            </p:extLst>
-          </p:nvPr>
-        </p:nvSpPr>
-        <p:spPr>
-          <a:xfrm>
-            <a:off x="-1" y="0"/>
-            <a:ext cx="12188952" cy="6858000"/>
-          </a:xfrm>
-          <a:prstGeom prst="rect">
-            <a:avLst/>
-          </a:prstGeom>
-          <a:ln>
-            <a:noFill/>
-          </a:ln>
-        </p:spPr>
-        <p:style>
-          <a:lnRef idx="2">
-            <a:schemeClr val="accent1">
-              <a:shade val="50000"/>
-            </a:schemeClr>
-          </a:lnRef>
-          <a:fillRef idx="1">
-            <a:schemeClr val="accent1"/>
-          </a:fillRef>
-          <a:effectRef idx="0">
-            <a:schemeClr val="accent1"/>
-          </a:effectRef>
-          <a:fontRef idx="minor">
-            <a:schemeClr val="lt1"/>
-          </a:fontRef>
-        </p:style>
-        <p:txBody>
-          <a:bodyPr rtlCol="0" anchor="ctr"/>
-          <a:lstStyle/>
-          <a:p>
-            <a:pPr algn="ctr"/>
-            <a:endParaRPr lang="en-US"/>
-          </a:p>
-        </p:txBody>
-      </p:sp>
-      <p:sp>
-        <p:nvSpPr>
-          <p:cNvPr id="6" name="TextBox 5">
-            <a:extLst>
-              <a:ext uri="{FF2B5EF4-FFF2-40B4-BE49-F238E27FC236}">
-                <a16:creationId xmlns:a16="http://schemas.microsoft.com/office/drawing/2014/main" id="{379987B3-793D-70F3-CB98-FCE8C4BBC43A}"/>
-              </a:ext>
-            </a:extLst>
-          </p:cNvPr>
-          <p:cNvSpPr txBox="1"/>
-          <p:nvPr/>
-        </p:nvSpPr>
-        <p:spPr>
-          <a:xfrm>
-            <a:off x="1198181" y="560881"/>
-            <a:ext cx="9795638" cy="1114380"/>
-          </a:xfrm>
-          <a:prstGeom prst="rect">
-            <a:avLst/>
-          </a:prstGeom>
-        </p:spPr>
-        <p:txBody>
-          <a:bodyPr vert="horz" lIns="91440" tIns="45720" rIns="91440" bIns="45720" rtlCol="0" anchor="b">
-            <a:normAutofit/>
-          </a:bodyPr>
-          <a:lstStyle/>
-          <a:p>
-            <a:pPr algn="ctr">
-              <a:lnSpc>
-                <a:spcPct val="90000"/>
-              </a:lnSpc>
-              <a:spcBef>
-                <a:spcPct val="0"/>
-              </a:spcBef>
-              <a:spcAft>
-                <a:spcPts val="600"/>
-              </a:spcAft>
-            </a:pPr>
-            <a:r>
-              <a:rPr lang="en-US" sz="3600">
-                <a:latin typeface="+mj-lt"/>
-                <a:ea typeface="+mj-ea"/>
-                <a:cs typeface="+mj-cs"/>
-              </a:rPr>
-              <a:t>When we compare multiple data in a line chart, the chart becomes difficult to understand.</a:t>
-            </a:r>
-          </a:p>
-        </p:txBody>
-      </p:sp>
-      <p:pic>
-        <p:nvPicPr>
-          <p:cNvPr id="10" name="Picture 9" descr="A picture containing text, handwriting, line, diagram&#10;&#10;Description automatically generated">
-            <a:extLst>
-              <a:ext uri="{FF2B5EF4-FFF2-40B4-BE49-F238E27FC236}">
-                <a16:creationId xmlns:a16="http://schemas.microsoft.com/office/drawing/2014/main" id="{D8495ABF-0FE3-12E4-AFAA-C160A82A75CE}"/>
-              </a:ext>
-            </a:extLst>
-          </p:cNvPr>
-          <p:cNvPicPr>
-            <a:picLocks noChangeAspect="1"/>
-          </p:cNvPicPr>
-          <p:nvPr/>
-        </p:nvPicPr>
-        <p:blipFill>
-          <a:blip r:embed="rId2">
-            <a:extLst>
-              <a:ext uri="{28A0092B-C50C-407E-A947-70E740481C1C}">
-                <a14:useLocalDpi xmlns:a14="http://schemas.microsoft.com/office/drawing/2010/main" val="0"/>
-              </a:ext>
-            </a:extLst>
-          </a:blip>
-          <a:stretch>
-            <a:fillRect/>
-          </a:stretch>
-        </p:blipFill>
-        <p:spPr>
-          <a:xfrm>
-            <a:off x="749146" y="2102258"/>
-            <a:ext cx="4633443" cy="3346376"/>
-          </a:xfrm>
-          <a:prstGeom prst="rect">
-            <a:avLst/>
-          </a:prstGeom>
-        </p:spPr>
-      </p:pic>
-      <p:pic>
-        <p:nvPicPr>
-          <p:cNvPr id="8" name="Picture 7" descr="A picture containing line, plot, diagram, text&#10;&#10;Description automatically generated">
-            <a:extLst>
-              <a:ext uri="{FF2B5EF4-FFF2-40B4-BE49-F238E27FC236}">
-                <a16:creationId xmlns:a16="http://schemas.microsoft.com/office/drawing/2014/main" id="{868A9D20-332B-B48A-0F76-8C8AA1E568BD}"/>
-              </a:ext>
-            </a:extLst>
-          </p:cNvPr>
-          <p:cNvPicPr>
-            <a:picLocks noChangeAspect="1"/>
-          </p:cNvPicPr>
-          <p:nvPr/>
-        </p:nvPicPr>
-        <p:blipFill>
-          <a:blip r:embed="rId3">
-            <a:extLst>
-              <a:ext uri="{28A0092B-C50C-407E-A947-70E740481C1C}">
-                <a14:useLocalDpi xmlns:a14="http://schemas.microsoft.com/office/drawing/2010/main" val="0"/>
-              </a:ext>
-            </a:extLst>
-          </a:blip>
-          <a:stretch>
-            <a:fillRect/>
-          </a:stretch>
-        </p:blipFill>
-        <p:spPr>
-          <a:xfrm>
-            <a:off x="6245384" y="2102258"/>
-            <a:ext cx="5269883" cy="3346376"/>
-          </a:xfrm>
-          <a:prstGeom prst="rect">
-            <a:avLst/>
-          </a:prstGeom>
-        </p:spPr>
-      </p:pic>
-      <p:sp>
-        <p:nvSpPr>
-          <p:cNvPr id="12" name="TextBox 11">
-            <a:extLst>
-              <a:ext uri="{FF2B5EF4-FFF2-40B4-BE49-F238E27FC236}">
-                <a16:creationId xmlns:a16="http://schemas.microsoft.com/office/drawing/2014/main" id="{D199D602-3A03-02DC-5FC7-D152FC2FC83F}"/>
-              </a:ext>
-            </a:extLst>
-          </p:cNvPr>
-          <p:cNvSpPr txBox="1"/>
-          <p:nvPr/>
-        </p:nvSpPr>
-        <p:spPr>
-          <a:xfrm>
-            <a:off x="749146" y="5830151"/>
-            <a:ext cx="6096000" cy="646331"/>
-          </a:xfrm>
-          <a:prstGeom prst="rect">
-            <a:avLst/>
-          </a:prstGeom>
-          <a:noFill/>
-        </p:spPr>
-        <p:txBody>
-          <a:bodyPr wrap="square">
-            <a:spAutoFit/>
-          </a:bodyPr>
-          <a:lstStyle/>
-          <a:p>
-            <a:r>
-              <a:rPr lang="tr-TR" dirty="0"/>
-              <a:t>Source: </a:t>
-            </a:r>
-            <a:r>
-              <a:rPr lang="en-DE" dirty="0"/>
-              <a:t>https://www.tableau.com/data-insights/reference-library/visual-analytics/charts/line-charts</a:t>
-            </a:r>
-          </a:p>
-        </p:txBody>
-      </p:sp>
-      <p:sp>
-        <p:nvSpPr>
-          <p:cNvPr id="14" name="TextBox 13">
-            <a:extLst>
-              <a:ext uri="{FF2B5EF4-FFF2-40B4-BE49-F238E27FC236}">
-                <a16:creationId xmlns:a16="http://schemas.microsoft.com/office/drawing/2014/main" id="{FC35B3D5-2FF0-E9B7-231D-DEDD7DF2FD28}"/>
-              </a:ext>
-            </a:extLst>
-          </p:cNvPr>
-          <p:cNvSpPr txBox="1"/>
-          <p:nvPr/>
-        </p:nvSpPr>
-        <p:spPr>
-          <a:xfrm>
-            <a:off x="6351639" y="5813951"/>
-            <a:ext cx="6096000" cy="369332"/>
-          </a:xfrm>
-          <a:prstGeom prst="rect">
-            <a:avLst/>
-          </a:prstGeom>
-          <a:noFill/>
-        </p:spPr>
-        <p:txBody>
-          <a:bodyPr wrap="square">
-            <a:spAutoFit/>
-          </a:bodyPr>
-          <a:lstStyle/>
-          <a:p>
-            <a:r>
-              <a:rPr lang="tr-TR" dirty="0"/>
-              <a:t>Source:</a:t>
-            </a:r>
-            <a:r>
-              <a:rPr lang="en-DE" dirty="0"/>
-              <a:t>https://homes.cs.washington.edu/~jheer/files/zoo/</a:t>
-            </a:r>
-          </a:p>
-        </p:txBody>
-      </p:sp>
-    </p:spTree>
-    <p:extLst>
-      <p:ext uri="{BB962C8B-B14F-4D97-AF65-F5344CB8AC3E}">
-        <p14:creationId xmlns:p14="http://schemas.microsoft.com/office/powerpoint/2010/main" val="378214922"/>
-      </p:ext>
-    </p:extLst>
-  </p:cSld>
-  <p:clrMapOvr>
-    <a:masterClrMapping/>
-  </p:clrMapOvr>
-</p:sld>
-</file>
-
-<file path=ppt/slides/slide7.xml><?xml version="1.0" encoding="utf-8"?>
-<p:sld xmlns:a="http://schemas.openxmlformats.org/drawingml/2006/main" xmlns:r="http://schemas.openxmlformats.org/officeDocument/2006/relationships" xmlns:p="http://schemas.openxmlformats.org/presentationml/2006/main">
-  <p:cSld>
-    <p:spTree>
-      <p:nvGrpSpPr>
-        <p:cNvPr id="1" name=""/>
-        <p:cNvGrpSpPr/>
-        <p:nvPr/>
-      </p:nvGrpSpPr>
-      <p:grpSpPr>
-        <a:xfrm>
-          <a:off x="0" y="0"/>
-          <a:ext cx="0" cy="0"/>
-          <a:chOff x="0" y="0"/>
-          <a:chExt cx="0" cy="0"/>
-        </a:xfrm>
-      </p:grpSpPr>
-      <p:sp>
-        <p:nvSpPr>
-          <p:cNvPr id="9" name="TextBox 8">
-            <a:extLst>
-              <a:ext uri="{FF2B5EF4-FFF2-40B4-BE49-F238E27FC236}">
-                <a16:creationId xmlns:a16="http://schemas.microsoft.com/office/drawing/2014/main" id="{C5E7611A-31DE-E007-32BB-BF2043433F24}"/>
-              </a:ext>
-            </a:extLst>
-          </p:cNvPr>
-          <p:cNvSpPr txBox="1"/>
-          <p:nvPr/>
-        </p:nvSpPr>
-        <p:spPr>
-          <a:xfrm>
-            <a:off x="1081547" y="2236156"/>
-            <a:ext cx="9458633" cy="646331"/>
-          </a:xfrm>
-          <a:prstGeom prst="rect">
-            <a:avLst/>
-          </a:prstGeom>
-          <a:noFill/>
-        </p:spPr>
-        <p:txBody>
-          <a:bodyPr wrap="square">
-            <a:spAutoFit/>
-          </a:bodyPr>
-          <a:lstStyle/>
-          <a:p>
-            <a:r>
-              <a:rPr lang="en-GB" b="0" i="1" dirty="0">
-                <a:solidFill>
-                  <a:srgbClr val="000000"/>
-                </a:solidFill>
-                <a:effectLst/>
-                <a:latin typeface="open sans" panose="020B0606030504020204" pitchFamily="34" charset="0"/>
-              </a:rPr>
-              <a:t> </a:t>
-            </a:r>
-            <a:r>
-              <a:rPr lang="tr-TR" b="0" i="1" dirty="0">
-                <a:solidFill>
-                  <a:srgbClr val="000000"/>
-                </a:solidFill>
-                <a:effectLst/>
-                <a:latin typeface="open sans" panose="020B0606030504020204" pitchFamily="34" charset="0"/>
-              </a:rPr>
-              <a:t>...</a:t>
-            </a:r>
-            <a:r>
-              <a:rPr lang="en-GB" b="0" i="1" dirty="0">
-                <a:solidFill>
-                  <a:srgbClr val="000000"/>
-                </a:solidFill>
-                <a:effectLst/>
-                <a:latin typeface="open sans" panose="020B0606030504020204" pitchFamily="34" charset="0"/>
-              </a:rPr>
-              <a:t>the purpose of the horizon chart is not necessarily to enable readers to pick out specific values, but instead to easily spot general trends and identify extreme values.</a:t>
-            </a:r>
-            <a:endParaRPr lang="en-DE" dirty="0"/>
-          </a:p>
-        </p:txBody>
-      </p:sp>
-      <p:sp>
-        <p:nvSpPr>
-          <p:cNvPr id="11" name="TextBox 10">
-            <a:extLst>
-              <a:ext uri="{FF2B5EF4-FFF2-40B4-BE49-F238E27FC236}">
-                <a16:creationId xmlns:a16="http://schemas.microsoft.com/office/drawing/2014/main" id="{D29B1EFA-FECA-A340-D815-72D138EB699B}"/>
-              </a:ext>
-            </a:extLst>
-          </p:cNvPr>
-          <p:cNvSpPr txBox="1"/>
-          <p:nvPr/>
-        </p:nvSpPr>
-        <p:spPr>
-          <a:xfrm>
-            <a:off x="530941" y="1271979"/>
-            <a:ext cx="6096000" cy="369332"/>
-          </a:xfrm>
-          <a:prstGeom prst="rect">
-            <a:avLst/>
-          </a:prstGeom>
-          <a:noFill/>
-        </p:spPr>
-        <p:txBody>
-          <a:bodyPr wrap="square">
-            <a:spAutoFit/>
-          </a:bodyPr>
-          <a:lstStyle/>
-          <a:p>
-            <a:r>
-              <a:rPr lang="en-GB" b="0" i="0" dirty="0">
-                <a:solidFill>
-                  <a:srgbClr val="000000"/>
-                </a:solidFill>
-                <a:effectLst/>
-                <a:latin typeface="open sans" panose="020B0606030504020204" pitchFamily="34" charset="0"/>
-              </a:rPr>
-              <a:t> Jonathan </a:t>
-            </a:r>
-            <a:r>
-              <a:rPr lang="en-GB" b="0" i="0" dirty="0" err="1">
-                <a:solidFill>
-                  <a:srgbClr val="000000"/>
-                </a:solidFill>
-                <a:effectLst/>
-                <a:latin typeface="open sans" panose="020B0606030504020204" pitchFamily="34" charset="0"/>
-              </a:rPr>
-              <a:t>Schwabish</a:t>
-            </a:r>
-            <a:r>
-              <a:rPr lang="tr-TR" b="0" i="0" dirty="0">
-                <a:solidFill>
-                  <a:srgbClr val="000000"/>
-                </a:solidFill>
-                <a:effectLst/>
-                <a:latin typeface="open sans" panose="020B0606030504020204" pitchFamily="34" charset="0"/>
-              </a:rPr>
-              <a:t>: </a:t>
-            </a:r>
-            <a:endParaRPr lang="en-DE" dirty="0"/>
-          </a:p>
-        </p:txBody>
-      </p:sp>
-      <p:sp>
-        <p:nvSpPr>
-          <p:cNvPr id="13" name="TextBox 12">
-            <a:extLst>
-              <a:ext uri="{FF2B5EF4-FFF2-40B4-BE49-F238E27FC236}">
-                <a16:creationId xmlns:a16="http://schemas.microsoft.com/office/drawing/2014/main" id="{F0E3A45E-89F7-54B4-823F-F1CD63EC7D8C}"/>
-              </a:ext>
-            </a:extLst>
-          </p:cNvPr>
-          <p:cNvSpPr txBox="1"/>
-          <p:nvPr/>
-        </p:nvSpPr>
-        <p:spPr>
-          <a:xfrm>
-            <a:off x="5555225" y="3722467"/>
-            <a:ext cx="6096000" cy="646331"/>
-          </a:xfrm>
-          <a:prstGeom prst="rect">
-            <a:avLst/>
-          </a:prstGeom>
-          <a:noFill/>
-        </p:spPr>
-        <p:txBody>
-          <a:bodyPr wrap="square">
-            <a:spAutoFit/>
-          </a:bodyPr>
-          <a:lstStyle/>
-          <a:p>
-            <a:pPr fontAlgn="base"/>
-            <a:r>
-              <a:rPr lang="en-GB" b="0" i="0" dirty="0" err="1">
-                <a:solidFill>
-                  <a:srgbClr val="000000"/>
-                </a:solidFill>
-                <a:effectLst/>
-                <a:latin typeface="open sans" panose="020B0606030504020204" pitchFamily="34" charset="0"/>
-              </a:rPr>
-              <a:t>Schwabish</a:t>
-            </a:r>
-            <a:r>
-              <a:rPr lang="en-GB" b="0" i="0" dirty="0">
-                <a:solidFill>
-                  <a:srgbClr val="000000"/>
-                </a:solidFill>
-                <a:effectLst/>
-                <a:latin typeface="open sans" panose="020B0606030504020204" pitchFamily="34" charset="0"/>
-              </a:rPr>
-              <a:t>, J. (2021). </a:t>
-            </a:r>
-            <a:r>
-              <a:rPr lang="en-GB" b="0" i="1" u="none" strike="noStrike" dirty="0">
-                <a:solidFill>
-                  <a:srgbClr val="30719D"/>
-                </a:solidFill>
-                <a:effectLst/>
-                <a:latin typeface="inherit"/>
-                <a:hlinkClick r:id="rId2"/>
-              </a:rPr>
-              <a:t>Better Data Visualizations</a:t>
-            </a:r>
-            <a:r>
-              <a:rPr lang="en-GB" b="0" i="0" dirty="0">
-                <a:solidFill>
-                  <a:srgbClr val="000000"/>
-                </a:solidFill>
-                <a:effectLst/>
-                <a:latin typeface="open sans" panose="020B0606030504020204" pitchFamily="34" charset="0"/>
-              </a:rPr>
-              <a:t>.</a:t>
-            </a:r>
-            <a:r>
-              <a:rPr lang="tr-TR" b="0" i="0" dirty="0">
-                <a:solidFill>
-                  <a:srgbClr val="000000"/>
-                </a:solidFill>
-                <a:effectLst/>
-                <a:latin typeface="open sans" panose="020B0606030504020204" pitchFamily="34" charset="0"/>
-              </a:rPr>
-              <a:t> (</a:t>
-            </a:r>
-            <a:r>
-              <a:rPr lang="en-GB" b="0" i="0" dirty="0">
-                <a:solidFill>
-                  <a:srgbClr val="000000"/>
-                </a:solidFill>
-                <a:effectLst/>
-                <a:latin typeface="open sans" panose="020B0606030504020204" pitchFamily="34" charset="0"/>
-              </a:rPr>
-              <a:t>page 164</a:t>
-            </a:r>
-            <a:r>
-              <a:rPr lang="tr-TR" b="0" i="0" dirty="0">
-                <a:solidFill>
-                  <a:srgbClr val="000000"/>
-                </a:solidFill>
-                <a:effectLst/>
-                <a:latin typeface="open sans" panose="020B0606030504020204" pitchFamily="34" charset="0"/>
-              </a:rPr>
-              <a:t>)</a:t>
-            </a:r>
-            <a:endParaRPr lang="en-DE" dirty="0"/>
-          </a:p>
-          <a:p>
-            <a:pPr algn="l" fontAlgn="base"/>
-            <a:r>
-              <a:rPr lang="tr-TR" b="0" i="0" dirty="0">
-                <a:solidFill>
-                  <a:srgbClr val="000000"/>
-                </a:solidFill>
-                <a:effectLst/>
-                <a:latin typeface="open sans" panose="020B0606030504020204" pitchFamily="34" charset="0"/>
-              </a:rPr>
-              <a:t>(</a:t>
-            </a:r>
-            <a:r>
-              <a:rPr lang="tr-TR" dirty="0">
-                <a:solidFill>
-                  <a:srgbClr val="000000"/>
-                </a:solidFill>
-                <a:latin typeface="open sans" panose="020B0606030504020204" pitchFamily="34" charset="0"/>
-              </a:rPr>
-              <a:t>E</a:t>
-            </a:r>
-            <a:r>
-              <a:rPr lang="en-GB" b="0" i="0" dirty="0" err="1">
-                <a:solidFill>
-                  <a:srgbClr val="000000"/>
-                </a:solidFill>
-                <a:effectLst/>
-                <a:latin typeface="open sans" panose="020B0606030504020204" pitchFamily="34" charset="0"/>
-              </a:rPr>
-              <a:t>conomist</a:t>
-            </a:r>
-            <a:r>
-              <a:rPr lang="en-GB" b="0" i="0" dirty="0">
-                <a:solidFill>
-                  <a:srgbClr val="000000"/>
-                </a:solidFill>
-                <a:effectLst/>
-                <a:latin typeface="open sans" panose="020B0606030504020204" pitchFamily="34" charset="0"/>
-              </a:rPr>
-              <a:t>,</a:t>
-            </a:r>
-            <a:r>
-              <a:rPr lang="tr-TR" b="0" i="0" dirty="0">
-                <a:solidFill>
-                  <a:srgbClr val="000000"/>
-                </a:solidFill>
-                <a:effectLst/>
-                <a:latin typeface="open sans" panose="020B0606030504020204" pitchFamily="34" charset="0"/>
-              </a:rPr>
-              <a:t> </a:t>
-            </a:r>
-            <a:r>
-              <a:rPr lang="tr-TR" dirty="0">
-                <a:solidFill>
-                  <a:srgbClr val="000000"/>
-                </a:solidFill>
-                <a:latin typeface="open sans" panose="020B0606030504020204" pitchFamily="34" charset="0"/>
-              </a:rPr>
-              <a:t>P</a:t>
-            </a:r>
-            <a:r>
-              <a:rPr lang="en-GB" b="0" i="0" dirty="0" err="1">
-                <a:solidFill>
-                  <a:srgbClr val="000000"/>
-                </a:solidFill>
-                <a:effectLst/>
-                <a:latin typeface="open sans" panose="020B0606030504020204" pitchFamily="34" charset="0"/>
-              </a:rPr>
-              <a:t>rofessor</a:t>
-            </a:r>
-            <a:r>
-              <a:rPr lang="en-GB" b="0" i="0" dirty="0">
-                <a:solidFill>
-                  <a:srgbClr val="000000"/>
-                </a:solidFill>
-                <a:effectLst/>
-                <a:latin typeface="open sans" panose="020B0606030504020204" pitchFamily="34" charset="0"/>
-              </a:rPr>
-              <a:t> at American University</a:t>
-            </a:r>
-            <a:r>
-              <a:rPr lang="tr-TR" b="0" i="0" dirty="0">
-                <a:solidFill>
-                  <a:srgbClr val="000000"/>
-                </a:solidFill>
-                <a:effectLst/>
-                <a:latin typeface="open sans" panose="020B0606030504020204" pitchFamily="34" charset="0"/>
-              </a:rPr>
-              <a:t>)</a:t>
-            </a:r>
-            <a:endParaRPr lang="en-GB" b="0" i="0" dirty="0">
-              <a:solidFill>
-                <a:srgbClr val="000000"/>
-              </a:solidFill>
-              <a:effectLst/>
-              <a:latin typeface="open sans" panose="020B0606030504020204" pitchFamily="34" charset="0"/>
-            </a:endParaRPr>
-          </a:p>
-        </p:txBody>
-      </p:sp>
-    </p:spTree>
-    <p:extLst>
-      <p:ext uri="{BB962C8B-B14F-4D97-AF65-F5344CB8AC3E}">
-        <p14:creationId xmlns:p14="http://schemas.microsoft.com/office/powerpoint/2010/main" val="2949889702"/>
-      </p:ext>
-    </p:extLst>
-  </p:cSld>
-  <p:clrMapOvr>
-    <a:masterClrMapping/>
-  </p:clrMapOvr>
-</p:sld>
-</file>
-
-<file path=ppt/slides/slide8.xml><?xml version="1.0" encoding="utf-8"?>
-<p:sld xmlns:a="http://schemas.openxmlformats.org/drawingml/2006/main" xmlns:r="http://schemas.openxmlformats.org/officeDocument/2006/relationships" xmlns:p="http://schemas.openxmlformats.org/presentationml/2006/main">
-  <p:cSld>
-    <p:spTree>
-      <p:nvGrpSpPr>
-        <p:cNvPr id="1" name=""/>
-        <p:cNvGrpSpPr/>
-        <p:nvPr/>
-      </p:nvGrpSpPr>
-      <p:grpSpPr>
-        <a:xfrm>
-          <a:off x="0" y="0"/>
-          <a:ext cx="0" cy="0"/>
-          <a:chOff x="0" y="0"/>
-          <a:chExt cx="0" cy="0"/>
-        </a:xfrm>
-      </p:grpSpPr>
-      <p:sp>
-        <p:nvSpPr>
-          <p:cNvPr id="2" name="Title 1">
-            <a:extLst>
-              <a:ext uri="{FF2B5EF4-FFF2-40B4-BE49-F238E27FC236}">
-                <a16:creationId xmlns:a16="http://schemas.microsoft.com/office/drawing/2014/main" id="{130CB5C1-AB6D-AD98-00DD-2C8B11DD472E}"/>
-              </a:ext>
-            </a:extLst>
-          </p:cNvPr>
-          <p:cNvSpPr>
-            <a:spLocks noGrp="1"/>
-          </p:cNvSpPr>
-          <p:nvPr>
-            <p:ph type="title"/>
-          </p:nvPr>
-        </p:nvSpPr>
-        <p:spPr/>
-        <p:txBody>
-          <a:bodyPr/>
-          <a:lstStyle/>
-          <a:p>
-            <a:r>
-              <a:rPr lang="en-GB" dirty="0"/>
-              <a:t>Horizon chart can be preferred instead of line chart in the following situations:</a:t>
-            </a:r>
-            <a:endParaRPr lang="en-DE" dirty="0"/>
-          </a:p>
-        </p:txBody>
-      </p:sp>
-      <p:sp>
-        <p:nvSpPr>
-          <p:cNvPr id="3" name="Content Placeholder 2">
-            <a:extLst>
-              <a:ext uri="{FF2B5EF4-FFF2-40B4-BE49-F238E27FC236}">
-                <a16:creationId xmlns:a16="http://schemas.microsoft.com/office/drawing/2014/main" id="{C8868A24-F845-2479-6C64-D8AE1EBAECD6}"/>
-              </a:ext>
-            </a:extLst>
-          </p:cNvPr>
-          <p:cNvSpPr>
-            <a:spLocks noGrp="1"/>
-          </p:cNvSpPr>
-          <p:nvPr>
-            <p:ph sz="half" idx="1"/>
-          </p:nvPr>
-        </p:nvSpPr>
-        <p:spPr>
-          <a:xfrm>
-            <a:off x="838199" y="1825625"/>
-            <a:ext cx="10950677" cy="4351338"/>
-          </a:xfrm>
-        </p:spPr>
-        <p:txBody>
-          <a:bodyPr>
-            <a:normAutofit lnSpcReduction="10000"/>
-          </a:bodyPr>
-          <a:lstStyle/>
-          <a:p>
-            <a:r>
-              <a:rPr lang="en-GB" b="1" dirty="0"/>
-              <a:t>Large amounts of data</a:t>
-            </a:r>
-            <a:r>
-              <a:rPr lang="en-GB" dirty="0"/>
-              <a:t>: Horizon charts are ideal for visualizing large amounts of data in a compact way.</a:t>
-            </a:r>
-            <a:endParaRPr lang="tr-TR" dirty="0"/>
-          </a:p>
-          <a:p>
-            <a:r>
-              <a:rPr lang="en-GB" b="1" dirty="0"/>
-              <a:t>Wide range of data</a:t>
-            </a:r>
-            <a:r>
-              <a:rPr lang="en-GB" dirty="0"/>
-              <a:t>: Horizon charts can better represent datasets with a large data range.</a:t>
-            </a:r>
-            <a:endParaRPr lang="tr-TR" dirty="0"/>
-          </a:p>
-          <a:p>
-            <a:r>
-              <a:rPr lang="en-GB" b="1" dirty="0"/>
-              <a:t>Highlighting general trends </a:t>
-            </a:r>
-            <a:r>
-              <a:rPr lang="en-GB" dirty="0"/>
-              <a:t>: Horizon charts can more clearly highlight overall trends and changes.</a:t>
-            </a:r>
-            <a:endParaRPr lang="tr-TR" dirty="0"/>
-          </a:p>
-          <a:p>
-            <a:r>
-              <a:rPr lang="en-GB" b="1" dirty="0"/>
-              <a:t>Comparisons</a:t>
-            </a:r>
-            <a:r>
-              <a:rPr lang="en-GB" dirty="0"/>
-              <a:t>: Horizon charts can be used to compare multiple datasets on the same chart.</a:t>
-            </a:r>
-            <a:endParaRPr lang="tr-TR" dirty="0"/>
-          </a:p>
-          <a:p>
-            <a:r>
-              <a:rPr lang="en-GB" b="1" dirty="0"/>
-              <a:t>Data point-dense situations</a:t>
-            </a:r>
-            <a:r>
-              <a:rPr lang="en-GB" dirty="0"/>
-              <a:t>: Horizon charts can present a more organized view than line charts in data-point-heavy situations.</a:t>
-            </a:r>
-            <a:endParaRPr lang="en-DE" dirty="0"/>
-          </a:p>
-        </p:txBody>
-      </p:sp>
-    </p:spTree>
-    <p:extLst>
-      <p:ext uri="{BB962C8B-B14F-4D97-AF65-F5344CB8AC3E}">
-        <p14:creationId xmlns:p14="http://schemas.microsoft.com/office/powerpoint/2010/main" val="3831223590"/>
-      </p:ext>
-    </p:extLst>
-  </p:cSld>
-  <p:clrMapOvr>
-    <a:masterClrMapping/>
-  </p:clrMapOvr>
-</p:sld>
-</file>
-
 <file path=ppt/slides/slide9.xml><?xml version="1.0" encoding="utf-8"?>
 <p:sld xmlns:a="http://schemas.openxmlformats.org/drawingml/2006/main" xmlns:r="http://schemas.openxmlformats.org/officeDocument/2006/relationships" xmlns:p="http://schemas.openxmlformats.org/presentationml/2006/main">
   <p:cSld>
@@ -9495,39 +10175,10 @@
       </p:grpSpPr>
       <p:sp>
         <p:nvSpPr>
-          <p:cNvPr id="2" name="Title 1">
-            <a:extLst>
-              <a:ext uri="{FF2B5EF4-FFF2-40B4-BE49-F238E27FC236}">
-                <a16:creationId xmlns:a16="http://schemas.microsoft.com/office/drawing/2014/main" id="{E3F2D044-1C33-8DF8-69E0-0B7C8290D386}"/>
-              </a:ext>
-            </a:extLst>
-          </p:cNvPr>
-          <p:cNvSpPr>
-            <a:spLocks noGrp="1"/>
-          </p:cNvSpPr>
-          <p:nvPr>
-            <p:ph type="title"/>
-          </p:nvPr>
-        </p:nvSpPr>
-        <p:spPr/>
-        <p:txBody>
-          <a:bodyPr/>
-          <a:lstStyle/>
-          <a:p>
-            <a:r>
-              <a:rPr lang="en-GB" dirty="0"/>
-              <a:t>How to plot a horizon graph</a:t>
-            </a:r>
-            <a:endParaRPr lang="en-DE" dirty="0"/>
-          </a:p>
-        </p:txBody>
-      </p:sp>
-      <p:sp>
-        <p:nvSpPr>
-          <p:cNvPr id="6" name="TextBox 5">
-            <a:extLst>
-              <a:ext uri="{FF2B5EF4-FFF2-40B4-BE49-F238E27FC236}">
-                <a16:creationId xmlns:a16="http://schemas.microsoft.com/office/drawing/2014/main" id="{D931311A-125E-8B6F-2F43-6CA8BF66340B}"/>
+          <p:cNvPr id="9" name="TextBox 8">
+            <a:extLst>
+              <a:ext uri="{FF2B5EF4-FFF2-40B4-BE49-F238E27FC236}">
+                <a16:creationId xmlns:a16="http://schemas.microsoft.com/office/drawing/2014/main" id="{C5E7611A-31DE-E007-32BB-BF2043433F24}"/>
               </a:ext>
             </a:extLst>
           </p:cNvPr>
@@ -9536,8 +10187,8 @@
         </p:nvSpPr>
         <p:spPr>
           <a:xfrm>
-            <a:off x="838199" y="2124008"/>
-            <a:ext cx="9180871" cy="369332"/>
+            <a:off x="1081547" y="2236156"/>
+            <a:ext cx="9458633" cy="646331"/>
           </a:xfrm>
           <a:prstGeom prst="rect">
             <a:avLst/>
@@ -9551,22 +10202,45 @@
           <a:lstStyle/>
           <a:p>
             <a:r>
-              <a:rPr lang="tr-TR" dirty="0"/>
-              <a:t>1) </a:t>
-            </a:r>
-            <a:r>
-              <a:rPr lang="en-DE" dirty="0"/>
-              <a:t>first dividing a line chart into uniformly sized, non-overlapping bands along the vertical axis.</a:t>
-            </a:r>
-          </a:p>
-        </p:txBody>
-      </p:sp>
-      <p:sp>
-        <p:nvSpPr>
-          <p:cNvPr id="8" name="TextBox 7">
-            <a:extLst>
-              <a:ext uri="{FF2B5EF4-FFF2-40B4-BE49-F238E27FC236}">
-                <a16:creationId xmlns:a16="http://schemas.microsoft.com/office/drawing/2014/main" id="{345D5467-14C4-0C8E-DDE3-D8CF4EFF3352}"/>
+              <a:rPr lang="en-GB" b="0" i="1" dirty="0">
+                <a:solidFill>
+                  <a:srgbClr val="000000"/>
+                </a:solidFill>
+                <a:effectLst/>
+                <a:latin typeface="open sans" panose="020B0606030504020204" pitchFamily="34" charset="0"/>
+              </a:rPr>
+              <a:t> </a:t>
+            </a:r>
+            <a:r>
+              <a:rPr lang="tr-TR" b="0" i="1" dirty="0">
+                <a:solidFill>
+                  <a:srgbClr val="000000"/>
+                </a:solidFill>
+                <a:effectLst/>
+                <a:latin typeface="open sans" panose="020B0606030504020204" pitchFamily="34" charset="0"/>
+              </a:rPr>
+              <a:t>...</a:t>
+            </a:r>
+            <a:r>
+              <a:rPr lang="en-GB" b="0" i="1" dirty="0">
+                <a:solidFill>
+                  <a:srgbClr val="000000"/>
+                </a:solidFill>
+                <a:effectLst/>
+                <a:latin typeface="open sans" panose="020B0606030504020204" pitchFamily="34" charset="0"/>
+              </a:rPr>
+              <a:t>the purpose of the horizon chart is not necessarily to enable readers to pick out specific values, but instead to easily spot general trends and identify extreme values.</a:t>
+            </a:r>
+            <a:endParaRPr lang="en-DE" dirty="0"/>
+          </a:p>
+        </p:txBody>
+      </p:sp>
+      <p:sp>
+        <p:nvSpPr>
+          <p:cNvPr id="11" name="TextBox 10">
+            <a:extLst>
+              <a:ext uri="{FF2B5EF4-FFF2-40B4-BE49-F238E27FC236}">
+                <a16:creationId xmlns:a16="http://schemas.microsoft.com/office/drawing/2014/main" id="{D29B1EFA-FECA-A340-D815-72D138EB699B}"/>
               </a:ext>
             </a:extLst>
           </p:cNvPr>
@@ -9575,7 +10249,7 @@
         </p:nvSpPr>
         <p:spPr>
           <a:xfrm>
-            <a:off x="838200" y="1506022"/>
+            <a:off x="530941" y="1271979"/>
             <a:ext cx="6096000" cy="369332"/>
           </a:xfrm>
           <a:prstGeom prst="rect">
@@ -9590,95 +10264,45 @@
           <a:lstStyle/>
           <a:p>
             <a:r>
-              <a:rPr lang="en-DE" dirty="0"/>
-              <a:t>A horizon chart can be created by </a:t>
-            </a:r>
-            <a:r>
-              <a:rPr lang="tr-TR" dirty="0"/>
-              <a:t>;</a:t>
+              <a:rPr lang="en-GB" b="0" i="0" dirty="0">
+                <a:solidFill>
+                  <a:srgbClr val="000000"/>
+                </a:solidFill>
+                <a:effectLst/>
+                <a:latin typeface="open sans" panose="020B0606030504020204" pitchFamily="34" charset="0"/>
+              </a:rPr>
+              <a:t> Jonathan </a:t>
+            </a:r>
+            <a:r>
+              <a:rPr lang="en-GB" b="0" i="0" dirty="0" err="1">
+                <a:solidFill>
+                  <a:srgbClr val="000000"/>
+                </a:solidFill>
+                <a:effectLst/>
+                <a:latin typeface="open sans" panose="020B0606030504020204" pitchFamily="34" charset="0"/>
+              </a:rPr>
+              <a:t>Schwabish</a:t>
+            </a:r>
+            <a:r>
+              <a:rPr lang="tr-TR" b="0" i="0" dirty="0">
+                <a:solidFill>
+                  <a:srgbClr val="000000"/>
+                </a:solidFill>
+                <a:effectLst/>
+                <a:latin typeface="open sans" panose="020B0606030504020204" pitchFamily="34" charset="0"/>
+              </a:rPr>
+              <a:t>: </a:t>
             </a:r>
             <a:endParaRPr lang="en-DE" dirty="0"/>
           </a:p>
         </p:txBody>
       </p:sp>
-      <p:pic>
-        <p:nvPicPr>
-          <p:cNvPr id="10" name="Picture 9" descr="A picture containing text, screenshot">
-            <a:extLst>
-              <a:ext uri="{FF2B5EF4-FFF2-40B4-BE49-F238E27FC236}">
-                <a16:creationId xmlns:a16="http://schemas.microsoft.com/office/drawing/2014/main" id="{8C1DDCB8-0043-C928-7D85-4D9BAEFDC0BF}"/>
-              </a:ext>
-            </a:extLst>
-          </p:cNvPr>
-          <p:cNvPicPr>
-            <a:picLocks noChangeAspect="1"/>
-          </p:cNvPicPr>
-          <p:nvPr/>
-        </p:nvPicPr>
-        <p:blipFill>
-          <a:blip r:embed="rId2">
-            <a:extLst>
-              <a:ext uri="{28A0092B-C50C-407E-A947-70E740481C1C}">
-                <a14:useLocalDpi xmlns:a14="http://schemas.microsoft.com/office/drawing/2010/main" val="0"/>
-              </a:ext>
-            </a:extLst>
-          </a:blip>
-          <a:stretch>
-            <a:fillRect/>
-          </a:stretch>
-        </p:blipFill>
-        <p:spPr>
-          <a:xfrm>
-            <a:off x="876300" y="2741994"/>
-            <a:ext cx="9910916" cy="1691254"/>
-          </a:xfrm>
-          <a:prstGeom prst="rect">
-            <a:avLst/>
-          </a:prstGeom>
-        </p:spPr>
-      </p:pic>
-      <p:pic>
-        <p:nvPicPr>
-          <p:cNvPr id="11" name="Picture 10" descr="A picture containing text, screenshot, diagram, plot&#10;&#10;Description automatically generated">
-            <a:extLst>
-              <a:ext uri="{FF2B5EF4-FFF2-40B4-BE49-F238E27FC236}">
-                <a16:creationId xmlns:a16="http://schemas.microsoft.com/office/drawing/2014/main" id="{06E04C8E-8578-1A7F-B51E-78BDA0436B5C}"/>
-              </a:ext>
-            </a:extLst>
-          </p:cNvPr>
-          <p:cNvPicPr>
-            <a:picLocks noChangeAspect="1"/>
-          </p:cNvPicPr>
-          <p:nvPr/>
-        </p:nvPicPr>
-        <p:blipFill>
-          <a:blip r:embed="rId3">
-            <a:extLst>
-              <a:ext uri="{28A0092B-C50C-407E-A947-70E740481C1C}">
-                <a14:useLocalDpi xmlns:a14="http://schemas.microsoft.com/office/drawing/2010/main" val="0"/>
-              </a:ext>
-            </a:extLst>
-          </a:blip>
-          <a:stretch>
-            <a:fillRect/>
-          </a:stretch>
-        </p:blipFill>
-        <p:spPr>
-          <a:xfrm>
-            <a:off x="838199" y="4444181"/>
-            <a:ext cx="9987118" cy="2059534"/>
-          </a:xfrm>
-          <a:prstGeom prst="rect">
-            <a:avLst/>
-          </a:prstGeom>
-        </p:spPr>
-      </p:pic>
-      <p:sp>
-        <p:nvSpPr>
-          <p:cNvPr id="12" name="TextBox 11">
-            <a:extLst>
-              <a:ext uri="{FF2B5EF4-FFF2-40B4-BE49-F238E27FC236}">
-                <a16:creationId xmlns:a16="http://schemas.microsoft.com/office/drawing/2014/main" id="{B4798063-2646-E957-FEAC-3C0D9D57551D}"/>
+      <p:sp>
+        <p:nvSpPr>
+          <p:cNvPr id="13" name="TextBox 12">
+            <a:extLst>
+              <a:ext uri="{FF2B5EF4-FFF2-40B4-BE49-F238E27FC236}">
+                <a16:creationId xmlns:a16="http://schemas.microsoft.com/office/drawing/2014/main" id="{F0E3A45E-89F7-54B4-823F-F1CD63EC7D8C}"/>
               </a:ext>
             </a:extLst>
           </p:cNvPr>
@@ -9687,8 +10311,8 @@
         </p:nvSpPr>
         <p:spPr>
           <a:xfrm>
-            <a:off x="5663381" y="6514648"/>
-            <a:ext cx="6685937" cy="369332"/>
+            <a:off x="5555225" y="3722467"/>
+            <a:ext cx="6096000" cy="646331"/>
           </a:xfrm>
           <a:prstGeom prst="rect">
             <a:avLst/>
@@ -9701,22 +10325,184 @@
           </a:bodyPr>
           <a:lstStyle/>
           <a:p>
-            <a:r>
-              <a:rPr lang="en-DE" dirty="0"/>
-              <a:t>source: </a:t>
-            </a:r>
-            <a:r>
-              <a:rPr lang="en-GB" dirty="0"/>
-              <a:t>https://datavis.blog/2022/04/30/horizon-charts-in-tableau/</a:t>
+            <a:pPr fontAlgn="base"/>
+            <a:r>
+              <a:rPr lang="en-GB" b="0" i="0" dirty="0" err="1">
+                <a:solidFill>
+                  <a:srgbClr val="000000"/>
+                </a:solidFill>
+                <a:effectLst/>
+                <a:latin typeface="open sans" panose="020B0606030504020204" pitchFamily="34" charset="0"/>
+              </a:rPr>
+              <a:t>Schwabish</a:t>
+            </a:r>
+            <a:r>
+              <a:rPr lang="en-GB" b="0" i="0" dirty="0">
+                <a:solidFill>
+                  <a:srgbClr val="000000"/>
+                </a:solidFill>
+                <a:effectLst/>
+                <a:latin typeface="open sans" panose="020B0606030504020204" pitchFamily="34" charset="0"/>
+              </a:rPr>
+              <a:t>, J. (2021). </a:t>
+            </a:r>
+            <a:r>
+              <a:rPr lang="en-GB" b="0" i="1" u="none" strike="noStrike" dirty="0">
+                <a:solidFill>
+                  <a:srgbClr val="30719D"/>
+                </a:solidFill>
+                <a:effectLst/>
+                <a:latin typeface="inherit"/>
+                <a:hlinkClick r:id="rId2"/>
+              </a:rPr>
+              <a:t>Better Data Visualizations</a:t>
+            </a:r>
+            <a:r>
+              <a:rPr lang="en-GB" b="0" i="0" dirty="0">
+                <a:solidFill>
+                  <a:srgbClr val="000000"/>
+                </a:solidFill>
+                <a:effectLst/>
+                <a:latin typeface="open sans" panose="020B0606030504020204" pitchFamily="34" charset="0"/>
+              </a:rPr>
+              <a:t>.</a:t>
+            </a:r>
+            <a:r>
+              <a:rPr lang="tr-TR" b="0" i="0" dirty="0">
+                <a:solidFill>
+                  <a:srgbClr val="000000"/>
+                </a:solidFill>
+                <a:effectLst/>
+                <a:latin typeface="open sans" panose="020B0606030504020204" pitchFamily="34" charset="0"/>
+              </a:rPr>
+              <a:t> (</a:t>
+            </a:r>
+            <a:r>
+              <a:rPr lang="en-GB" b="0" i="0" dirty="0">
+                <a:solidFill>
+                  <a:srgbClr val="000000"/>
+                </a:solidFill>
+                <a:effectLst/>
+                <a:latin typeface="open sans" panose="020B0606030504020204" pitchFamily="34" charset="0"/>
+              </a:rPr>
+              <a:t>page 164</a:t>
+            </a:r>
+            <a:r>
+              <a:rPr lang="tr-TR" b="0" i="0" dirty="0">
+                <a:solidFill>
+                  <a:srgbClr val="000000"/>
+                </a:solidFill>
+                <a:effectLst/>
+                <a:latin typeface="open sans" panose="020B0606030504020204" pitchFamily="34" charset="0"/>
+              </a:rPr>
+              <a:t>)</a:t>
             </a:r>
             <a:endParaRPr lang="en-DE" dirty="0"/>
+          </a:p>
+          <a:p>
+            <a:pPr algn="l" fontAlgn="base"/>
+            <a:r>
+              <a:rPr lang="tr-TR" b="0" i="0" dirty="0">
+                <a:solidFill>
+                  <a:srgbClr val="000000"/>
+                </a:solidFill>
+                <a:effectLst/>
+                <a:latin typeface="open sans" panose="020B0606030504020204" pitchFamily="34" charset="0"/>
+              </a:rPr>
+              <a:t>(</a:t>
+            </a:r>
+            <a:r>
+              <a:rPr lang="tr-TR" dirty="0">
+                <a:solidFill>
+                  <a:srgbClr val="000000"/>
+                </a:solidFill>
+                <a:latin typeface="open sans" panose="020B0606030504020204" pitchFamily="34" charset="0"/>
+              </a:rPr>
+              <a:t>E</a:t>
+            </a:r>
+            <a:r>
+              <a:rPr lang="en-GB" b="0" i="0" dirty="0" err="1">
+                <a:solidFill>
+                  <a:srgbClr val="000000"/>
+                </a:solidFill>
+                <a:effectLst/>
+                <a:latin typeface="open sans" panose="020B0606030504020204" pitchFamily="34" charset="0"/>
+              </a:rPr>
+              <a:t>conomist</a:t>
+            </a:r>
+            <a:r>
+              <a:rPr lang="en-GB" b="0" i="0" dirty="0">
+                <a:solidFill>
+                  <a:srgbClr val="000000"/>
+                </a:solidFill>
+                <a:effectLst/>
+                <a:latin typeface="open sans" panose="020B0606030504020204" pitchFamily="34" charset="0"/>
+              </a:rPr>
+              <a:t>,</a:t>
+            </a:r>
+            <a:r>
+              <a:rPr lang="tr-TR" b="0" i="0" dirty="0">
+                <a:solidFill>
+                  <a:srgbClr val="000000"/>
+                </a:solidFill>
+                <a:effectLst/>
+                <a:latin typeface="open sans" panose="020B0606030504020204" pitchFamily="34" charset="0"/>
+              </a:rPr>
+              <a:t> </a:t>
+            </a:r>
+            <a:r>
+              <a:rPr lang="tr-TR" dirty="0">
+                <a:solidFill>
+                  <a:srgbClr val="000000"/>
+                </a:solidFill>
+                <a:latin typeface="open sans" panose="020B0606030504020204" pitchFamily="34" charset="0"/>
+              </a:rPr>
+              <a:t>P</a:t>
+            </a:r>
+            <a:r>
+              <a:rPr lang="en-GB" b="0" i="0" dirty="0" err="1">
+                <a:solidFill>
+                  <a:srgbClr val="000000"/>
+                </a:solidFill>
+                <a:effectLst/>
+                <a:latin typeface="open sans" panose="020B0606030504020204" pitchFamily="34" charset="0"/>
+              </a:rPr>
+              <a:t>rofessor</a:t>
+            </a:r>
+            <a:r>
+              <a:rPr lang="en-GB" b="0" i="0" dirty="0">
+                <a:solidFill>
+                  <a:srgbClr val="000000"/>
+                </a:solidFill>
+                <a:effectLst/>
+                <a:latin typeface="open sans" panose="020B0606030504020204" pitchFamily="34" charset="0"/>
+              </a:rPr>
+              <a:t> at American University</a:t>
+            </a:r>
+            <a:r>
+              <a:rPr lang="tr-TR" b="0" i="0" dirty="0">
+                <a:solidFill>
+                  <a:srgbClr val="000000"/>
+                </a:solidFill>
+                <a:effectLst/>
+                <a:latin typeface="open sans" panose="020B0606030504020204" pitchFamily="34" charset="0"/>
+              </a:rPr>
+              <a:t>)</a:t>
+            </a:r>
+            <a:endParaRPr lang="en-GB" b="0" i="0" dirty="0">
+              <a:solidFill>
+                <a:srgbClr val="000000"/>
+              </a:solidFill>
+              <a:effectLst/>
+              <a:latin typeface="open sans" panose="020B0606030504020204" pitchFamily="34" charset="0"/>
+            </a:endParaRPr>
           </a:p>
         </p:txBody>
       </p:sp>
     </p:spTree>
     <p:extLst>
       <p:ext uri="{BB962C8B-B14F-4D97-AF65-F5344CB8AC3E}">
-        <p14:creationId xmlns:p14="http://schemas.microsoft.com/office/powerpoint/2010/main" val="3115719151"/>
+        <p14:creationId xmlns:p14="http://schemas.microsoft.com/office/powerpoint/2010/main" val="2949889702"/>
       </p:ext>
     </p:extLst>
   </p:cSld>
